--- a/Session9/Session9_Slides.pptx
+++ b/Session9/Session9_Slides.pptx
@@ -44,18 +44,6 @@
     <p:sldId id="289" r:id="rId41"/>
     <p:sldId id="290" r:id="rId42"/>
     <p:sldId id="291" r:id="rId43"/>
-    <p:sldId id="292" r:id="rId44"/>
-    <p:sldId id="293" r:id="rId45"/>
-    <p:sldId id="294" r:id="rId46"/>
-    <p:sldId id="295" r:id="rId47"/>
-    <p:sldId id="296" r:id="rId48"/>
-    <p:sldId id="297" r:id="rId49"/>
-    <p:sldId id="298" r:id="rId50"/>
-    <p:sldId id="299" r:id="rId51"/>
-    <p:sldId id="300" r:id="rId52"/>
-    <p:sldId id="301" r:id="rId53"/>
-    <p:sldId id="302" r:id="rId54"/>
-    <p:sldId id="303" r:id="rId55"/>
   </p:sldIdLst>
   <p:sldSz cx="13004800" cy="9753600"/>
   <p:notesSz cx="6858000" cy="9144000"/>
@@ -5688,26 +5676,51 @@
           <a:chExt cx="0" cy="0"/>
         </a:xfrm>
       </p:grpSpPr>
-      <p:pic>
-        <p:nvPicPr>
-          <p:cNvPr id="228" name="pasted-image.png"/>
-          <p:cNvPicPr>
-            <a:picLocks noChangeAspect="1"/>
-          </p:cNvPicPr>
+      <p:sp>
+        <p:nvSpPr>
+          <p:cNvPr id="231" name="Shape 231"/>
+          <p:cNvSpPr/>
+          <p:nvPr>
+            <p:ph type="title"/>
+          </p:nvPr>
+        </p:nvSpPr>
+        <p:spPr>
+          <a:xfrm>
+            <a:off x="406400" y="1536700"/>
+            <a:ext cx="12192000" cy="1169260"/>
+          </a:xfrm>
+          <a:prstGeom prst="rect">
+            <a:avLst/>
+          </a:prstGeom>
+        </p:spPr>
+        <p:txBody>
+          <a:bodyPr/>
+          <a:lstStyle>
+            <a:lvl1pPr defTabSz="403097">
+              <a:spcBef>
+                <a:spcPts val="1900"/>
+              </a:spcBef>
+              <a:defRPr sz="8280"/>
+            </a:lvl1pPr>
+          </a:lstStyle>
+          <a:p>
+            <a:pPr/>
+            <a:r>
+              <a:t>single-variable</a:t>
+            </a:r>
+          </a:p>
+        </p:txBody>
+      </p:sp>
+      <p:sp>
+        <p:nvSpPr>
+          <p:cNvPr id="232" name="Shape 232"/>
+          <p:cNvSpPr/>
           <p:nvPr/>
-        </p:nvPicPr>
-        <p:blipFill>
-          <a:blip r:embed="rId2">
-            <a:extLst/>
-          </a:blip>
-          <a:stretch>
-            <a:fillRect/>
-          </a:stretch>
-        </p:blipFill>
+        </p:nvSpPr>
         <p:spPr>
           <a:xfrm>
-            <a:off x="621384" y="626828"/>
-            <a:ext cx="11762032" cy="8821525"/>
+            <a:off x="656526" y="4571724"/>
+            <a:ext cx="12136011" cy="1333501"/>
           </a:xfrm>
           <a:prstGeom prst="rect">
             <a:avLst/>
@@ -5715,8 +5728,143 @@
           <a:ln w="12700">
             <a:miter lim="400000"/>
           </a:ln>
-        </p:spPr>
-      </p:pic>
+          <a:extLst>
+            <a:ext uri="{C572A759-6A51-4108-AA02-DFA0A04FC94B}">
+              <ma14:wrappingTextBoxFlag xmlns:ma14="http://schemas.microsoft.com/office/mac/drawingml/2011/main" val="1"/>
+            </a:ext>
+          </a:extLst>
+        </p:spPr>
+        <p:txBody>
+          <a:bodyPr lIns="50800" tIns="50800" rIns="50800" bIns="50800" anchor="ctr">
+            <a:spAutoFit/>
+          </a:bodyPr>
+          <a:lstStyle/>
+          <a:p>
+            <a:pPr>
+              <a:defRPr sz="8100">
+                <a:latin typeface="Anonymous Pro for Powerline"/>
+                <a:ea typeface="Anonymous Pro for Powerline"/>
+                <a:cs typeface="Anonymous Pro for Powerline"/>
+                <a:sym typeface="Anonymous Pro for Powerline"/>
+              </a:defRPr>
+            </a:pPr>
+            <a:r>
+              <a:rPr>
+                <a:solidFill>
+                  <a:schemeClr val="accent5"/>
+                </a:solidFill>
+              </a:rPr>
+              <a:t>y</a:t>
+            </a:r>
+            <a:r>
+              <a:t> = 2</a:t>
+            </a:r>
+            <a:r>
+              <a:rPr>
+                <a:solidFill>
+                  <a:schemeClr val="accent3"/>
+                </a:solidFill>
+              </a:rPr>
+              <a:t>x</a:t>
+            </a:r>
+            <a:r>
+              <a:t> + 1</a:t>
+            </a:r>
+          </a:p>
+        </p:txBody>
+      </p:sp>
+      <p:sp>
+        <p:nvSpPr>
+          <p:cNvPr id="233" name="Shape 233"/>
+          <p:cNvSpPr/>
+          <p:nvPr/>
+        </p:nvSpPr>
+        <p:spPr>
+          <a:xfrm rot="16200000">
+            <a:off x="5128517" y="6391994"/>
+            <a:ext cx="1620784" cy="518251"/>
+          </a:xfrm>
+          <a:prstGeom prst="rightArrow">
+            <a:avLst>
+              <a:gd name="adj1" fmla="val 34174"/>
+              <a:gd name="adj2" fmla="val 145948"/>
+            </a:avLst>
+          </a:prstGeom>
+          <a:solidFill>
+            <a:schemeClr val="accent5"/>
+          </a:solidFill>
+          <a:ln w="12700">
+            <a:miter lim="400000"/>
+          </a:ln>
+        </p:spPr>
+        <p:txBody>
+          <a:bodyPr lIns="50800" tIns="50800" rIns="50800" bIns="50800" anchor="ctr"/>
+          <a:lstStyle/>
+          <a:p>
+            <a:pPr algn="ctr">
+              <a:lnSpc>
+                <a:spcPct val="80000"/>
+              </a:lnSpc>
+              <a:spcBef>
+                <a:spcPts val="0"/>
+              </a:spcBef>
+              <a:defRPr cap="all" sz="2800">
+                <a:solidFill>
+                  <a:srgbClr val="FFFFFF"/>
+                </a:solidFill>
+                <a:latin typeface="+mn-lt"/>
+                <a:ea typeface="+mn-ea"/>
+                <a:cs typeface="+mn-cs"/>
+                <a:sym typeface="DIN Condensed"/>
+              </a:defRPr>
+            </a:pPr>
+          </a:p>
+        </p:txBody>
+      </p:sp>
+      <p:sp>
+        <p:nvSpPr>
+          <p:cNvPr id="234" name="Shape 234"/>
+          <p:cNvSpPr/>
+          <p:nvPr/>
+        </p:nvSpPr>
+        <p:spPr>
+          <a:xfrm>
+            <a:off x="4453770" y="7499394"/>
+            <a:ext cx="3251455" cy="1143001"/>
+          </a:xfrm>
+          <a:prstGeom prst="rect">
+            <a:avLst/>
+          </a:prstGeom>
+          <a:ln w="12700">
+            <a:miter lim="400000"/>
+          </a:ln>
+          <a:extLst>
+            <a:ext uri="{C572A759-6A51-4108-AA02-DFA0A04FC94B}">
+              <ma14:wrappingTextBoxFlag xmlns:ma14="http://schemas.microsoft.com/office/mac/drawingml/2011/main" val="1"/>
+            </a:ext>
+          </a:extLst>
+        </p:spPr>
+        <p:txBody>
+          <a:bodyPr wrap="none" lIns="50800" tIns="50800" rIns="50800" bIns="50800" anchor="ctr">
+            <a:spAutoFit/>
+          </a:bodyPr>
+          <a:lstStyle>
+            <a:lvl1pPr>
+              <a:defRPr sz="6000">
+                <a:solidFill>
+                  <a:schemeClr val="accent5"/>
+                </a:solidFill>
+              </a:defRPr>
+            </a:lvl1pPr>
+          </a:lstStyle>
+          <a:p>
+            <a:pPr/>
+            <a:r>
+              <a:t>intercept</a:t>
+            </a:r>
+          </a:p>
+        </p:txBody>
+      </p:sp>
     </p:spTree>
   </p:cSld>
   <p:clrMapOvr>
@@ -5743,9 +5891,80 @@
           <a:chExt cx="0" cy="0"/>
         </a:xfrm>
       </p:grpSpPr>
+      <p:sp>
+        <p:nvSpPr>
+          <p:cNvPr id="236" name="Shape 236"/>
+          <p:cNvSpPr/>
+          <p:nvPr>
+            <p:ph type="body" idx="13"/>
+          </p:nvPr>
+        </p:nvSpPr>
+        <p:spPr>
+          <a:prstGeom prst="rect">
+            <a:avLst/>
+          </a:prstGeom>
+        </p:spPr>
+        <p:txBody>
+          <a:bodyPr/>
+          <a:lstStyle/>
+          <a:p>
+            <a:pPr/>
+            <a:r>
+              <a:t>Text</a:t>
+            </a:r>
+          </a:p>
+        </p:txBody>
+      </p:sp>
+      <p:sp>
+        <p:nvSpPr>
+          <p:cNvPr id="237" name="Shape 237"/>
+          <p:cNvSpPr/>
+          <p:nvPr>
+            <p:ph type="title"/>
+          </p:nvPr>
+        </p:nvSpPr>
+        <p:spPr>
+          <a:prstGeom prst="rect">
+            <a:avLst/>
+          </a:prstGeom>
+        </p:spPr>
+        <p:txBody>
+          <a:bodyPr/>
+          <a:lstStyle/>
+          <a:p>
+            <a:pPr defTabSz="467359">
+              <a:spcBef>
+                <a:spcPts val="2200"/>
+              </a:spcBef>
+              <a:defRPr sz="4800"/>
+            </a:pPr>
+          </a:p>
+        </p:txBody>
+      </p:sp>
+      <p:sp>
+        <p:nvSpPr>
+          <p:cNvPr id="238" name="Shape 238"/>
+          <p:cNvSpPr/>
+          <p:nvPr>
+            <p:ph type="body" idx="1"/>
+          </p:nvPr>
+        </p:nvSpPr>
+        <p:spPr>
+          <a:prstGeom prst="rect">
+            <a:avLst/>
+          </a:prstGeom>
+        </p:spPr>
+        <p:txBody>
+          <a:bodyPr/>
+          <a:lstStyle/>
+          <a:p>
+            <a:pPr/>
+          </a:p>
+        </p:txBody>
+      </p:sp>
       <p:pic>
         <p:nvPicPr>
-          <p:cNvPr id="230" name="pasted-image.png"/>
+          <p:cNvPr id="239" name="pasted-image.png"/>
           <p:cNvPicPr>
             <a:picLocks noChangeAspect="1"/>
           </p:cNvPicPr>
@@ -5761,8 +5980,8 @@
         </p:blipFill>
         <p:spPr>
           <a:xfrm>
-            <a:off x="1346200" y="990600"/>
-            <a:ext cx="10312400" cy="7772400"/>
+            <a:off x="0" y="429922"/>
+            <a:ext cx="13004801" cy="8893756"/>
           </a:xfrm>
           <a:prstGeom prst="rect">
             <a:avLst/>
@@ -5800,7 +6019,7 @@
       </p:grpSpPr>
       <p:sp>
         <p:nvSpPr>
-          <p:cNvPr id="232" name="Shape 232"/>
+          <p:cNvPr id="241" name="Shape 241"/>
           <p:cNvSpPr/>
           <p:nvPr>
             <p:ph type="title"/>
@@ -5808,8 +6027,8 @@
         </p:nvSpPr>
         <p:spPr>
           <a:xfrm>
-            <a:off x="3279937" y="4128458"/>
-            <a:ext cx="6444926" cy="1982356"/>
+            <a:off x="406400" y="1536700"/>
+            <a:ext cx="12192000" cy="1169260"/>
           </a:xfrm>
           <a:prstGeom prst="rect">
             <a:avLst/>
@@ -5818,14 +6037,280 @@
         <p:txBody>
           <a:bodyPr/>
           <a:lstStyle>
-            <a:lvl1pPr defTabSz="502412">
-              <a:defRPr sz="14620"/>
+            <a:lvl1pPr defTabSz="403097">
+              <a:spcBef>
+                <a:spcPts val="1900"/>
+              </a:spcBef>
+              <a:defRPr sz="8280"/>
             </a:lvl1pPr>
           </a:lstStyle>
           <a:p>
             <a:pPr/>
             <a:r>
-              <a:t>Exercises</a:t>
+              <a:t>single-variable</a:t>
+            </a:r>
+          </a:p>
+        </p:txBody>
+      </p:sp>
+      <p:sp>
+        <p:nvSpPr>
+          <p:cNvPr id="242" name="Shape 242"/>
+          <p:cNvSpPr/>
+          <p:nvPr/>
+        </p:nvSpPr>
+        <p:spPr>
+          <a:xfrm>
+            <a:off x="574094" y="2903133"/>
+            <a:ext cx="12136012" cy="1333501"/>
+          </a:xfrm>
+          <a:prstGeom prst="rect">
+            <a:avLst/>
+          </a:prstGeom>
+          <a:ln w="12700">
+            <a:miter lim="400000"/>
+          </a:ln>
+          <a:extLst>
+            <a:ext uri="{C572A759-6A51-4108-AA02-DFA0A04FC94B}">
+              <ma14:wrappingTextBoxFlag xmlns:ma14="http://schemas.microsoft.com/office/mac/drawingml/2011/main" val="1"/>
+            </a:ext>
+          </a:extLst>
+        </p:spPr>
+        <p:txBody>
+          <a:bodyPr lIns="50800" tIns="50800" rIns="50800" bIns="50800" anchor="ctr">
+            <a:spAutoFit/>
+          </a:bodyPr>
+          <a:lstStyle/>
+          <a:p>
+            <a:pPr>
+              <a:defRPr sz="8100">
+                <a:latin typeface="Anonymous Pro for Powerline"/>
+                <a:ea typeface="Anonymous Pro for Powerline"/>
+                <a:cs typeface="Anonymous Pro for Powerline"/>
+                <a:sym typeface="Anonymous Pro for Powerline"/>
+              </a:defRPr>
+            </a:pPr>
+            <a:r>
+              <a:rPr>
+                <a:solidFill>
+                  <a:schemeClr val="accent5"/>
+                </a:solidFill>
+              </a:rPr>
+              <a:t>y</a:t>
+            </a:r>
+            <a:r>
+              <a:t> = 2</a:t>
+            </a:r>
+            <a:r>
+              <a:rPr>
+                <a:solidFill>
+                  <a:schemeClr val="accent3"/>
+                </a:solidFill>
+              </a:rPr>
+              <a:t>x</a:t>
+            </a:r>
+            <a:r>
+              <a:t> + 1</a:t>
+            </a:r>
+          </a:p>
+        </p:txBody>
+      </p:sp>
+      <p:sp>
+        <p:nvSpPr>
+          <p:cNvPr id="243" name="Shape 243"/>
+          <p:cNvSpPr/>
+          <p:nvPr/>
+        </p:nvSpPr>
+        <p:spPr>
+          <a:xfrm>
+            <a:off x="574094" y="5137150"/>
+            <a:ext cx="12136012" cy="1333501"/>
+          </a:xfrm>
+          <a:prstGeom prst="rect">
+            <a:avLst/>
+          </a:prstGeom>
+          <a:ln w="12700">
+            <a:miter lim="400000"/>
+          </a:ln>
+          <a:extLst>
+            <a:ext uri="{C572A759-6A51-4108-AA02-DFA0A04FC94B}">
+              <ma14:wrappingTextBoxFlag xmlns:ma14="http://schemas.microsoft.com/office/mac/drawingml/2011/main" val="1"/>
+            </a:ext>
+          </a:extLst>
+        </p:spPr>
+        <p:txBody>
+          <a:bodyPr lIns="50800" tIns="50800" rIns="50800" bIns="50800" anchor="ctr">
+            <a:spAutoFit/>
+          </a:bodyPr>
+          <a:lstStyle/>
+          <a:p>
+            <a:pPr>
+              <a:defRPr sz="8100">
+                <a:latin typeface="Anonymous Pro for Powerline"/>
+                <a:ea typeface="Anonymous Pro for Powerline"/>
+                <a:cs typeface="Anonymous Pro for Powerline"/>
+                <a:sym typeface="Anonymous Pro for Powerline"/>
+              </a:defRPr>
+            </a:pPr>
+            <a:r>
+              <a:rPr>
+                <a:solidFill>
+                  <a:schemeClr val="accent3"/>
+                </a:solidFill>
+              </a:rPr>
+              <a:t>1</a:t>
+            </a:r>
+            <a:r>
+              <a:rPr>
+                <a:solidFill>
+                  <a:schemeClr val="accent5"/>
+                </a:solidFill>
+              </a:rPr>
+              <a:t> </a:t>
+            </a:r>
+            <a:r>
+              <a:t>—&gt; </a:t>
+            </a:r>
+            <a:r>
+              <a:rPr>
+                <a:solidFill>
+                  <a:schemeClr val="accent5"/>
+                </a:solidFill>
+              </a:rPr>
+              <a:t>3</a:t>
+            </a:r>
+          </a:p>
+        </p:txBody>
+      </p:sp>
+      <p:sp>
+        <p:nvSpPr>
+          <p:cNvPr id="244" name="Shape 244"/>
+          <p:cNvSpPr/>
+          <p:nvPr/>
+        </p:nvSpPr>
+        <p:spPr>
+          <a:xfrm>
+            <a:off x="574094" y="6516165"/>
+            <a:ext cx="12136012" cy="1333501"/>
+          </a:xfrm>
+          <a:prstGeom prst="rect">
+            <a:avLst/>
+          </a:prstGeom>
+          <a:ln w="12700">
+            <a:miter lim="400000"/>
+          </a:ln>
+          <a:extLst>
+            <a:ext uri="{C572A759-6A51-4108-AA02-DFA0A04FC94B}">
+              <ma14:wrappingTextBoxFlag xmlns:ma14="http://schemas.microsoft.com/office/mac/drawingml/2011/main" val="1"/>
+            </a:ext>
+          </a:extLst>
+        </p:spPr>
+        <p:txBody>
+          <a:bodyPr lIns="50800" tIns="50800" rIns="50800" bIns="50800" anchor="ctr">
+            <a:spAutoFit/>
+          </a:bodyPr>
+          <a:lstStyle/>
+          <a:p>
+            <a:pPr>
+              <a:defRPr sz="8100">
+                <a:latin typeface="Anonymous Pro for Powerline"/>
+                <a:ea typeface="Anonymous Pro for Powerline"/>
+                <a:cs typeface="Anonymous Pro for Powerline"/>
+                <a:sym typeface="Anonymous Pro for Powerline"/>
+              </a:defRPr>
+            </a:pPr>
+            <a:r>
+              <a:rPr>
+                <a:solidFill>
+                  <a:schemeClr val="accent3"/>
+                </a:solidFill>
+              </a:rPr>
+              <a:t>2</a:t>
+            </a:r>
+            <a:r>
+              <a:rPr>
+                <a:solidFill>
+                  <a:schemeClr val="accent5"/>
+                </a:solidFill>
+              </a:rPr>
+              <a:t> </a:t>
+            </a:r>
+            <a:r>
+              <a:t>—&gt; </a:t>
+            </a:r>
+            <a:r>
+              <a:rPr>
+                <a:solidFill>
+                  <a:schemeClr val="accent5"/>
+                </a:solidFill>
+              </a:rPr>
+              <a:t>5</a:t>
+            </a:r>
+          </a:p>
+        </p:txBody>
+      </p:sp>
+      <p:sp>
+        <p:nvSpPr>
+          <p:cNvPr id="245" name="Shape 245"/>
+          <p:cNvSpPr/>
+          <p:nvPr/>
+        </p:nvSpPr>
+        <p:spPr>
+          <a:xfrm>
+            <a:off x="574094" y="7895180"/>
+            <a:ext cx="12136012" cy="1333501"/>
+          </a:xfrm>
+          <a:prstGeom prst="rect">
+            <a:avLst/>
+          </a:prstGeom>
+          <a:ln w="12700">
+            <a:miter lim="400000"/>
+          </a:ln>
+          <a:extLst>
+            <a:ext uri="{C572A759-6A51-4108-AA02-DFA0A04FC94B}">
+              <ma14:wrappingTextBoxFlag xmlns:ma14="http://schemas.microsoft.com/office/mac/drawingml/2011/main" val="1"/>
+            </a:ext>
+          </a:extLst>
+        </p:spPr>
+        <p:txBody>
+          <a:bodyPr lIns="50800" tIns="50800" rIns="50800" bIns="50800" anchor="ctr">
+            <a:spAutoFit/>
+          </a:bodyPr>
+          <a:lstStyle/>
+          <a:p>
+            <a:pPr>
+              <a:defRPr sz="8100">
+                <a:latin typeface="Anonymous Pro for Powerline"/>
+                <a:ea typeface="Anonymous Pro for Powerline"/>
+                <a:cs typeface="Anonymous Pro for Powerline"/>
+                <a:sym typeface="Anonymous Pro for Powerline"/>
+              </a:defRPr>
+            </a:pPr>
+            <a:r>
+              <a:rPr>
+                <a:solidFill>
+                  <a:schemeClr val="accent3"/>
+                </a:solidFill>
+              </a:rPr>
+              <a:t>3</a:t>
+            </a:r>
+            <a:r>
+              <a:rPr>
+                <a:solidFill>
+                  <a:schemeClr val="accent5"/>
+                </a:solidFill>
+              </a:rPr>
+              <a:t> </a:t>
+            </a:r>
+            <a:r>
+              <a:t>—&gt; </a:t>
+            </a:r>
+            <a:r>
+              <a:rPr>
+                <a:solidFill>
+                  <a:schemeClr val="accent5"/>
+                </a:solidFill>
+              </a:rPr>
+              <a:t>7</a:t>
             </a:r>
           </a:p>
         </p:txBody>
@@ -5858,7 +6343,7 @@
       </p:grpSpPr>
       <p:sp>
         <p:nvSpPr>
-          <p:cNvPr id="234" name="Shape 234"/>
+          <p:cNvPr id="247" name="Shape 247"/>
           <p:cNvSpPr/>
           <p:nvPr>
             <p:ph type="title"/>
@@ -5876,76 +6361,79 @@
         <p:txBody>
           <a:bodyPr/>
           <a:lstStyle>
-            <a:lvl1pPr defTabSz="403097">
+            <a:lvl1pPr defTabSz="373887">
               <a:spcBef>
-                <a:spcPts val="1900"/>
+                <a:spcPts val="1700"/>
               </a:spcBef>
-              <a:defRPr sz="8280"/>
+              <a:defRPr sz="7679"/>
             </a:lvl1pPr>
           </a:lstStyle>
           <a:p>
             <a:pPr/>
             <a:r>
-              <a:t>Sci-Kit Learn</a:t>
-            </a:r>
-          </a:p>
-        </p:txBody>
-      </p:sp>
-      <p:sp>
-        <p:nvSpPr>
-          <p:cNvPr id="235" name="Shape 235"/>
-          <p:cNvSpPr/>
-          <p:nvPr>
-            <p:ph type="body" sz="half" idx="1"/>
-          </p:nvPr>
+              <a:t>single-variable Model for Housing</a:t>
+            </a:r>
+          </a:p>
+        </p:txBody>
+      </p:sp>
+      <p:sp>
+        <p:nvSpPr>
+          <p:cNvPr id="248" name="Shape 248"/>
+          <p:cNvSpPr/>
+          <p:nvPr/>
         </p:nvSpPr>
         <p:spPr>
           <a:xfrm>
-            <a:off x="406400" y="3953767"/>
-            <a:ext cx="12192000" cy="2531601"/>
-          </a:xfrm>
-          <a:prstGeom prst="rect">
-            <a:avLst/>
-          </a:prstGeom>
-        </p:spPr>
-        <p:txBody>
-          <a:bodyPr/>
+            <a:off x="656526" y="4571724"/>
+            <a:ext cx="12136011" cy="1333501"/>
+          </a:xfrm>
+          <a:prstGeom prst="rect">
+            <a:avLst/>
+          </a:prstGeom>
+          <a:ln w="12700">
+            <a:miter lim="400000"/>
+          </a:ln>
+          <a:extLst>
+            <a:ext uri="{C572A759-6A51-4108-AA02-DFA0A04FC94B}">
+              <ma14:wrappingTextBoxFlag xmlns:ma14="http://schemas.microsoft.com/office/mac/drawingml/2011/main" val="1"/>
+            </a:ext>
+          </a:extLst>
+        </p:spPr>
+        <p:txBody>
+          <a:bodyPr lIns="50800" tIns="50800" rIns="50800" bIns="50800" anchor="ctr">
+            <a:spAutoFit/>
+          </a:bodyPr>
           <a:lstStyle/>
           <a:p>
-            <a:pPr marL="585955" indent="-585955" defTabSz="484886">
-              <a:spcBef>
-                <a:spcPts val="2300"/>
-              </a:spcBef>
-              <a:buClrTx/>
-              <a:buSzPct val="40000"/>
-              <a:buFontTx/>
-              <a:buBlip>
-                <a:blip r:embed="rId2"/>
-              </a:buBlip>
-              <a:defRPr sz="5312"/>
+            <a:pPr>
+              <a:defRPr sz="8100">
+                <a:latin typeface="Anonymous Pro for Powerline"/>
+                <a:ea typeface="Anonymous Pro for Powerline"/>
+                <a:cs typeface="Anonymous Pro for Powerline"/>
+                <a:sym typeface="Anonymous Pro for Powerline"/>
+              </a:defRPr>
             </a:pPr>
             <a:r>
-              <a:t>All-in-one machine learning package</a:t>
-            </a:r>
-          </a:p>
-          <a:p>
-            <a:pPr marL="585955" indent="-585955" defTabSz="484886">
-              <a:lnSpc>
-                <a:spcPct val="200000"/>
-              </a:lnSpc>
-              <a:spcBef>
-                <a:spcPts val="2300"/>
-              </a:spcBef>
-              <a:buClrTx/>
-              <a:buSzPct val="40000"/>
-              <a:buFontTx/>
-              <a:buBlip>
-                <a:blip r:embed="rId2"/>
-              </a:buBlip>
-              <a:defRPr sz="5312"/>
-            </a:pPr>
-            <a:r>
-              <a:t>Built on Numpy and matplotlib</a:t>
+              <a:rPr>
+                <a:solidFill>
+                  <a:schemeClr val="accent5"/>
+                </a:solidFill>
+              </a:rPr>
+              <a:t>y</a:t>
+            </a:r>
+            <a:r>
+              <a:t> = 2000</a:t>
+            </a:r>
+            <a:r>
+              <a:rPr>
+                <a:solidFill>
+                  <a:schemeClr val="accent3"/>
+                </a:solidFill>
+              </a:rPr>
+              <a:t>x</a:t>
+            </a:r>
+            <a:r>
+              <a:t> + 400,000</a:t>
             </a:r>
           </a:p>
         </p:txBody>
@@ -5978,95 +6466,49 @@
       </p:grpSpPr>
       <p:sp>
         <p:nvSpPr>
-          <p:cNvPr id="237" name="Shape 237"/>
-          <p:cNvSpPr/>
-          <p:nvPr>
-            <p:ph type="body" idx="13"/>
-          </p:nvPr>
-        </p:nvSpPr>
-        <p:spPr>
-          <a:prstGeom prst="rect">
-            <a:avLst/>
-          </a:prstGeom>
-        </p:spPr>
-        <p:txBody>
-          <a:bodyPr/>
-          <a:lstStyle/>
-          <a:p>
-            <a:pPr/>
-            <a:r>
-              <a:t>Text</a:t>
-            </a:r>
-          </a:p>
-        </p:txBody>
-      </p:sp>
-      <p:sp>
-        <p:nvSpPr>
-          <p:cNvPr id="238" name="Shape 238"/>
+          <p:cNvPr id="250" name="Shape 250"/>
           <p:cNvSpPr/>
           <p:nvPr>
             <p:ph type="title"/>
           </p:nvPr>
         </p:nvSpPr>
         <p:spPr>
+          <a:xfrm>
+            <a:off x="406400" y="1536700"/>
+            <a:ext cx="12192000" cy="1169260"/>
+          </a:xfrm>
           <a:prstGeom prst="rect">
             <a:avLst/>
           </a:prstGeom>
         </p:spPr>
         <p:txBody>
           <a:bodyPr/>
-          <a:lstStyle/>
-          <a:p>
-            <a:pPr defTabSz="467359">
+          <a:lstStyle>
+            <a:lvl1pPr defTabSz="373887">
               <a:spcBef>
-                <a:spcPts val="2200"/>
+                <a:spcPts val="1700"/>
               </a:spcBef>
-              <a:defRPr sz="4800"/>
-            </a:pPr>
-          </a:p>
-        </p:txBody>
-      </p:sp>
-      <p:sp>
-        <p:nvSpPr>
-          <p:cNvPr id="239" name="Shape 239"/>
-          <p:cNvSpPr/>
-          <p:nvPr>
-            <p:ph type="body" idx="1"/>
-          </p:nvPr>
-        </p:nvSpPr>
-        <p:spPr>
-          <a:prstGeom prst="rect">
-            <a:avLst/>
-          </a:prstGeom>
-        </p:spPr>
-        <p:txBody>
-          <a:bodyPr/>
-          <a:lstStyle/>
+              <a:defRPr sz="7679"/>
+            </a:lvl1pPr>
+          </a:lstStyle>
           <a:p>
             <a:pPr/>
-          </a:p>
-        </p:txBody>
-      </p:sp>
-      <p:pic>
-        <p:nvPicPr>
-          <p:cNvPr id="240" name="pasted-image.png"/>
-          <p:cNvPicPr>
-            <a:picLocks noChangeAspect="1"/>
-          </p:cNvPicPr>
+            <a:r>
+              <a:t>single-variable Model for Housing</a:t>
+            </a:r>
+          </a:p>
+        </p:txBody>
+      </p:sp>
+      <p:sp>
+        <p:nvSpPr>
+          <p:cNvPr id="251" name="Shape 251"/>
+          <p:cNvSpPr/>
           <p:nvPr/>
-        </p:nvPicPr>
-        <p:blipFill>
-          <a:blip r:embed="rId2">
-            <a:extLst/>
-          </a:blip>
-          <a:stretch>
-            <a:fillRect/>
-          </a:stretch>
-        </p:blipFill>
+        </p:nvSpPr>
         <p:spPr>
           <a:xfrm>
-            <a:off x="-1270000" y="0"/>
-            <a:ext cx="15544800" cy="9753600"/>
+            <a:off x="656526" y="4571724"/>
+            <a:ext cx="12136011" cy="1333501"/>
           </a:xfrm>
           <a:prstGeom prst="rect">
             <a:avLst/>
@@ -6074,8 +6516,143 @@
           <a:ln w="12700">
             <a:miter lim="400000"/>
           </a:ln>
-        </p:spPr>
-      </p:pic>
+          <a:extLst>
+            <a:ext uri="{C572A759-6A51-4108-AA02-DFA0A04FC94B}">
+              <ma14:wrappingTextBoxFlag xmlns:ma14="http://schemas.microsoft.com/office/mac/drawingml/2011/main" val="1"/>
+            </a:ext>
+          </a:extLst>
+        </p:spPr>
+        <p:txBody>
+          <a:bodyPr lIns="50800" tIns="50800" rIns="50800" bIns="50800" anchor="ctr">
+            <a:spAutoFit/>
+          </a:bodyPr>
+          <a:lstStyle/>
+          <a:p>
+            <a:pPr>
+              <a:defRPr sz="8100">
+                <a:latin typeface="Anonymous Pro for Powerline"/>
+                <a:ea typeface="Anonymous Pro for Powerline"/>
+                <a:cs typeface="Anonymous Pro for Powerline"/>
+                <a:sym typeface="Anonymous Pro for Powerline"/>
+              </a:defRPr>
+            </a:pPr>
+            <a:r>
+              <a:rPr>
+                <a:solidFill>
+                  <a:schemeClr val="accent5"/>
+                </a:solidFill>
+              </a:rPr>
+              <a:t>y</a:t>
+            </a:r>
+            <a:r>
+              <a:t> = 60,000</a:t>
+            </a:r>
+            <a:r>
+              <a:rPr>
+                <a:solidFill>
+                  <a:schemeClr val="accent3"/>
+                </a:solidFill>
+              </a:rPr>
+              <a:t>x</a:t>
+            </a:r>
+            <a:r>
+              <a:t> + 400,000</a:t>
+            </a:r>
+          </a:p>
+        </p:txBody>
+      </p:sp>
+      <p:sp>
+        <p:nvSpPr>
+          <p:cNvPr id="252" name="Shape 252"/>
+          <p:cNvSpPr/>
+          <p:nvPr/>
+        </p:nvSpPr>
+        <p:spPr>
+          <a:xfrm rot="16200000">
+            <a:off x="5712273" y="6586579"/>
+            <a:ext cx="1620784" cy="518252"/>
+          </a:xfrm>
+          <a:prstGeom prst="rightArrow">
+            <a:avLst>
+              <a:gd name="adj1" fmla="val 34174"/>
+              <a:gd name="adj2" fmla="val 145948"/>
+            </a:avLst>
+          </a:prstGeom>
+          <a:solidFill>
+            <a:schemeClr val="accent5"/>
+          </a:solidFill>
+          <a:ln w="12700">
+            <a:miter lim="400000"/>
+          </a:ln>
+        </p:spPr>
+        <p:txBody>
+          <a:bodyPr lIns="50800" tIns="50800" rIns="50800" bIns="50800" anchor="ctr"/>
+          <a:lstStyle/>
+          <a:p>
+            <a:pPr algn="ctr">
+              <a:lnSpc>
+                <a:spcPct val="80000"/>
+              </a:lnSpc>
+              <a:spcBef>
+                <a:spcPts val="0"/>
+              </a:spcBef>
+              <a:defRPr cap="all" sz="2800">
+                <a:solidFill>
+                  <a:srgbClr val="FFFFFF"/>
+                </a:solidFill>
+                <a:latin typeface="+mn-lt"/>
+                <a:ea typeface="+mn-ea"/>
+                <a:cs typeface="+mn-cs"/>
+                <a:sym typeface="DIN Condensed"/>
+              </a:defRPr>
+            </a:pPr>
+          </a:p>
+        </p:txBody>
+      </p:sp>
+      <p:sp>
+        <p:nvSpPr>
+          <p:cNvPr id="253" name="Shape 253"/>
+          <p:cNvSpPr/>
+          <p:nvPr/>
+        </p:nvSpPr>
+        <p:spPr>
+          <a:xfrm>
+            <a:off x="5037527" y="7693980"/>
+            <a:ext cx="6325363" cy="1143001"/>
+          </a:xfrm>
+          <a:prstGeom prst="rect">
+            <a:avLst/>
+          </a:prstGeom>
+          <a:ln w="12700">
+            <a:miter lim="400000"/>
+          </a:ln>
+          <a:extLst>
+            <a:ext uri="{C572A759-6A51-4108-AA02-DFA0A04FC94B}">
+              <ma14:wrappingTextBoxFlag xmlns:ma14="http://schemas.microsoft.com/office/mac/drawingml/2011/main" val="1"/>
+            </a:ext>
+          </a:extLst>
+        </p:spPr>
+        <p:txBody>
+          <a:bodyPr wrap="none" lIns="50800" tIns="50800" rIns="50800" bIns="50800" anchor="ctr">
+            <a:spAutoFit/>
+          </a:bodyPr>
+          <a:lstStyle>
+            <a:lvl1pPr>
+              <a:defRPr sz="6000">
+                <a:solidFill>
+                  <a:schemeClr val="accent5"/>
+                </a:solidFill>
+              </a:defRPr>
+            </a:lvl1pPr>
+          </a:lstStyle>
+          <a:p>
+            <a:pPr/>
+            <a:r>
+              <a:t>Number of rooms</a:t>
+            </a:r>
+          </a:p>
+        </p:txBody>
+      </p:sp>
     </p:spTree>
   </p:cSld>
   <p:clrMapOvr>
@@ -6104,7 +6681,7 @@
       </p:grpSpPr>
       <p:sp>
         <p:nvSpPr>
-          <p:cNvPr id="242" name="Shape 242"/>
+          <p:cNvPr id="255" name="Shape 255"/>
           <p:cNvSpPr/>
           <p:nvPr>
             <p:ph type="title"/>
@@ -6122,31 +6699,31 @@
         <p:txBody>
           <a:bodyPr/>
           <a:lstStyle>
-            <a:lvl1pPr defTabSz="403097">
+            <a:lvl1pPr defTabSz="373887">
               <a:spcBef>
-                <a:spcPts val="1900"/>
+                <a:spcPts val="1700"/>
               </a:spcBef>
-              <a:defRPr sz="8280"/>
+              <a:defRPr sz="7679"/>
             </a:lvl1pPr>
           </a:lstStyle>
           <a:p>
             <a:pPr/>
             <a:r>
-              <a:t>Imported as sklearn</a:t>
-            </a:r>
-          </a:p>
-        </p:txBody>
-      </p:sp>
-      <p:sp>
-        <p:nvSpPr>
-          <p:cNvPr id="243" name="Shape 243"/>
+              <a:t>single-variable Model for Housing</a:t>
+            </a:r>
+          </a:p>
+        </p:txBody>
+      </p:sp>
+      <p:sp>
+        <p:nvSpPr>
+          <p:cNvPr id="256" name="Shape 256"/>
           <p:cNvSpPr/>
           <p:nvPr/>
         </p:nvSpPr>
         <p:spPr>
           <a:xfrm>
-            <a:off x="434394" y="4826000"/>
-            <a:ext cx="12136011" cy="1955801"/>
+            <a:off x="656526" y="4571724"/>
+            <a:ext cx="12136011" cy="1333501"/>
           </a:xfrm>
           <a:prstGeom prst="rect">
             <a:avLst/>
@@ -6167,7 +6744,7 @@
           <a:lstStyle/>
           <a:p>
             <a:pPr>
-              <a:defRPr sz="5100">
+              <a:defRPr sz="8100">
                 <a:latin typeface="Anonymous Pro for Powerline"/>
                 <a:ea typeface="Anonymous Pro for Powerline"/>
                 <a:cs typeface="Anonymous Pro for Powerline"/>
@@ -6175,20 +6752,118 @@
               </a:defRPr>
             </a:pPr>
             <a:r>
-              <a:t>import sklearn</a:t>
-            </a:r>
-          </a:p>
-          <a:p>
-            <a:pPr>
-              <a:defRPr sz="5100">
-                <a:latin typeface="Anonymous Pro for Powerline"/>
-                <a:ea typeface="Anonymous Pro for Powerline"/>
-                <a:cs typeface="Anonymous Pro for Powerline"/>
-                <a:sym typeface="Anonymous Pro for Powerline"/>
+              <a:rPr>
+                <a:solidFill>
+                  <a:schemeClr val="accent5"/>
+                </a:solidFill>
+              </a:rPr>
+              <a:t>y</a:t>
+            </a:r>
+            <a:r>
+              <a:t> = 60,000</a:t>
+            </a:r>
+            <a:r>
+              <a:rPr>
+                <a:solidFill>
+                  <a:schemeClr val="accent3"/>
+                </a:solidFill>
+              </a:rPr>
+              <a:t>x</a:t>
+            </a:r>
+            <a:r>
+              <a:t> + 400,000</a:t>
+            </a:r>
+          </a:p>
+        </p:txBody>
+      </p:sp>
+      <p:sp>
+        <p:nvSpPr>
+          <p:cNvPr id="257" name="Shape 257"/>
+          <p:cNvSpPr/>
+          <p:nvPr/>
+        </p:nvSpPr>
+        <p:spPr>
+          <a:xfrm rot="16200000">
+            <a:off x="8874288" y="6708196"/>
+            <a:ext cx="1620784" cy="518251"/>
+          </a:xfrm>
+          <a:prstGeom prst="rightArrow">
+            <a:avLst>
+              <a:gd name="adj1" fmla="val 34174"/>
+              <a:gd name="adj2" fmla="val 145948"/>
+            </a:avLst>
+          </a:prstGeom>
+          <a:solidFill>
+            <a:schemeClr val="accent5"/>
+          </a:solidFill>
+          <a:ln w="12700">
+            <a:miter lim="400000"/>
+          </a:ln>
+        </p:spPr>
+        <p:txBody>
+          <a:bodyPr lIns="50800" tIns="50800" rIns="50800" bIns="50800" anchor="ctr"/>
+          <a:lstStyle/>
+          <a:p>
+            <a:pPr algn="ctr">
+              <a:lnSpc>
+                <a:spcPct val="80000"/>
+              </a:lnSpc>
+              <a:spcBef>
+                <a:spcPts val="0"/>
+              </a:spcBef>
+              <a:defRPr cap="all" sz="2800">
+                <a:solidFill>
+                  <a:srgbClr val="FFFFFF"/>
+                </a:solidFill>
+                <a:latin typeface="+mn-lt"/>
+                <a:ea typeface="+mn-ea"/>
+                <a:cs typeface="+mn-cs"/>
+                <a:sym typeface="DIN Condensed"/>
               </a:defRPr>
             </a:pPr>
-            <a:r>
-              <a:t> </a:t>
+          </a:p>
+        </p:txBody>
+      </p:sp>
+      <p:sp>
+        <p:nvSpPr>
+          <p:cNvPr id="258" name="Shape 258"/>
+          <p:cNvSpPr/>
+          <p:nvPr/>
+        </p:nvSpPr>
+        <p:spPr>
+          <a:xfrm>
+            <a:off x="4648356" y="8029418"/>
+            <a:ext cx="6640831" cy="1143001"/>
+          </a:xfrm>
+          <a:prstGeom prst="rect">
+            <a:avLst/>
+          </a:prstGeom>
+          <a:ln w="12700">
+            <a:miter lim="400000"/>
+          </a:ln>
+          <a:extLst>
+            <a:ext uri="{C572A759-6A51-4108-AA02-DFA0A04FC94B}">
+              <ma14:wrappingTextBoxFlag xmlns:ma14="http://schemas.microsoft.com/office/mac/drawingml/2011/main" val="1"/>
+            </a:ext>
+          </a:extLst>
+        </p:spPr>
+        <p:txBody>
+          <a:bodyPr wrap="none" lIns="50800" tIns="50800" rIns="50800" bIns="50800" anchor="ctr">
+            <a:spAutoFit/>
+          </a:bodyPr>
+          <a:lstStyle>
+            <a:lvl1pPr>
+              <a:defRPr sz="6000">
+                <a:solidFill>
+                  <a:schemeClr val="accent5"/>
+                </a:solidFill>
+              </a:defRPr>
+            </a:lvl1pPr>
+          </a:lstStyle>
+          <a:p>
+            <a:pPr/>
+            <a:r>
+              <a:t>Base cost of house</a:t>
             </a:r>
           </a:p>
         </p:txBody>
@@ -6221,7 +6896,7 @@
       </p:grpSpPr>
       <p:sp>
         <p:nvSpPr>
-          <p:cNvPr id="245" name="Shape 245"/>
+          <p:cNvPr id="260" name="Shape 260"/>
           <p:cNvSpPr/>
           <p:nvPr>
             <p:ph type="title"/>
@@ -6249,21 +6924,21 @@
           <a:p>
             <a:pPr/>
             <a:r>
-              <a:t>Imported as sklearn</a:t>
-            </a:r>
-          </a:p>
-        </p:txBody>
-      </p:sp>
-      <p:sp>
-        <p:nvSpPr>
-          <p:cNvPr id="246" name="Shape 246"/>
+              <a:t>single-variable</a:t>
+            </a:r>
+          </a:p>
+        </p:txBody>
+      </p:sp>
+      <p:sp>
+        <p:nvSpPr>
+          <p:cNvPr id="261" name="Shape 261"/>
           <p:cNvSpPr/>
           <p:nvPr/>
         </p:nvSpPr>
         <p:spPr>
           <a:xfrm>
-            <a:off x="434394" y="4286249"/>
-            <a:ext cx="12136011" cy="3035301"/>
+            <a:off x="574094" y="5137150"/>
+            <a:ext cx="12136012" cy="1333501"/>
           </a:xfrm>
           <a:prstGeom prst="rect">
             <a:avLst/>
@@ -6284,7 +6959,7 @@
           <a:lstStyle/>
           <a:p>
             <a:pPr>
-              <a:defRPr sz="5100">
+              <a:defRPr sz="8100">
                 <a:latin typeface="Anonymous Pro for Powerline"/>
                 <a:ea typeface="Anonymous Pro for Powerline"/>
                 <a:cs typeface="Anonymous Pro for Powerline"/>
@@ -6292,12 +6967,66 @@
               </a:defRPr>
             </a:pPr>
             <a:r>
-              <a:t>from sklearn.linear_model \</a:t>
-            </a:r>
-          </a:p>
+              <a:rPr>
+                <a:solidFill>
+                  <a:schemeClr val="accent3"/>
+                </a:solidFill>
+              </a:rPr>
+              <a:t>1</a:t>
+            </a:r>
+            <a:r>
+              <a:rPr>
+                <a:solidFill>
+                  <a:schemeClr val="accent5"/>
+                </a:solidFill>
+              </a:rPr>
+              <a:t> </a:t>
+            </a:r>
+            <a:r>
+              <a:t>—&gt; </a:t>
+            </a:r>
+            <a:r>
+              <a:rPr>
+                <a:solidFill>
+                  <a:schemeClr val="accent5"/>
+                </a:solidFill>
+              </a:rPr>
+              <a:t>420,000</a:t>
+            </a:r>
+          </a:p>
+        </p:txBody>
+      </p:sp>
+      <p:sp>
+        <p:nvSpPr>
+          <p:cNvPr id="262" name="Shape 262"/>
+          <p:cNvSpPr/>
+          <p:nvPr/>
+        </p:nvSpPr>
+        <p:spPr>
+          <a:xfrm>
+            <a:off x="574094" y="6516165"/>
+            <a:ext cx="12136012" cy="1333501"/>
+          </a:xfrm>
+          <a:prstGeom prst="rect">
+            <a:avLst/>
+          </a:prstGeom>
+          <a:ln w="12700">
+            <a:miter lim="400000"/>
+          </a:ln>
+          <a:extLst>
+            <a:ext uri="{C572A759-6A51-4108-AA02-DFA0A04FC94B}">
+              <ma14:wrappingTextBoxFlag xmlns:ma14="http://schemas.microsoft.com/office/mac/drawingml/2011/main" val="1"/>
+            </a:ext>
+          </a:extLst>
+        </p:spPr>
+        <p:txBody>
+          <a:bodyPr lIns="50800" tIns="50800" rIns="50800" bIns="50800" anchor="ctr">
+            <a:spAutoFit/>
+          </a:bodyPr>
+          <a:lstStyle/>
           <a:p>
             <a:pPr>
-              <a:defRPr sz="5100">
+              <a:defRPr sz="8100">
                 <a:latin typeface="Anonymous Pro for Powerline"/>
                 <a:ea typeface="Anonymous Pro for Powerline"/>
                 <a:cs typeface="Anonymous Pro for Powerline"/>
@@ -6305,12 +7034,66 @@
               </a:defRPr>
             </a:pPr>
             <a:r>
-              <a:t>import LinearRegression</a:t>
-            </a:r>
-          </a:p>
+              <a:rPr>
+                <a:solidFill>
+                  <a:schemeClr val="accent3"/>
+                </a:solidFill>
+              </a:rPr>
+              <a:t>2</a:t>
+            </a:r>
+            <a:r>
+              <a:rPr>
+                <a:solidFill>
+                  <a:schemeClr val="accent5"/>
+                </a:solidFill>
+              </a:rPr>
+              <a:t> </a:t>
+            </a:r>
+            <a:r>
+              <a:t>—&gt; </a:t>
+            </a:r>
+            <a:r>
+              <a:rPr>
+                <a:solidFill>
+                  <a:schemeClr val="accent5"/>
+                </a:solidFill>
+              </a:rPr>
+              <a:t>480,000</a:t>
+            </a:r>
+          </a:p>
+        </p:txBody>
+      </p:sp>
+      <p:sp>
+        <p:nvSpPr>
+          <p:cNvPr id="263" name="Shape 263"/>
+          <p:cNvSpPr/>
+          <p:nvPr/>
+        </p:nvSpPr>
+        <p:spPr>
+          <a:xfrm>
+            <a:off x="574094" y="7895180"/>
+            <a:ext cx="12136012" cy="1333501"/>
+          </a:xfrm>
+          <a:prstGeom prst="rect">
+            <a:avLst/>
+          </a:prstGeom>
+          <a:ln w="12700">
+            <a:miter lim="400000"/>
+          </a:ln>
+          <a:extLst>
+            <a:ext uri="{C572A759-6A51-4108-AA02-DFA0A04FC94B}">
+              <ma14:wrappingTextBoxFlag xmlns:ma14="http://schemas.microsoft.com/office/mac/drawingml/2011/main" val="1"/>
+            </a:ext>
+          </a:extLst>
+        </p:spPr>
+        <p:txBody>
+          <a:bodyPr lIns="50800" tIns="50800" rIns="50800" bIns="50800" anchor="ctr">
+            <a:spAutoFit/>
+          </a:bodyPr>
+          <a:lstStyle/>
           <a:p>
             <a:pPr>
-              <a:defRPr sz="5100">
+              <a:defRPr sz="8100">
                 <a:latin typeface="Anonymous Pro for Powerline"/>
                 <a:ea typeface="Anonymous Pro for Powerline"/>
                 <a:cs typeface="Anonymous Pro for Powerline"/>
@@ -6318,7 +7101,93 @@
               </a:defRPr>
             </a:pPr>
             <a:r>
+              <a:rPr>
+                <a:solidFill>
+                  <a:schemeClr val="accent3"/>
+                </a:solidFill>
+              </a:rPr>
+              <a:t>3</a:t>
+            </a:r>
+            <a:r>
+              <a:rPr>
+                <a:solidFill>
+                  <a:schemeClr val="accent5"/>
+                </a:solidFill>
+              </a:rPr>
               <a:t> </a:t>
+            </a:r>
+            <a:r>
+              <a:t>—&gt; </a:t>
+            </a:r>
+            <a:r>
+              <a:rPr>
+                <a:solidFill>
+                  <a:schemeClr val="accent5"/>
+                </a:solidFill>
+              </a:rPr>
+              <a:t>540,000</a:t>
+            </a:r>
+          </a:p>
+        </p:txBody>
+      </p:sp>
+      <p:sp>
+        <p:nvSpPr>
+          <p:cNvPr id="264" name="Shape 264"/>
+          <p:cNvSpPr/>
+          <p:nvPr/>
+        </p:nvSpPr>
+        <p:spPr>
+          <a:xfrm>
+            <a:off x="434394" y="3094393"/>
+            <a:ext cx="12136012" cy="1333501"/>
+          </a:xfrm>
+          <a:prstGeom prst="rect">
+            <a:avLst/>
+          </a:prstGeom>
+          <a:ln w="12700">
+            <a:miter lim="400000"/>
+          </a:ln>
+          <a:extLst>
+            <a:ext uri="{C572A759-6A51-4108-AA02-DFA0A04FC94B}">
+              <ma14:wrappingTextBoxFlag xmlns:ma14="http://schemas.microsoft.com/office/mac/drawingml/2011/main" val="1"/>
+            </a:ext>
+          </a:extLst>
+        </p:spPr>
+        <p:txBody>
+          <a:bodyPr lIns="50800" tIns="50800" rIns="50800" bIns="50800" anchor="ctr">
+            <a:spAutoFit/>
+          </a:bodyPr>
+          <a:lstStyle/>
+          <a:p>
+            <a:pPr>
+              <a:defRPr sz="8100">
+                <a:latin typeface="Anonymous Pro for Powerline"/>
+                <a:ea typeface="Anonymous Pro for Powerline"/>
+                <a:cs typeface="Anonymous Pro for Powerline"/>
+                <a:sym typeface="Anonymous Pro for Powerline"/>
+              </a:defRPr>
+            </a:pPr>
+            <a:r>
+              <a:rPr>
+                <a:solidFill>
+                  <a:schemeClr val="accent5"/>
+                </a:solidFill>
+              </a:rPr>
+              <a:t>y</a:t>
+            </a:r>
+            <a:r>
+              <a:t> = 60,000</a:t>
+            </a:r>
+            <a:r>
+              <a:rPr>
+                <a:solidFill>
+                  <a:schemeClr val="accent3"/>
+                </a:solidFill>
+              </a:rPr>
+              <a:t>x</a:t>
+            </a:r>
+            <a:r>
+              <a:t> + 400,000</a:t>
             </a:r>
           </a:p>
         </p:txBody>
@@ -6351,7 +7220,7 @@
       </p:grpSpPr>
       <p:sp>
         <p:nvSpPr>
-          <p:cNvPr id="248" name="Shape 248"/>
+          <p:cNvPr id="266" name="Shape 266"/>
           <p:cNvSpPr/>
           <p:nvPr>
             <p:ph type="title"/>
@@ -6359,8 +7228,8 @@
         </p:nvSpPr>
         <p:spPr>
           <a:xfrm>
-            <a:off x="1285966" y="3979487"/>
-            <a:ext cx="10822039" cy="1794626"/>
+            <a:off x="3279937" y="4128458"/>
+            <a:ext cx="6444926" cy="1982356"/>
           </a:xfrm>
           <a:prstGeom prst="rect">
             <a:avLst/>
@@ -6369,14 +7238,14 @@
         <p:txBody>
           <a:bodyPr/>
           <a:lstStyle>
-            <a:lvl1pPr defTabSz="455675">
-              <a:defRPr sz="13259"/>
+            <a:lvl1pPr defTabSz="502412">
+              <a:defRPr sz="14620"/>
             </a:lvl1pPr>
           </a:lstStyle>
           <a:p>
             <a:pPr/>
             <a:r>
-              <a:t>Linear Regression</a:t>
+              <a:t>Exercises</a:t>
             </a:r>
           </a:p>
         </p:txBody>
@@ -6409,7 +7278,7 @@
       </p:grpSpPr>
       <p:sp>
         <p:nvSpPr>
-          <p:cNvPr id="250" name="Shape 250"/>
+          <p:cNvPr id="268" name="Shape 268"/>
           <p:cNvSpPr/>
           <p:nvPr>
             <p:ph type="title"/>
@@ -6417,8 +7286,8 @@
         </p:nvSpPr>
         <p:spPr>
           <a:xfrm>
-            <a:off x="406400" y="1536700"/>
-            <a:ext cx="12192000" cy="1169260"/>
+            <a:off x="1285966" y="3979487"/>
+            <a:ext cx="10822039" cy="1794626"/>
           </a:xfrm>
           <a:prstGeom prst="rect">
             <a:avLst/>
@@ -6427,95 +7296,14 @@
         <p:txBody>
           <a:bodyPr/>
           <a:lstStyle>
-            <a:lvl1pPr defTabSz="403097">
-              <a:spcBef>
-                <a:spcPts val="1900"/>
-              </a:spcBef>
-              <a:defRPr sz="8280"/>
+            <a:lvl1pPr defTabSz="455675">
+              <a:defRPr sz="13259"/>
             </a:lvl1pPr>
           </a:lstStyle>
           <a:p>
             <a:pPr/>
             <a:r>
-              <a:t>Code is not the hard part</a:t>
-            </a:r>
-          </a:p>
-        </p:txBody>
-      </p:sp>
-      <p:sp>
-        <p:nvSpPr>
-          <p:cNvPr id="251" name="Shape 251"/>
-          <p:cNvSpPr/>
-          <p:nvPr/>
-        </p:nvSpPr>
-        <p:spPr>
-          <a:xfrm>
-            <a:off x="434394" y="4826000"/>
-            <a:ext cx="12136011" cy="1955801"/>
-          </a:xfrm>
-          <a:prstGeom prst="rect">
-            <a:avLst/>
-          </a:prstGeom>
-          <a:ln w="12700">
-            <a:miter lim="400000"/>
-          </a:ln>
-          <a:extLst>
-            <a:ext uri="{C572A759-6A51-4108-AA02-DFA0A04FC94B}">
-              <ma14:wrappingTextBoxFlag xmlns:ma14="http://schemas.microsoft.com/office/mac/drawingml/2011/main" val="1"/>
-            </a:ext>
-          </a:extLst>
-        </p:spPr>
-        <p:txBody>
-          <a:bodyPr lIns="50800" tIns="50800" rIns="50800" bIns="50800" anchor="ctr">
-            <a:spAutoFit/>
-          </a:bodyPr>
-          <a:lstStyle/>
-          <a:p>
-            <a:pPr>
-              <a:defRPr sz="5100">
-                <a:latin typeface="Anonymous Pro for Powerline"/>
-                <a:ea typeface="Anonymous Pro for Powerline"/>
-                <a:cs typeface="Anonymous Pro for Powerline"/>
-                <a:sym typeface="Anonymous Pro for Powerline"/>
-              </a:defRPr>
-            </a:pPr>
-            <a:r>
-              <a:t>model = LinearRegression()</a:t>
-            </a:r>
-          </a:p>
-          <a:p>
-            <a:pPr>
-              <a:defRPr sz="5100">
-                <a:latin typeface="Anonymous Pro for Powerline"/>
-                <a:ea typeface="Anonymous Pro for Powerline"/>
-                <a:cs typeface="Anonymous Pro for Powerline"/>
-                <a:sym typeface="Anonymous Pro for Powerline"/>
-              </a:defRPr>
-            </a:pPr>
-            <a:r>
-              <a:t>model.fit(</a:t>
-            </a:r>
-            <a:r>
-              <a:rPr>
-                <a:solidFill>
-                  <a:schemeClr val="accent3"/>
-                </a:solidFill>
-              </a:rPr>
-              <a:t>data_df</a:t>
-            </a:r>
-            <a:r>
-              <a:t>, </a:t>
-            </a:r>
-            <a:r>
-              <a:rPr>
-                <a:solidFill>
-                  <a:schemeClr val="accent5"/>
-                </a:solidFill>
-              </a:rPr>
-              <a:t>target</a:t>
-            </a:r>
-            <a:r>
-              <a:t>) </a:t>
+              <a:t>Linear Regression</a:t>
             </a:r>
           </a:p>
         </p:txBody>
@@ -6548,7 +7336,7 @@
       </p:grpSpPr>
       <p:sp>
         <p:nvSpPr>
-          <p:cNvPr id="253" name="Shape 253"/>
+          <p:cNvPr id="270" name="Shape 270"/>
           <p:cNvSpPr/>
           <p:nvPr>
             <p:ph type="title"/>
@@ -6576,61 +7364,66 @@
           <a:p>
             <a:pPr/>
             <a:r>
-              <a:t>Code is not the hard part</a:t>
-            </a:r>
-          </a:p>
-        </p:txBody>
-      </p:sp>
-      <p:sp>
-        <p:nvSpPr>
-          <p:cNvPr id="254" name="Shape 254"/>
-          <p:cNvSpPr/>
-          <p:nvPr/>
+              <a:t>Sci-Kit Learn</a:t>
+            </a:r>
+          </a:p>
+        </p:txBody>
+      </p:sp>
+      <p:sp>
+        <p:nvSpPr>
+          <p:cNvPr id="271" name="Shape 271"/>
+          <p:cNvSpPr/>
+          <p:nvPr>
+            <p:ph type="body" sz="half" idx="1"/>
+          </p:nvPr>
         </p:nvSpPr>
         <p:spPr>
           <a:xfrm>
-            <a:off x="628980" y="5049548"/>
-            <a:ext cx="12136011" cy="876301"/>
-          </a:xfrm>
-          <a:prstGeom prst="rect">
-            <a:avLst/>
-          </a:prstGeom>
-          <a:ln w="12700">
-            <a:miter lim="400000"/>
-          </a:ln>
-          <a:extLst>
-            <a:ext uri="{C572A759-6A51-4108-AA02-DFA0A04FC94B}">
-              <ma14:wrappingTextBoxFlag xmlns:ma14="http://schemas.microsoft.com/office/mac/drawingml/2011/main" val="1"/>
-            </a:ext>
-          </a:extLst>
-        </p:spPr>
-        <p:txBody>
-          <a:bodyPr lIns="50800" tIns="50800" rIns="50800" bIns="50800" anchor="ctr">
-            <a:spAutoFit/>
-          </a:bodyPr>
+            <a:off x="406400" y="3953767"/>
+            <a:ext cx="12192000" cy="2531601"/>
+          </a:xfrm>
+          <a:prstGeom prst="rect">
+            <a:avLst/>
+          </a:prstGeom>
+        </p:spPr>
+        <p:txBody>
+          <a:bodyPr/>
           <a:lstStyle/>
           <a:p>
-            <a:pPr>
-              <a:defRPr sz="5100">
-                <a:latin typeface="Anonymous Pro for Powerline"/>
-                <a:ea typeface="Anonymous Pro for Powerline"/>
-                <a:cs typeface="Anonymous Pro for Powerline"/>
-                <a:sym typeface="Anonymous Pro for Powerline"/>
-              </a:defRPr>
+            <a:pPr marL="585955" indent="-585955" defTabSz="484886">
+              <a:spcBef>
+                <a:spcPts val="2300"/>
+              </a:spcBef>
+              <a:buClrTx/>
+              <a:buSzPct val="40000"/>
+              <a:buFontTx/>
+              <a:buBlip>
+                <a:blip r:embed="rId2"/>
+              </a:buBlip>
+              <a:defRPr sz="5312"/>
             </a:pPr>
             <a:r>
-              <a:t>model.predict(</a:t>
-            </a:r>
-            <a:r>
-              <a:rPr>
-                <a:solidFill>
-                  <a:schemeClr val="accent3"/>
-                </a:solidFill>
-              </a:rPr>
-              <a:t>new_df</a:t>
-            </a:r>
-            <a:r>
-              <a:t>) </a:t>
+              <a:t>All-in-one machine learning package</a:t>
+            </a:r>
+          </a:p>
+          <a:p>
+            <a:pPr marL="585955" indent="-585955" defTabSz="484886">
+              <a:lnSpc>
+                <a:spcPct val="200000"/>
+              </a:lnSpc>
+              <a:spcBef>
+                <a:spcPts val="2300"/>
+              </a:spcBef>
+              <a:buClrTx/>
+              <a:buSzPct val="40000"/>
+              <a:buFontTx/>
+              <a:buBlip>
+                <a:blip r:embed="rId2"/>
+              </a:buBlip>
+              <a:defRPr sz="5312"/>
+            </a:pPr>
+            <a:r>
+              <a:t>Built on Numpy and matplotlib</a:t>
             </a:r>
           </a:p>
         </p:txBody>
@@ -6671,8 +7464,8 @@
         </p:nvSpPr>
         <p:spPr>
           <a:xfrm>
-            <a:off x="4418527" y="3979487"/>
-            <a:ext cx="4167746" cy="1794626"/>
+            <a:off x="1041879" y="3979487"/>
+            <a:ext cx="10921042" cy="1794626"/>
           </a:xfrm>
           <a:prstGeom prst="rect">
             <a:avLst/>
@@ -6681,14 +7474,14 @@
         <p:txBody>
           <a:bodyPr/>
           <a:lstStyle>
-            <a:lvl1pPr defTabSz="455675">
-              <a:defRPr sz="13259"/>
+            <a:lvl1pPr defTabSz="449833">
+              <a:defRPr sz="13089"/>
             </a:lvl1pPr>
           </a:lstStyle>
           <a:p>
             <a:pPr/>
             <a:r>
-              <a:t>Review</a:t>
+              <a:t>Foundational Math</a:t>
             </a:r>
           </a:p>
         </p:txBody>
@@ -6721,49 +7514,95 @@
       </p:grpSpPr>
       <p:sp>
         <p:nvSpPr>
-          <p:cNvPr id="256" name="Shape 256"/>
+          <p:cNvPr id="273" name="Shape 273"/>
+          <p:cNvSpPr/>
+          <p:nvPr>
+            <p:ph type="body" idx="13"/>
+          </p:nvPr>
+        </p:nvSpPr>
+        <p:spPr>
+          <a:prstGeom prst="rect">
+            <a:avLst/>
+          </a:prstGeom>
+        </p:spPr>
+        <p:txBody>
+          <a:bodyPr/>
+          <a:lstStyle/>
+          <a:p>
+            <a:pPr/>
+            <a:r>
+              <a:t>Text</a:t>
+            </a:r>
+          </a:p>
+        </p:txBody>
+      </p:sp>
+      <p:sp>
+        <p:nvSpPr>
+          <p:cNvPr id="274" name="Shape 274"/>
           <p:cNvSpPr/>
           <p:nvPr>
             <p:ph type="title"/>
           </p:nvPr>
         </p:nvSpPr>
         <p:spPr>
+          <a:prstGeom prst="rect">
+            <a:avLst/>
+          </a:prstGeom>
+        </p:spPr>
+        <p:txBody>
+          <a:bodyPr/>
+          <a:lstStyle/>
+          <a:p>
+            <a:pPr defTabSz="467359">
+              <a:spcBef>
+                <a:spcPts val="2200"/>
+              </a:spcBef>
+              <a:defRPr sz="4800"/>
+            </a:pPr>
+          </a:p>
+        </p:txBody>
+      </p:sp>
+      <p:sp>
+        <p:nvSpPr>
+          <p:cNvPr id="275" name="Shape 275"/>
+          <p:cNvSpPr/>
+          <p:nvPr>
+            <p:ph type="body" idx="1"/>
+          </p:nvPr>
+        </p:nvSpPr>
+        <p:spPr>
+          <a:prstGeom prst="rect">
+            <a:avLst/>
+          </a:prstGeom>
+        </p:spPr>
+        <p:txBody>
+          <a:bodyPr/>
+          <a:lstStyle/>
+          <a:p>
+            <a:pPr/>
+          </a:p>
+        </p:txBody>
+      </p:sp>
+      <p:pic>
+        <p:nvPicPr>
+          <p:cNvPr id="276" name="pasted-image.png"/>
+          <p:cNvPicPr>
+            <a:picLocks noChangeAspect="1"/>
+          </p:cNvPicPr>
+          <p:nvPr/>
+        </p:nvPicPr>
+        <p:blipFill>
+          <a:blip r:embed="rId2">
+            <a:extLst/>
+          </a:blip>
+          <a:stretch>
+            <a:fillRect/>
+          </a:stretch>
+        </p:blipFill>
+        <p:spPr>
           <a:xfrm>
-            <a:off x="406400" y="1536700"/>
-            <a:ext cx="12192000" cy="1169260"/>
-          </a:xfrm>
-          <a:prstGeom prst="rect">
-            <a:avLst/>
-          </a:prstGeom>
-        </p:spPr>
-        <p:txBody>
-          <a:bodyPr/>
-          <a:lstStyle>
-            <a:lvl1pPr defTabSz="403097">
-              <a:spcBef>
-                <a:spcPts val="1900"/>
-              </a:spcBef>
-              <a:defRPr sz="8280"/>
-            </a:lvl1pPr>
-          </a:lstStyle>
-          <a:p>
-            <a:pPr/>
-            <a:r>
-              <a:t>Code is not the hard part</a:t>
-            </a:r>
-          </a:p>
-        </p:txBody>
-      </p:sp>
-      <p:sp>
-        <p:nvSpPr>
-          <p:cNvPr id="257" name="Shape 257"/>
-          <p:cNvSpPr/>
-          <p:nvPr/>
-        </p:nvSpPr>
-        <p:spPr>
-          <a:xfrm>
-            <a:off x="628980" y="5049548"/>
-            <a:ext cx="12136011" cy="876301"/>
+            <a:off x="-1270000" y="0"/>
+            <a:ext cx="15544800" cy="9753600"/>
           </a:xfrm>
           <a:prstGeom prst="rect">
             <a:avLst/>
@@ -6771,142 +7610,8 @@
           <a:ln w="12700">
             <a:miter lim="400000"/>
           </a:ln>
-          <a:extLst>
-            <a:ext uri="{C572A759-6A51-4108-AA02-DFA0A04FC94B}">
-              <ma14:wrappingTextBoxFlag xmlns:ma14="http://schemas.microsoft.com/office/mac/drawingml/2011/main" val="1"/>
-            </a:ext>
-          </a:extLst>
-        </p:spPr>
-        <p:txBody>
-          <a:bodyPr lIns="50800" tIns="50800" rIns="50800" bIns="50800" anchor="ctr">
-            <a:spAutoFit/>
-          </a:bodyPr>
-          <a:lstStyle/>
-          <a:p>
-            <a:pPr>
-              <a:defRPr sz="5100">
-                <a:latin typeface="Anonymous Pro for Powerline"/>
-                <a:ea typeface="Anonymous Pro for Powerline"/>
-                <a:cs typeface="Anonymous Pro for Powerline"/>
-                <a:sym typeface="Anonymous Pro for Powerline"/>
-              </a:defRPr>
-            </a:pPr>
-            <a:r>
-              <a:t>model.predict(</a:t>
-            </a:r>
-            <a:r>
-              <a:rPr>
-                <a:solidFill>
-                  <a:schemeClr val="accent3"/>
-                </a:solidFill>
-              </a:rPr>
-              <a:t>new_df</a:t>
-            </a:r>
-            <a:r>
-              <a:t>) </a:t>
-            </a:r>
-          </a:p>
-        </p:txBody>
-      </p:sp>
-      <p:sp>
-        <p:nvSpPr>
-          <p:cNvPr id="258" name="Shape 258"/>
-          <p:cNvSpPr/>
-          <p:nvPr/>
-        </p:nvSpPr>
-        <p:spPr>
-          <a:xfrm>
-            <a:off x="4351530" y="6175772"/>
-            <a:ext cx="7430692" cy="1079501"/>
-          </a:xfrm>
-          <a:prstGeom prst="rect">
-            <a:avLst/>
-          </a:prstGeom>
-          <a:ln w="12700">
-            <a:miter lim="400000"/>
-          </a:ln>
-          <a:extLst>
-            <a:ext uri="{C572A759-6A51-4108-AA02-DFA0A04FC94B}">
-              <ma14:wrappingTextBoxFlag xmlns:ma14="http://schemas.microsoft.com/office/mac/drawingml/2011/main" val="1"/>
-            </a:ext>
-          </a:extLst>
-        </p:spPr>
-        <p:txBody>
-          <a:bodyPr wrap="none" lIns="50800" tIns="50800" rIns="50800" bIns="50800" anchor="ctr">
-            <a:spAutoFit/>
-          </a:bodyPr>
-          <a:lstStyle>
-            <a:lvl1pPr>
-              <a:spcBef>
-                <a:spcPts val="2800"/>
-              </a:spcBef>
-              <a:defRPr sz="6400">
-                <a:solidFill>
-                  <a:schemeClr val="accent5"/>
-                </a:solidFill>
-                <a:latin typeface="Courier"/>
-                <a:ea typeface="Courier"/>
-                <a:cs typeface="Courier"/>
-                <a:sym typeface="Courier"/>
-              </a:defRPr>
-            </a:lvl1pPr>
-          </a:lstStyle>
-          <a:p>
-            <a:pPr/>
-            <a:r>
-              <a:t>target estimate</a:t>
-            </a:r>
-          </a:p>
-        </p:txBody>
-      </p:sp>
-      <p:sp>
-        <p:nvSpPr>
-          <p:cNvPr id="259" name="Shape 259"/>
-          <p:cNvSpPr/>
-          <p:nvPr/>
-        </p:nvSpPr>
-        <p:spPr>
-          <a:xfrm>
-            <a:off x="2765537" y="6456397"/>
-            <a:ext cx="1413758" cy="518251"/>
-          </a:xfrm>
-          <a:prstGeom prst="rightArrow">
-            <a:avLst>
-              <a:gd name="adj1" fmla="val 34174"/>
-              <a:gd name="adj2" fmla="val 145948"/>
-            </a:avLst>
-          </a:prstGeom>
-          <a:solidFill>
-            <a:schemeClr val="accent5"/>
-          </a:solidFill>
-          <a:ln w="12700">
-            <a:miter lim="400000"/>
-          </a:ln>
-        </p:spPr>
-        <p:txBody>
-          <a:bodyPr lIns="50800" tIns="50800" rIns="50800" bIns="50800" anchor="ctr"/>
-          <a:lstStyle/>
-          <a:p>
-            <a:pPr algn="ctr">
-              <a:lnSpc>
-                <a:spcPct val="80000"/>
-              </a:lnSpc>
-              <a:spcBef>
-                <a:spcPts val="0"/>
-              </a:spcBef>
-              <a:defRPr cap="all" sz="2800">
-                <a:solidFill>
-                  <a:srgbClr val="FFFFFF"/>
-                </a:solidFill>
-                <a:latin typeface="+mn-lt"/>
-                <a:ea typeface="+mn-ea"/>
-                <a:cs typeface="+mn-cs"/>
-                <a:sym typeface="DIN Condensed"/>
-              </a:defRPr>
-            </a:pPr>
-          </a:p>
-        </p:txBody>
-      </p:sp>
+        </p:spPr>
+      </p:pic>
     </p:spTree>
   </p:cSld>
   <p:clrMapOvr>
@@ -6935,7 +7640,7 @@
       </p:grpSpPr>
       <p:sp>
         <p:nvSpPr>
-          <p:cNvPr id="261" name="Shape 261"/>
+          <p:cNvPr id="278" name="Shape 278"/>
           <p:cNvSpPr/>
           <p:nvPr>
             <p:ph type="title"/>
@@ -6963,66 +7668,85 @@
           <a:p>
             <a:pPr/>
             <a:r>
-              <a:t>Linear Regression</a:t>
-            </a:r>
-          </a:p>
-        </p:txBody>
-      </p:sp>
-      <p:sp>
-        <p:nvSpPr>
-          <p:cNvPr id="262" name="Shape 262"/>
-          <p:cNvSpPr/>
-          <p:nvPr>
-            <p:ph type="body" sz="half" idx="1"/>
-          </p:nvPr>
+              <a:t>Code is not the hard part</a:t>
+            </a:r>
+          </a:p>
+        </p:txBody>
+      </p:sp>
+      <p:sp>
+        <p:nvSpPr>
+          <p:cNvPr id="279" name="Shape 279"/>
+          <p:cNvSpPr/>
+          <p:nvPr/>
         </p:nvSpPr>
         <p:spPr>
           <a:xfrm>
-            <a:off x="406400" y="3953767"/>
-            <a:ext cx="12192000" cy="2531601"/>
-          </a:xfrm>
-          <a:prstGeom prst="rect">
-            <a:avLst/>
-          </a:prstGeom>
-        </p:spPr>
-        <p:txBody>
-          <a:bodyPr/>
+            <a:off x="434394" y="4826000"/>
+            <a:ext cx="12136011" cy="1955801"/>
+          </a:xfrm>
+          <a:prstGeom prst="rect">
+            <a:avLst/>
+          </a:prstGeom>
+          <a:ln w="12700">
+            <a:miter lim="400000"/>
+          </a:ln>
+          <a:extLst>
+            <a:ext uri="{C572A759-6A51-4108-AA02-DFA0A04FC94B}">
+              <ma14:wrappingTextBoxFlag xmlns:ma14="http://schemas.microsoft.com/office/mac/drawingml/2011/main" val="1"/>
+            </a:ext>
+          </a:extLst>
+        </p:spPr>
+        <p:txBody>
+          <a:bodyPr lIns="50800" tIns="50800" rIns="50800" bIns="50800" anchor="ctr">
+            <a:spAutoFit/>
+          </a:bodyPr>
           <a:lstStyle/>
           <a:p>
-            <a:pPr marL="663612" indent="-663612" defTabSz="549148">
-              <a:spcBef>
-                <a:spcPts val="2600"/>
-              </a:spcBef>
-              <a:buClrTx/>
-              <a:buSzPct val="40000"/>
-              <a:buFontTx/>
-              <a:buBlip>
-                <a:blip r:embed="rId2"/>
-              </a:buBlip>
-              <a:defRPr sz="6016"/>
+            <a:pPr>
+              <a:defRPr sz="5100">
+                <a:latin typeface="Anonymous Pro for Powerline"/>
+                <a:ea typeface="Anonymous Pro for Powerline"/>
+                <a:cs typeface="Anonymous Pro for Powerline"/>
+                <a:sym typeface="Anonymous Pro for Powerline"/>
+              </a:defRPr>
             </a:pPr>
             <a:r>
-              <a:t>Outputs line of best fit</a:t>
-            </a:r>
-          </a:p>
-          <a:p>
-            <a:pPr marL="663612" indent="-663612" defTabSz="549148">
-              <a:lnSpc>
-                <a:spcPct val="200000"/>
-              </a:lnSpc>
-              <a:spcBef>
-                <a:spcPts val="2600"/>
-              </a:spcBef>
-              <a:buClrTx/>
-              <a:buSzPct val="40000"/>
-              <a:buFontTx/>
-              <a:buBlip>
-                <a:blip r:embed="rId2"/>
-              </a:buBlip>
-              <a:defRPr sz="6016"/>
+              <a:t>model = LinearRegression()</a:t>
+            </a:r>
+          </a:p>
+          <a:p>
+            <a:pPr>
+              <a:defRPr sz="5100">
+                <a:latin typeface="Anonymous Pro for Powerline"/>
+                <a:ea typeface="Anonymous Pro for Powerline"/>
+                <a:cs typeface="Anonymous Pro for Powerline"/>
+                <a:sym typeface="Anonymous Pro for Powerline"/>
+              </a:defRPr>
             </a:pPr>
             <a:r>
-              <a:t>“Best fit” is a function of error </a:t>
+              <a:t>model.fit(</a:t>
+            </a:r>
+            <a:r>
+              <a:rPr>
+                <a:solidFill>
+                  <a:schemeClr val="accent3"/>
+                </a:solidFill>
+              </a:rPr>
+              <a:t>X</a:t>
+            </a:r>
+            <a:r>
+              <a:t>, </a:t>
+            </a:r>
+            <a:r>
+              <a:rPr>
+                <a:solidFill>
+                  <a:schemeClr val="accent5"/>
+                </a:solidFill>
+              </a:rPr>
+              <a:t>y</a:t>
+            </a:r>
+            <a:r>
+              <a:t>) </a:t>
             </a:r>
           </a:p>
         </p:txBody>
@@ -7055,7 +7779,7 @@
       </p:grpSpPr>
       <p:sp>
         <p:nvSpPr>
-          <p:cNvPr id="264" name="Shape 264"/>
+          <p:cNvPr id="281" name="Shape 281"/>
           <p:cNvSpPr/>
           <p:nvPr>
             <p:ph type="title"/>
@@ -7083,21 +7807,21 @@
           <a:p>
             <a:pPr/>
             <a:r>
-              <a:t>single-variable</a:t>
-            </a:r>
-          </a:p>
-        </p:txBody>
-      </p:sp>
-      <p:sp>
-        <p:nvSpPr>
-          <p:cNvPr id="265" name="Shape 265"/>
+              <a:t>Code is not the hard part</a:t>
+            </a:r>
+          </a:p>
+        </p:txBody>
+      </p:sp>
+      <p:sp>
+        <p:nvSpPr>
+          <p:cNvPr id="282" name="Shape 282"/>
           <p:cNvSpPr/>
           <p:nvPr/>
         </p:nvSpPr>
         <p:spPr>
           <a:xfrm>
-            <a:off x="656526" y="4571724"/>
-            <a:ext cx="12136011" cy="1333501"/>
+            <a:off x="628980" y="5049548"/>
+            <a:ext cx="12136011" cy="876301"/>
           </a:xfrm>
           <a:prstGeom prst="rect">
             <a:avLst/>
@@ -7118,7 +7842,7 @@
           <a:lstStyle/>
           <a:p>
             <a:pPr>
-              <a:defRPr sz="8100">
+              <a:defRPr sz="5100">
                 <a:latin typeface="Anonymous Pro for Powerline"/>
                 <a:ea typeface="Anonymous Pro for Powerline"/>
                 <a:cs typeface="Anonymous Pro for Powerline"/>
@@ -7126,15 +7850,7 @@
               </a:defRPr>
             </a:pPr>
             <a:r>
-              <a:rPr>
-                <a:solidFill>
-                  <a:schemeClr val="accent5"/>
-                </a:solidFill>
-              </a:rPr>
-              <a:t>y</a:t>
-            </a:r>
-            <a:r>
-              <a:t> = 2</a:t>
+              <a:t>model.predict(</a:t>
             </a:r>
             <a:r>
               <a:rPr>
@@ -7142,10 +7858,10 @@
                   <a:schemeClr val="accent3"/>
                 </a:solidFill>
               </a:rPr>
-              <a:t>x</a:t>
-            </a:r>
-            <a:r>
-              <a:t> + 1</a:t>
+              <a:t>X</a:t>
+            </a:r>
+            <a:r>
+              <a:t>) </a:t>
             </a:r>
           </a:p>
         </p:txBody>
@@ -7178,7 +7894,7 @@
       </p:grpSpPr>
       <p:sp>
         <p:nvSpPr>
-          <p:cNvPr id="267" name="Shape 267"/>
+          <p:cNvPr id="284" name="Shape 284"/>
           <p:cNvSpPr/>
           <p:nvPr>
             <p:ph type="title"/>
@@ -7206,21 +7922,21 @@
           <a:p>
             <a:pPr/>
             <a:r>
-              <a:t>single-variable</a:t>
-            </a:r>
-          </a:p>
-        </p:txBody>
-      </p:sp>
-      <p:sp>
-        <p:nvSpPr>
-          <p:cNvPr id="268" name="Shape 268"/>
+              <a:t>Code is not the hard part</a:t>
+            </a:r>
+          </a:p>
+        </p:txBody>
+      </p:sp>
+      <p:sp>
+        <p:nvSpPr>
+          <p:cNvPr id="285" name="Shape 285"/>
           <p:cNvSpPr/>
           <p:nvPr/>
         </p:nvSpPr>
         <p:spPr>
           <a:xfrm>
-            <a:off x="656526" y="4571724"/>
-            <a:ext cx="12136011" cy="1333501"/>
+            <a:off x="628980" y="5049548"/>
+            <a:ext cx="12136011" cy="876301"/>
           </a:xfrm>
           <a:prstGeom prst="rect">
             <a:avLst/>
@@ -7241,7 +7957,7 @@
           <a:lstStyle/>
           <a:p>
             <a:pPr>
-              <a:defRPr sz="8100">
+              <a:defRPr sz="5100">
                 <a:latin typeface="Anonymous Pro for Powerline"/>
                 <a:ea typeface="Anonymous Pro for Powerline"/>
                 <a:cs typeface="Anonymous Pro for Powerline"/>
@@ -7249,15 +7965,7 @@
               </a:defRPr>
             </a:pPr>
             <a:r>
-              <a:rPr>
-                <a:solidFill>
-                  <a:schemeClr val="accent5"/>
-                </a:solidFill>
-              </a:rPr>
-              <a:t>y</a:t>
-            </a:r>
-            <a:r>
-              <a:t> = 2</a:t>
+              <a:t>model.predict(</a:t>
             </a:r>
             <a:r>
               <a:rPr>
@@ -7265,24 +7973,75 @@
                   <a:schemeClr val="accent3"/>
                 </a:solidFill>
               </a:rPr>
-              <a:t>x</a:t>
-            </a:r>
-            <a:r>
-              <a:t> + 1</a:t>
-            </a:r>
-          </a:p>
-        </p:txBody>
-      </p:sp>
-      <p:sp>
-        <p:nvSpPr>
-          <p:cNvPr id="269" name="Shape 269"/>
+              <a:t>X</a:t>
+            </a:r>
+            <a:r>
+              <a:t>) </a:t>
+            </a:r>
+          </a:p>
+        </p:txBody>
+      </p:sp>
+      <p:sp>
+        <p:nvSpPr>
+          <p:cNvPr id="286" name="Shape 286"/>
           <p:cNvSpPr/>
           <p:nvPr/>
         </p:nvSpPr>
         <p:spPr>
-          <a:xfrm rot="16200000">
-            <a:off x="2341774" y="6391994"/>
-            <a:ext cx="1620784" cy="518251"/>
+          <a:xfrm>
+            <a:off x="4594762" y="6175772"/>
+            <a:ext cx="7918451" cy="1079501"/>
+          </a:xfrm>
+          <a:prstGeom prst="rect">
+            <a:avLst/>
+          </a:prstGeom>
+          <a:ln w="12700">
+            <a:miter lim="400000"/>
+          </a:ln>
+          <a:extLst>
+            <a:ext uri="{C572A759-6A51-4108-AA02-DFA0A04FC94B}">
+              <ma14:wrappingTextBoxFlag xmlns:ma14="http://schemas.microsoft.com/office/mac/drawingml/2011/main" val="1"/>
+            </a:ext>
+          </a:extLst>
+        </p:spPr>
+        <p:txBody>
+          <a:bodyPr wrap="none" lIns="50800" tIns="50800" rIns="50800" bIns="50800" anchor="ctr">
+            <a:spAutoFit/>
+          </a:bodyPr>
+          <a:lstStyle>
+            <a:lvl1pPr>
+              <a:spcBef>
+                <a:spcPts val="2800"/>
+              </a:spcBef>
+              <a:defRPr sz="6400">
+                <a:solidFill>
+                  <a:schemeClr val="accent5"/>
+                </a:solidFill>
+                <a:latin typeface="Courier"/>
+                <a:ea typeface="Courier"/>
+                <a:cs typeface="Courier"/>
+                <a:sym typeface="Courier"/>
+              </a:defRPr>
+            </a:lvl1pPr>
+          </a:lstStyle>
+          <a:p>
+            <a:pPr/>
+            <a:r>
+              <a:t>predicted prices</a:t>
+            </a:r>
+          </a:p>
+        </p:txBody>
+      </p:sp>
+      <p:sp>
+        <p:nvSpPr>
+          <p:cNvPr id="287" name="Shape 287"/>
+          <p:cNvSpPr/>
+          <p:nvPr/>
+        </p:nvSpPr>
+        <p:spPr>
+          <a:xfrm>
+            <a:off x="2765537" y="6456397"/>
+            <a:ext cx="1413758" cy="518251"/>
           </a:xfrm>
           <a:prstGeom prst="rightArrow">
             <a:avLst>
@@ -7318,50 +8077,6 @@
                 <a:sym typeface="DIN Condensed"/>
               </a:defRPr>
             </a:pPr>
-          </a:p>
-        </p:txBody>
-      </p:sp>
-      <p:sp>
-        <p:nvSpPr>
-          <p:cNvPr id="270" name="Shape 270"/>
-          <p:cNvSpPr/>
-          <p:nvPr/>
-        </p:nvSpPr>
-        <p:spPr>
-          <a:xfrm>
-            <a:off x="1667027" y="7499394"/>
-            <a:ext cx="7605523" cy="1143001"/>
-          </a:xfrm>
-          <a:prstGeom prst="rect">
-            <a:avLst/>
-          </a:prstGeom>
-          <a:ln w="12700">
-            <a:miter lim="400000"/>
-          </a:ln>
-          <a:extLst>
-            <a:ext uri="{C572A759-6A51-4108-AA02-DFA0A04FC94B}">
-              <ma14:wrappingTextBoxFlag xmlns:ma14="http://schemas.microsoft.com/office/mac/drawingml/2011/main" val="1"/>
-            </a:ext>
-          </a:extLst>
-        </p:spPr>
-        <p:txBody>
-          <a:bodyPr wrap="none" lIns="50800" tIns="50800" rIns="50800" bIns="50800" anchor="ctr">
-            <a:spAutoFit/>
-          </a:bodyPr>
-          <a:lstStyle>
-            <a:lvl1pPr>
-              <a:defRPr sz="6000">
-                <a:solidFill>
-                  <a:schemeClr val="accent5"/>
-                </a:solidFill>
-              </a:defRPr>
-            </a:lvl1pPr>
-          </a:lstStyle>
-          <a:p>
-            <a:pPr/>
-            <a:r>
-              <a:t>coefficient AKA slope</a:t>
-            </a:r>
           </a:p>
         </p:txBody>
       </p:sp>
@@ -7393,7 +8108,7 @@
       </p:grpSpPr>
       <p:sp>
         <p:nvSpPr>
-          <p:cNvPr id="272" name="Shape 272"/>
+          <p:cNvPr id="289" name="Shape 289"/>
           <p:cNvSpPr/>
           <p:nvPr>
             <p:ph type="title"/>
@@ -7421,21 +8136,21 @@
           <a:p>
             <a:pPr/>
             <a:r>
-              <a:t>single-variable</a:t>
-            </a:r>
-          </a:p>
-        </p:txBody>
-      </p:sp>
-      <p:sp>
-        <p:nvSpPr>
-          <p:cNvPr id="273" name="Shape 273"/>
+              <a:t>Imported as sklearn</a:t>
+            </a:r>
+          </a:p>
+        </p:txBody>
+      </p:sp>
+      <p:sp>
+        <p:nvSpPr>
+          <p:cNvPr id="290" name="Shape 290"/>
           <p:cNvSpPr/>
           <p:nvPr/>
         </p:nvSpPr>
         <p:spPr>
           <a:xfrm>
-            <a:off x="656526" y="4571724"/>
-            <a:ext cx="12136011" cy="1333501"/>
+            <a:off x="434394" y="4826000"/>
+            <a:ext cx="12136011" cy="1955801"/>
           </a:xfrm>
           <a:prstGeom prst="rect">
             <a:avLst/>
@@ -7456,7 +8171,7 @@
           <a:lstStyle/>
           <a:p>
             <a:pPr>
-              <a:defRPr sz="8100">
+              <a:defRPr sz="5100">
                 <a:latin typeface="Anonymous Pro for Powerline"/>
                 <a:ea typeface="Anonymous Pro for Powerline"/>
                 <a:cs typeface="Anonymous Pro for Powerline"/>
@@ -7464,118 +8179,20 @@
               </a:defRPr>
             </a:pPr>
             <a:r>
-              <a:rPr>
-                <a:solidFill>
-                  <a:schemeClr val="accent5"/>
-                </a:solidFill>
-              </a:rPr>
-              <a:t>y</a:t>
-            </a:r>
-            <a:r>
-              <a:t> = 2</a:t>
-            </a:r>
-            <a:r>
-              <a:rPr>
-                <a:solidFill>
-                  <a:schemeClr val="accent3"/>
-                </a:solidFill>
-              </a:rPr>
-              <a:t>x</a:t>
-            </a:r>
-            <a:r>
-              <a:t> + 1</a:t>
-            </a:r>
-          </a:p>
-        </p:txBody>
-      </p:sp>
-      <p:sp>
-        <p:nvSpPr>
-          <p:cNvPr id="274" name="Shape 274"/>
-          <p:cNvSpPr/>
-          <p:nvPr/>
-        </p:nvSpPr>
-        <p:spPr>
-          <a:xfrm rot="16200000">
-            <a:off x="5128517" y="6391994"/>
-            <a:ext cx="1620784" cy="518251"/>
-          </a:xfrm>
-          <a:prstGeom prst="rightArrow">
-            <a:avLst>
-              <a:gd name="adj1" fmla="val 34174"/>
-              <a:gd name="adj2" fmla="val 145948"/>
-            </a:avLst>
-          </a:prstGeom>
-          <a:solidFill>
-            <a:schemeClr val="accent5"/>
-          </a:solidFill>
-          <a:ln w="12700">
-            <a:miter lim="400000"/>
-          </a:ln>
-        </p:spPr>
-        <p:txBody>
-          <a:bodyPr lIns="50800" tIns="50800" rIns="50800" bIns="50800" anchor="ctr"/>
-          <a:lstStyle/>
-          <a:p>
-            <a:pPr algn="ctr">
-              <a:lnSpc>
-                <a:spcPct val="80000"/>
-              </a:lnSpc>
-              <a:spcBef>
-                <a:spcPts val="0"/>
-              </a:spcBef>
-              <a:defRPr cap="all" sz="2800">
-                <a:solidFill>
-                  <a:srgbClr val="FFFFFF"/>
-                </a:solidFill>
-                <a:latin typeface="+mn-lt"/>
-                <a:ea typeface="+mn-ea"/>
-                <a:cs typeface="+mn-cs"/>
-                <a:sym typeface="DIN Condensed"/>
+              <a:t>import sklearn</a:t>
+            </a:r>
+          </a:p>
+          <a:p>
+            <a:pPr>
+              <a:defRPr sz="5100">
+                <a:latin typeface="Anonymous Pro for Powerline"/>
+                <a:ea typeface="Anonymous Pro for Powerline"/>
+                <a:cs typeface="Anonymous Pro for Powerline"/>
+                <a:sym typeface="Anonymous Pro for Powerline"/>
               </a:defRPr>
             </a:pPr>
-          </a:p>
-        </p:txBody>
-      </p:sp>
-      <p:sp>
-        <p:nvSpPr>
-          <p:cNvPr id="275" name="Shape 275"/>
-          <p:cNvSpPr/>
-          <p:nvPr/>
-        </p:nvSpPr>
-        <p:spPr>
-          <a:xfrm>
-            <a:off x="4453770" y="7499394"/>
-            <a:ext cx="3251455" cy="1143001"/>
-          </a:xfrm>
-          <a:prstGeom prst="rect">
-            <a:avLst/>
-          </a:prstGeom>
-          <a:ln w="12700">
-            <a:miter lim="400000"/>
-          </a:ln>
-          <a:extLst>
-            <a:ext uri="{C572A759-6A51-4108-AA02-DFA0A04FC94B}">
-              <ma14:wrappingTextBoxFlag xmlns:ma14="http://schemas.microsoft.com/office/mac/drawingml/2011/main" val="1"/>
-            </a:ext>
-          </a:extLst>
-        </p:spPr>
-        <p:txBody>
-          <a:bodyPr wrap="none" lIns="50800" tIns="50800" rIns="50800" bIns="50800" anchor="ctr">
-            <a:spAutoFit/>
-          </a:bodyPr>
-          <a:lstStyle>
-            <a:lvl1pPr>
-              <a:defRPr sz="6000">
-                <a:solidFill>
-                  <a:schemeClr val="accent5"/>
-                </a:solidFill>
-              </a:defRPr>
-            </a:lvl1pPr>
-          </a:lstStyle>
-          <a:p>
-            <a:pPr/>
-            <a:r>
-              <a:t>intercept</a:t>
+            <a:r>
+              <a:t> </a:t>
             </a:r>
           </a:p>
         </p:txBody>
@@ -7608,95 +8225,49 @@
       </p:grpSpPr>
       <p:sp>
         <p:nvSpPr>
-          <p:cNvPr id="277" name="Shape 277"/>
-          <p:cNvSpPr/>
-          <p:nvPr>
-            <p:ph type="body" idx="13"/>
-          </p:nvPr>
-        </p:nvSpPr>
-        <p:spPr>
-          <a:prstGeom prst="rect">
-            <a:avLst/>
-          </a:prstGeom>
-        </p:spPr>
-        <p:txBody>
-          <a:bodyPr/>
-          <a:lstStyle/>
-          <a:p>
-            <a:pPr/>
-            <a:r>
-              <a:t>Text</a:t>
-            </a:r>
-          </a:p>
-        </p:txBody>
-      </p:sp>
-      <p:sp>
-        <p:nvSpPr>
-          <p:cNvPr id="278" name="Shape 278"/>
+          <p:cNvPr id="292" name="Shape 292"/>
           <p:cNvSpPr/>
           <p:nvPr>
             <p:ph type="title"/>
           </p:nvPr>
         </p:nvSpPr>
         <p:spPr>
+          <a:xfrm>
+            <a:off x="406400" y="1536700"/>
+            <a:ext cx="12192000" cy="1169260"/>
+          </a:xfrm>
           <a:prstGeom prst="rect">
             <a:avLst/>
           </a:prstGeom>
         </p:spPr>
         <p:txBody>
           <a:bodyPr/>
-          <a:lstStyle/>
-          <a:p>
-            <a:pPr defTabSz="467359">
+          <a:lstStyle>
+            <a:lvl1pPr defTabSz="403097">
               <a:spcBef>
-                <a:spcPts val="2200"/>
+                <a:spcPts val="1900"/>
               </a:spcBef>
-              <a:defRPr sz="4800"/>
-            </a:pPr>
-          </a:p>
-        </p:txBody>
-      </p:sp>
-      <p:sp>
-        <p:nvSpPr>
-          <p:cNvPr id="279" name="Shape 279"/>
-          <p:cNvSpPr/>
-          <p:nvPr>
-            <p:ph type="body" idx="1"/>
-          </p:nvPr>
-        </p:nvSpPr>
-        <p:spPr>
-          <a:prstGeom prst="rect">
-            <a:avLst/>
-          </a:prstGeom>
-        </p:spPr>
-        <p:txBody>
-          <a:bodyPr/>
-          <a:lstStyle/>
+              <a:defRPr sz="8280"/>
+            </a:lvl1pPr>
+          </a:lstStyle>
           <a:p>
             <a:pPr/>
-          </a:p>
-        </p:txBody>
-      </p:sp>
-      <p:pic>
-        <p:nvPicPr>
-          <p:cNvPr id="280" name="pasted-image.png"/>
-          <p:cNvPicPr>
-            <a:picLocks noChangeAspect="1"/>
-          </p:cNvPicPr>
+            <a:r>
+              <a:t>Imported as sklearn</a:t>
+            </a:r>
+          </a:p>
+        </p:txBody>
+      </p:sp>
+      <p:sp>
+        <p:nvSpPr>
+          <p:cNvPr id="293" name="Shape 293"/>
+          <p:cNvSpPr/>
           <p:nvPr/>
-        </p:nvPicPr>
-        <p:blipFill>
-          <a:blip r:embed="rId2">
-            <a:extLst/>
-          </a:blip>
-          <a:stretch>
-            <a:fillRect/>
-          </a:stretch>
-        </p:blipFill>
+        </p:nvSpPr>
         <p:spPr>
           <a:xfrm>
-            <a:off x="0" y="429922"/>
-            <a:ext cx="13004801" cy="8893756"/>
+            <a:off x="77939" y="4493424"/>
+            <a:ext cx="15583634" cy="1447801"/>
           </a:xfrm>
           <a:prstGeom prst="rect">
             <a:avLst/>
@@ -7704,8 +8275,45 @@
           <a:ln w="12700">
             <a:miter lim="400000"/>
           </a:ln>
-        </p:spPr>
-      </p:pic>
+          <a:extLst>
+            <a:ext uri="{C572A759-6A51-4108-AA02-DFA0A04FC94B}">
+              <ma14:wrappingTextBoxFlag xmlns:ma14="http://schemas.microsoft.com/office/mac/drawingml/2011/main" val="1"/>
+            </a:ext>
+          </a:extLst>
+        </p:spPr>
+        <p:txBody>
+          <a:bodyPr lIns="50800" tIns="50800" rIns="50800" bIns="50800" anchor="ctr">
+            <a:spAutoFit/>
+          </a:bodyPr>
+          <a:lstStyle/>
+          <a:p>
+            <a:pPr>
+              <a:defRPr b="1" sz="3400">
+                <a:latin typeface="Courier"/>
+                <a:ea typeface="Courier"/>
+                <a:cs typeface="Courier"/>
+                <a:sym typeface="Courier"/>
+              </a:defRPr>
+            </a:pPr>
+            <a:r>
+              <a:t>from sklearn.linear_model import LinearRegression</a:t>
+            </a:r>
+          </a:p>
+          <a:p>
+            <a:pPr>
+              <a:defRPr sz="3400">
+                <a:latin typeface="Anonymous Pro for Powerline"/>
+                <a:ea typeface="Anonymous Pro for Powerline"/>
+                <a:cs typeface="Anonymous Pro for Powerline"/>
+                <a:sym typeface="Anonymous Pro for Powerline"/>
+              </a:defRPr>
+            </a:pPr>
+            <a:r>
+              <a:t> </a:t>
+            </a:r>
+          </a:p>
+        </p:txBody>
+      </p:sp>
     </p:spTree>
   </p:cSld>
   <p:clrMapOvr>
@@ -7734,7 +8342,7 @@
       </p:grpSpPr>
       <p:sp>
         <p:nvSpPr>
-          <p:cNvPr id="282" name="Shape 282"/>
+          <p:cNvPr id="295" name="Shape 295"/>
           <p:cNvSpPr/>
           <p:nvPr>
             <p:ph type="title"/>
@@ -7762,21 +8370,21 @@
           <a:p>
             <a:pPr/>
             <a:r>
-              <a:t>single-variable</a:t>
-            </a:r>
-          </a:p>
-        </p:txBody>
-      </p:sp>
-      <p:sp>
-        <p:nvSpPr>
-          <p:cNvPr id="283" name="Shape 283"/>
+              <a:t>Python Equivalent</a:t>
+            </a:r>
+          </a:p>
+        </p:txBody>
+      </p:sp>
+      <p:sp>
+        <p:nvSpPr>
+          <p:cNvPr id="296" name="Shape 296"/>
           <p:cNvSpPr/>
           <p:nvPr/>
         </p:nvSpPr>
         <p:spPr>
           <a:xfrm>
-            <a:off x="574094" y="2903133"/>
-            <a:ext cx="12136012" cy="1333501"/>
+            <a:off x="531687" y="4286249"/>
+            <a:ext cx="12946700" cy="3035301"/>
           </a:xfrm>
           <a:prstGeom prst="rect">
             <a:avLst/>
@@ -7797,7 +8405,7 @@
           <a:lstStyle/>
           <a:p>
             <a:pPr>
-              <a:defRPr sz="8100">
+              <a:defRPr sz="5100">
                 <a:latin typeface="Anonymous Pro for Powerline"/>
                 <a:ea typeface="Anonymous Pro for Powerline"/>
                 <a:cs typeface="Anonymous Pro for Powerline"/>
@@ -7805,61 +8413,12 @@
               </a:defRPr>
             </a:pPr>
             <a:r>
-              <a:rPr>
-                <a:solidFill>
-                  <a:schemeClr val="accent5"/>
-                </a:solidFill>
-              </a:rPr>
-              <a:t>y</a:t>
-            </a:r>
-            <a:r>
-              <a:t> = 2</a:t>
-            </a:r>
-            <a:r>
-              <a:rPr>
-                <a:solidFill>
-                  <a:schemeClr val="accent3"/>
-                </a:solidFill>
-              </a:rPr>
-              <a:t>x</a:t>
-            </a:r>
-            <a:r>
-              <a:t> + 1</a:t>
-            </a:r>
-          </a:p>
-        </p:txBody>
-      </p:sp>
-      <p:sp>
-        <p:nvSpPr>
-          <p:cNvPr id="284" name="Shape 284"/>
-          <p:cNvSpPr/>
-          <p:nvPr/>
-        </p:nvSpPr>
-        <p:spPr>
-          <a:xfrm>
-            <a:off x="574094" y="5137150"/>
-            <a:ext cx="12136012" cy="1333501"/>
-          </a:xfrm>
-          <a:prstGeom prst="rect">
-            <a:avLst/>
-          </a:prstGeom>
-          <a:ln w="12700">
-            <a:miter lim="400000"/>
-          </a:ln>
-          <a:extLst>
-            <a:ext uri="{C572A759-6A51-4108-AA02-DFA0A04FC94B}">
-              <ma14:wrappingTextBoxFlag xmlns:ma14="http://schemas.microsoft.com/office/mac/drawingml/2011/main" val="1"/>
-            </a:ext>
-          </a:extLst>
-        </p:spPr>
-        <p:txBody>
-          <a:bodyPr lIns="50800" tIns="50800" rIns="50800" bIns="50800" anchor="ctr">
-            <a:spAutoFit/>
-          </a:bodyPr>
-          <a:lstStyle/>
+              <a:t>model = LinearRegression()</a:t>
+            </a:r>
+          </a:p>
           <a:p>
             <a:pPr>
-              <a:defRPr sz="8100">
+              <a:defRPr sz="5100">
                 <a:latin typeface="Anonymous Pro for Powerline"/>
                 <a:ea typeface="Anonymous Pro for Powerline"/>
                 <a:cs typeface="Anonymous Pro for Powerline"/>
@@ -7867,66 +8426,12 @@
               </a:defRPr>
             </a:pPr>
             <a:r>
-              <a:rPr>
-                <a:solidFill>
-                  <a:schemeClr val="accent3"/>
-                </a:solidFill>
-              </a:rPr>
-              <a:t>1</a:t>
-            </a:r>
-            <a:r>
-              <a:rPr>
-                <a:solidFill>
-                  <a:schemeClr val="accent5"/>
-                </a:solidFill>
-              </a:rPr>
-              <a:t> </a:t>
-            </a:r>
-            <a:r>
-              <a:t>—&gt; </a:t>
-            </a:r>
-            <a:r>
-              <a:rPr>
-                <a:solidFill>
-                  <a:schemeClr val="accent5"/>
-                </a:solidFill>
-              </a:rPr>
-              <a:t>3</a:t>
-            </a:r>
-          </a:p>
-        </p:txBody>
-      </p:sp>
-      <p:sp>
-        <p:nvSpPr>
-          <p:cNvPr id="285" name="Shape 285"/>
-          <p:cNvSpPr/>
-          <p:nvPr/>
-        </p:nvSpPr>
-        <p:spPr>
-          <a:xfrm>
-            <a:off x="574094" y="6516165"/>
-            <a:ext cx="12136012" cy="1333501"/>
-          </a:xfrm>
-          <a:prstGeom prst="rect">
-            <a:avLst/>
-          </a:prstGeom>
-          <a:ln w="12700">
-            <a:miter lim="400000"/>
-          </a:ln>
-          <a:extLst>
-            <a:ext uri="{C572A759-6A51-4108-AA02-DFA0A04FC94B}">
-              <ma14:wrappingTextBoxFlag xmlns:ma14="http://schemas.microsoft.com/office/mac/drawingml/2011/main" val="1"/>
-            </a:ext>
-          </a:extLst>
-        </p:spPr>
-        <p:txBody>
-          <a:bodyPr lIns="50800" tIns="50800" rIns="50800" bIns="50800" anchor="ctr">
-            <a:spAutoFit/>
-          </a:bodyPr>
-          <a:lstStyle/>
+              <a:t>model.coef_ = np.array([2.0])</a:t>
+            </a:r>
+          </a:p>
           <a:p>
             <a:pPr>
-              <a:defRPr sz="8100">
+              <a:defRPr sz="5100">
                 <a:latin typeface="Anonymous Pro for Powerline"/>
                 <a:ea typeface="Anonymous Pro for Powerline"/>
                 <a:cs typeface="Anonymous Pro for Powerline"/>
@@ -7934,98 +8439,7 @@
               </a:defRPr>
             </a:pPr>
             <a:r>
-              <a:rPr>
-                <a:solidFill>
-                  <a:schemeClr val="accent3"/>
-                </a:solidFill>
-              </a:rPr>
-              <a:t>2</a:t>
-            </a:r>
-            <a:r>
-              <a:rPr>
-                <a:solidFill>
-                  <a:schemeClr val="accent5"/>
-                </a:solidFill>
-              </a:rPr>
-              <a:t> </a:t>
-            </a:r>
-            <a:r>
-              <a:t>—&gt; </a:t>
-            </a:r>
-            <a:r>
-              <a:rPr>
-                <a:solidFill>
-                  <a:schemeClr val="accent5"/>
-                </a:solidFill>
-              </a:rPr>
-              <a:t>5</a:t>
-            </a:r>
-          </a:p>
-        </p:txBody>
-      </p:sp>
-      <p:sp>
-        <p:nvSpPr>
-          <p:cNvPr id="286" name="Shape 286"/>
-          <p:cNvSpPr/>
-          <p:nvPr/>
-        </p:nvSpPr>
-        <p:spPr>
-          <a:xfrm>
-            <a:off x="574094" y="7895180"/>
-            <a:ext cx="12136012" cy="1333501"/>
-          </a:xfrm>
-          <a:prstGeom prst="rect">
-            <a:avLst/>
-          </a:prstGeom>
-          <a:ln w="12700">
-            <a:miter lim="400000"/>
-          </a:ln>
-          <a:extLst>
-            <a:ext uri="{C572A759-6A51-4108-AA02-DFA0A04FC94B}">
-              <ma14:wrappingTextBoxFlag xmlns:ma14="http://schemas.microsoft.com/office/mac/drawingml/2011/main" val="1"/>
-            </a:ext>
-          </a:extLst>
-        </p:spPr>
-        <p:txBody>
-          <a:bodyPr lIns="50800" tIns="50800" rIns="50800" bIns="50800" anchor="ctr">
-            <a:spAutoFit/>
-          </a:bodyPr>
-          <a:lstStyle/>
-          <a:p>
-            <a:pPr>
-              <a:defRPr sz="8100">
-                <a:latin typeface="Anonymous Pro for Powerline"/>
-                <a:ea typeface="Anonymous Pro for Powerline"/>
-                <a:cs typeface="Anonymous Pro for Powerline"/>
-                <a:sym typeface="Anonymous Pro for Powerline"/>
-              </a:defRPr>
-            </a:pPr>
-            <a:r>
-              <a:rPr>
-                <a:solidFill>
-                  <a:schemeClr val="accent3"/>
-                </a:solidFill>
-              </a:rPr>
-              <a:t>3</a:t>
-            </a:r>
-            <a:r>
-              <a:rPr>
-                <a:solidFill>
-                  <a:schemeClr val="accent5"/>
-                </a:solidFill>
-              </a:rPr>
-              <a:t> </a:t>
-            </a:r>
-            <a:r>
-              <a:t>—&gt; </a:t>
-            </a:r>
-            <a:r>
-              <a:rPr>
-                <a:solidFill>
-                  <a:schemeClr val="accent5"/>
-                </a:solidFill>
-              </a:rPr>
-              <a:t>7</a:t>
+              <a:t>model.intercept_ = 1.0</a:t>
             </a:r>
           </a:p>
         </p:txBody>
@@ -8058,7 +8472,7 @@
       </p:grpSpPr>
       <p:sp>
         <p:nvSpPr>
-          <p:cNvPr id="288" name="Shape 288"/>
+          <p:cNvPr id="298" name="Shape 298"/>
           <p:cNvSpPr/>
           <p:nvPr>
             <p:ph type="title"/>
@@ -8086,21 +8500,21 @@
           <a:p>
             <a:pPr/>
             <a:r>
-              <a:t>Python Equivalent</a:t>
-            </a:r>
-          </a:p>
-        </p:txBody>
-      </p:sp>
-      <p:sp>
-        <p:nvSpPr>
-          <p:cNvPr id="289" name="Shape 289"/>
+              <a:t>single-variable</a:t>
+            </a:r>
+          </a:p>
+        </p:txBody>
+      </p:sp>
+      <p:sp>
+        <p:nvSpPr>
+          <p:cNvPr id="299" name="Shape 299"/>
           <p:cNvSpPr/>
           <p:nvPr/>
         </p:nvSpPr>
         <p:spPr>
           <a:xfrm>
-            <a:off x="531687" y="4286249"/>
-            <a:ext cx="12946700" cy="3035301"/>
+            <a:off x="434394" y="3236537"/>
+            <a:ext cx="12136012" cy="1028701"/>
           </a:xfrm>
           <a:prstGeom prst="rect">
             <a:avLst/>
@@ -8121,7 +8535,10 @@
           <a:lstStyle/>
           <a:p>
             <a:pPr>
-              <a:defRPr sz="5100">
+              <a:defRPr sz="6100">
+                <a:solidFill>
+                  <a:schemeClr val="accent5"/>
+                </a:solidFill>
                 <a:latin typeface="Anonymous Pro for Powerline"/>
                 <a:ea typeface="Anonymous Pro for Powerline"/>
                 <a:cs typeface="Anonymous Pro for Powerline"/>
@@ -8129,12 +8546,66 @@
               </a:defRPr>
             </a:pPr>
             <a:r>
-              <a:t>model = LinearRegression()</a:t>
-            </a:r>
-          </a:p>
+              <a:t>y </a:t>
+            </a:r>
+            <a:r>
+              <a:rPr>
+                <a:solidFill>
+                  <a:srgbClr val="838787"/>
+                </a:solidFill>
+              </a:rPr>
+              <a:t>= model.predict(</a:t>
+            </a:r>
+            <a:r>
+              <a:rPr>
+                <a:solidFill>
+                  <a:schemeClr val="accent3"/>
+                </a:solidFill>
+              </a:rPr>
+              <a:t>x</a:t>
+            </a:r>
+            <a:r>
+              <a:rPr>
+                <a:solidFill>
+                  <a:srgbClr val="838787"/>
+                </a:solidFill>
+              </a:rPr>
+              <a:t>)</a:t>
+            </a:r>
+          </a:p>
+        </p:txBody>
+      </p:sp>
+      <p:sp>
+        <p:nvSpPr>
+          <p:cNvPr id="300" name="Shape 300"/>
+          <p:cNvSpPr/>
+          <p:nvPr/>
+        </p:nvSpPr>
+        <p:spPr>
+          <a:xfrm>
+            <a:off x="574094" y="5137150"/>
+            <a:ext cx="12136012" cy="1333501"/>
+          </a:xfrm>
+          <a:prstGeom prst="rect">
+            <a:avLst/>
+          </a:prstGeom>
+          <a:ln w="12700">
+            <a:miter lim="400000"/>
+          </a:ln>
+          <a:extLst>
+            <a:ext uri="{C572A759-6A51-4108-AA02-DFA0A04FC94B}">
+              <ma14:wrappingTextBoxFlag xmlns:ma14="http://schemas.microsoft.com/office/mac/drawingml/2011/main" val="1"/>
+            </a:ext>
+          </a:extLst>
+        </p:spPr>
+        <p:txBody>
+          <a:bodyPr lIns="50800" tIns="50800" rIns="50800" bIns="50800" anchor="ctr">
+            <a:spAutoFit/>
+          </a:bodyPr>
+          <a:lstStyle/>
           <a:p>
             <a:pPr>
-              <a:defRPr sz="5100">
+              <a:defRPr sz="8100">
                 <a:latin typeface="Anonymous Pro for Powerline"/>
                 <a:ea typeface="Anonymous Pro for Powerline"/>
                 <a:cs typeface="Anonymous Pro for Powerline"/>
@@ -8142,12 +8613,66 @@
               </a:defRPr>
             </a:pPr>
             <a:r>
-              <a:t>model.coef_ = np.array([2.0])</a:t>
-            </a:r>
-          </a:p>
+              <a:rPr>
+                <a:solidFill>
+                  <a:schemeClr val="accent3"/>
+                </a:solidFill>
+              </a:rPr>
+              <a:t>1</a:t>
+            </a:r>
+            <a:r>
+              <a:rPr>
+                <a:solidFill>
+                  <a:schemeClr val="accent5"/>
+                </a:solidFill>
+              </a:rPr>
+              <a:t> </a:t>
+            </a:r>
+            <a:r>
+              <a:t>—&gt; </a:t>
+            </a:r>
+            <a:r>
+              <a:rPr>
+                <a:solidFill>
+                  <a:schemeClr val="accent5"/>
+                </a:solidFill>
+              </a:rPr>
+              <a:t>3</a:t>
+            </a:r>
+          </a:p>
+        </p:txBody>
+      </p:sp>
+      <p:sp>
+        <p:nvSpPr>
+          <p:cNvPr id="301" name="Shape 301"/>
+          <p:cNvSpPr/>
+          <p:nvPr/>
+        </p:nvSpPr>
+        <p:spPr>
+          <a:xfrm>
+            <a:off x="574094" y="6516165"/>
+            <a:ext cx="12136012" cy="1333501"/>
+          </a:xfrm>
+          <a:prstGeom prst="rect">
+            <a:avLst/>
+          </a:prstGeom>
+          <a:ln w="12700">
+            <a:miter lim="400000"/>
+          </a:ln>
+          <a:extLst>
+            <a:ext uri="{C572A759-6A51-4108-AA02-DFA0A04FC94B}">
+              <ma14:wrappingTextBoxFlag xmlns:ma14="http://schemas.microsoft.com/office/mac/drawingml/2011/main" val="1"/>
+            </a:ext>
+          </a:extLst>
+        </p:spPr>
+        <p:txBody>
+          <a:bodyPr lIns="50800" tIns="50800" rIns="50800" bIns="50800" anchor="ctr">
+            <a:spAutoFit/>
+          </a:bodyPr>
+          <a:lstStyle/>
           <a:p>
             <a:pPr>
-              <a:defRPr sz="5100">
+              <a:defRPr sz="8100">
                 <a:latin typeface="Anonymous Pro for Powerline"/>
                 <a:ea typeface="Anonymous Pro for Powerline"/>
                 <a:cs typeface="Anonymous Pro for Powerline"/>
@@ -8155,7 +8680,98 @@
               </a:defRPr>
             </a:pPr>
             <a:r>
-              <a:t>model.intercept_ = 1.0</a:t>
+              <a:rPr>
+                <a:solidFill>
+                  <a:schemeClr val="accent3"/>
+                </a:solidFill>
+              </a:rPr>
+              <a:t>2</a:t>
+            </a:r>
+            <a:r>
+              <a:rPr>
+                <a:solidFill>
+                  <a:schemeClr val="accent5"/>
+                </a:solidFill>
+              </a:rPr>
+              <a:t> </a:t>
+            </a:r>
+            <a:r>
+              <a:t>—&gt; </a:t>
+            </a:r>
+            <a:r>
+              <a:rPr>
+                <a:solidFill>
+                  <a:schemeClr val="accent5"/>
+                </a:solidFill>
+              </a:rPr>
+              <a:t>5</a:t>
+            </a:r>
+          </a:p>
+        </p:txBody>
+      </p:sp>
+      <p:sp>
+        <p:nvSpPr>
+          <p:cNvPr id="302" name="Shape 302"/>
+          <p:cNvSpPr/>
+          <p:nvPr/>
+        </p:nvSpPr>
+        <p:spPr>
+          <a:xfrm>
+            <a:off x="574094" y="7895180"/>
+            <a:ext cx="12136012" cy="1333501"/>
+          </a:xfrm>
+          <a:prstGeom prst="rect">
+            <a:avLst/>
+          </a:prstGeom>
+          <a:ln w="12700">
+            <a:miter lim="400000"/>
+          </a:ln>
+          <a:extLst>
+            <a:ext uri="{C572A759-6A51-4108-AA02-DFA0A04FC94B}">
+              <ma14:wrappingTextBoxFlag xmlns:ma14="http://schemas.microsoft.com/office/mac/drawingml/2011/main" val="1"/>
+            </a:ext>
+          </a:extLst>
+        </p:spPr>
+        <p:txBody>
+          <a:bodyPr lIns="50800" tIns="50800" rIns="50800" bIns="50800" anchor="ctr">
+            <a:spAutoFit/>
+          </a:bodyPr>
+          <a:lstStyle/>
+          <a:p>
+            <a:pPr>
+              <a:defRPr sz="8100">
+                <a:latin typeface="Anonymous Pro for Powerline"/>
+                <a:ea typeface="Anonymous Pro for Powerline"/>
+                <a:cs typeface="Anonymous Pro for Powerline"/>
+                <a:sym typeface="Anonymous Pro for Powerline"/>
+              </a:defRPr>
+            </a:pPr>
+            <a:r>
+              <a:rPr>
+                <a:solidFill>
+                  <a:schemeClr val="accent3"/>
+                </a:solidFill>
+              </a:rPr>
+              <a:t>3</a:t>
+            </a:r>
+            <a:r>
+              <a:rPr>
+                <a:solidFill>
+                  <a:schemeClr val="accent5"/>
+                </a:solidFill>
+              </a:rPr>
+              <a:t> </a:t>
+            </a:r>
+            <a:r>
+              <a:t>—&gt; </a:t>
+            </a:r>
+            <a:r>
+              <a:rPr>
+                <a:solidFill>
+                  <a:schemeClr val="accent5"/>
+                </a:solidFill>
+              </a:rPr>
+              <a:t>7</a:t>
             </a:r>
           </a:p>
         </p:txBody>
@@ -8186,9 +8802,67 @@
           <a:chExt cx="0" cy="0"/>
         </a:xfrm>
       </p:grpSpPr>
-      <p:sp>
-        <p:nvSpPr>
-          <p:cNvPr id="291" name="Shape 291"/>
+      <p:pic>
+        <p:nvPicPr>
+          <p:cNvPr id="304" name="pasted-image.png"/>
+          <p:cNvPicPr>
+            <a:picLocks noChangeAspect="1"/>
+          </p:cNvPicPr>
+          <p:nvPr/>
+        </p:nvPicPr>
+        <p:blipFill>
+          <a:blip r:embed="rId2">
+            <a:extLst/>
+          </a:blip>
+          <a:stretch>
+            <a:fillRect/>
+          </a:stretch>
+        </p:blipFill>
+        <p:spPr>
+          <a:xfrm>
+            <a:off x="-85399" y="3419409"/>
+            <a:ext cx="6339373" cy="4754530"/>
+          </a:xfrm>
+          <a:prstGeom prst="rect">
+            <a:avLst/>
+          </a:prstGeom>
+          <a:ln w="12700">
+            <a:miter lim="400000"/>
+          </a:ln>
+        </p:spPr>
+      </p:pic>
+      <p:pic>
+        <p:nvPicPr>
+          <p:cNvPr id="305" name="Screen Shot 2018-11-08 at 8.08.44 PM.png"/>
+          <p:cNvPicPr>
+            <a:picLocks noChangeAspect="1"/>
+          </p:cNvPicPr>
+          <p:nvPr/>
+        </p:nvPicPr>
+        <p:blipFill>
+          <a:blip r:embed="rId3">
+            <a:extLst/>
+          </a:blip>
+          <a:stretch>
+            <a:fillRect/>
+          </a:stretch>
+        </p:blipFill>
+        <p:spPr>
+          <a:xfrm>
+            <a:off x="6009094" y="3426635"/>
+            <a:ext cx="6989869" cy="4754530"/>
+          </a:xfrm>
+          <a:prstGeom prst="rect">
+            <a:avLst/>
+          </a:prstGeom>
+          <a:ln w="12700">
+            <a:miter lim="400000"/>
+          </a:ln>
+        </p:spPr>
+      </p:pic>
+      <p:sp>
+        <p:nvSpPr>
+          <p:cNvPr id="306" name="Shape 306"/>
           <p:cNvSpPr/>
           <p:nvPr>
             <p:ph type="title"/>
@@ -8216,278 +8890,7 @@
           <a:p>
             <a:pPr/>
             <a:r>
-              <a:t>single-variable</a:t>
-            </a:r>
-          </a:p>
-        </p:txBody>
-      </p:sp>
-      <p:sp>
-        <p:nvSpPr>
-          <p:cNvPr id="292" name="Shape 292"/>
-          <p:cNvSpPr/>
-          <p:nvPr/>
-        </p:nvSpPr>
-        <p:spPr>
-          <a:xfrm>
-            <a:off x="434394" y="3236537"/>
-            <a:ext cx="12136012" cy="1028701"/>
-          </a:xfrm>
-          <a:prstGeom prst="rect">
-            <a:avLst/>
-          </a:prstGeom>
-          <a:ln w="12700">
-            <a:miter lim="400000"/>
-          </a:ln>
-          <a:extLst>
-            <a:ext uri="{C572A759-6A51-4108-AA02-DFA0A04FC94B}">
-              <ma14:wrappingTextBoxFlag xmlns:ma14="http://schemas.microsoft.com/office/mac/drawingml/2011/main" val="1"/>
-            </a:ext>
-          </a:extLst>
-        </p:spPr>
-        <p:txBody>
-          <a:bodyPr lIns="50800" tIns="50800" rIns="50800" bIns="50800" anchor="ctr">
-            <a:spAutoFit/>
-          </a:bodyPr>
-          <a:lstStyle/>
-          <a:p>
-            <a:pPr>
-              <a:defRPr sz="6100">
-                <a:solidFill>
-                  <a:schemeClr val="accent5"/>
-                </a:solidFill>
-                <a:latin typeface="Anonymous Pro for Powerline"/>
-                <a:ea typeface="Anonymous Pro for Powerline"/>
-                <a:cs typeface="Anonymous Pro for Powerline"/>
-                <a:sym typeface="Anonymous Pro for Powerline"/>
-              </a:defRPr>
-            </a:pPr>
-            <a:r>
-              <a:t>y </a:t>
-            </a:r>
-            <a:r>
-              <a:rPr>
-                <a:solidFill>
-                  <a:srgbClr val="838787"/>
-                </a:solidFill>
-              </a:rPr>
-              <a:t>= model.predict(</a:t>
-            </a:r>
-            <a:r>
-              <a:rPr>
-                <a:solidFill>
-                  <a:schemeClr val="accent3"/>
-                </a:solidFill>
-              </a:rPr>
-              <a:t>x</a:t>
-            </a:r>
-            <a:r>
-              <a:rPr>
-                <a:solidFill>
-                  <a:srgbClr val="838787"/>
-                </a:solidFill>
-              </a:rPr>
-              <a:t>)</a:t>
-            </a:r>
-          </a:p>
-        </p:txBody>
-      </p:sp>
-      <p:sp>
-        <p:nvSpPr>
-          <p:cNvPr id="293" name="Shape 293"/>
-          <p:cNvSpPr/>
-          <p:nvPr/>
-        </p:nvSpPr>
-        <p:spPr>
-          <a:xfrm>
-            <a:off x="574094" y="5137150"/>
-            <a:ext cx="12136012" cy="1333501"/>
-          </a:xfrm>
-          <a:prstGeom prst="rect">
-            <a:avLst/>
-          </a:prstGeom>
-          <a:ln w="12700">
-            <a:miter lim="400000"/>
-          </a:ln>
-          <a:extLst>
-            <a:ext uri="{C572A759-6A51-4108-AA02-DFA0A04FC94B}">
-              <ma14:wrappingTextBoxFlag xmlns:ma14="http://schemas.microsoft.com/office/mac/drawingml/2011/main" val="1"/>
-            </a:ext>
-          </a:extLst>
-        </p:spPr>
-        <p:txBody>
-          <a:bodyPr lIns="50800" tIns="50800" rIns="50800" bIns="50800" anchor="ctr">
-            <a:spAutoFit/>
-          </a:bodyPr>
-          <a:lstStyle/>
-          <a:p>
-            <a:pPr>
-              <a:defRPr sz="8100">
-                <a:latin typeface="Anonymous Pro for Powerline"/>
-                <a:ea typeface="Anonymous Pro for Powerline"/>
-                <a:cs typeface="Anonymous Pro for Powerline"/>
-                <a:sym typeface="Anonymous Pro for Powerline"/>
-              </a:defRPr>
-            </a:pPr>
-            <a:r>
-              <a:rPr>
-                <a:solidFill>
-                  <a:schemeClr val="accent3"/>
-                </a:solidFill>
-              </a:rPr>
-              <a:t>1</a:t>
-            </a:r>
-            <a:r>
-              <a:rPr>
-                <a:solidFill>
-                  <a:schemeClr val="accent5"/>
-                </a:solidFill>
-              </a:rPr>
-              <a:t> </a:t>
-            </a:r>
-            <a:r>
-              <a:t>—&gt; </a:t>
-            </a:r>
-            <a:r>
-              <a:rPr>
-                <a:solidFill>
-                  <a:schemeClr val="accent5"/>
-                </a:solidFill>
-              </a:rPr>
-              <a:t>3</a:t>
-            </a:r>
-          </a:p>
-        </p:txBody>
-      </p:sp>
-      <p:sp>
-        <p:nvSpPr>
-          <p:cNvPr id="294" name="Shape 294"/>
-          <p:cNvSpPr/>
-          <p:nvPr/>
-        </p:nvSpPr>
-        <p:spPr>
-          <a:xfrm>
-            <a:off x="574094" y="6516165"/>
-            <a:ext cx="12136012" cy="1333501"/>
-          </a:xfrm>
-          <a:prstGeom prst="rect">
-            <a:avLst/>
-          </a:prstGeom>
-          <a:ln w="12700">
-            <a:miter lim="400000"/>
-          </a:ln>
-          <a:extLst>
-            <a:ext uri="{C572A759-6A51-4108-AA02-DFA0A04FC94B}">
-              <ma14:wrappingTextBoxFlag xmlns:ma14="http://schemas.microsoft.com/office/mac/drawingml/2011/main" val="1"/>
-            </a:ext>
-          </a:extLst>
-        </p:spPr>
-        <p:txBody>
-          <a:bodyPr lIns="50800" tIns="50800" rIns="50800" bIns="50800" anchor="ctr">
-            <a:spAutoFit/>
-          </a:bodyPr>
-          <a:lstStyle/>
-          <a:p>
-            <a:pPr>
-              <a:defRPr sz="8100">
-                <a:latin typeface="Anonymous Pro for Powerline"/>
-                <a:ea typeface="Anonymous Pro for Powerline"/>
-                <a:cs typeface="Anonymous Pro for Powerline"/>
-                <a:sym typeface="Anonymous Pro for Powerline"/>
-              </a:defRPr>
-            </a:pPr>
-            <a:r>
-              <a:rPr>
-                <a:solidFill>
-                  <a:schemeClr val="accent3"/>
-                </a:solidFill>
-              </a:rPr>
-              <a:t>2</a:t>
-            </a:r>
-            <a:r>
-              <a:rPr>
-                <a:solidFill>
-                  <a:schemeClr val="accent5"/>
-                </a:solidFill>
-              </a:rPr>
-              <a:t> </a:t>
-            </a:r>
-            <a:r>
-              <a:t>—&gt; </a:t>
-            </a:r>
-            <a:r>
-              <a:rPr>
-                <a:solidFill>
-                  <a:schemeClr val="accent5"/>
-                </a:solidFill>
-              </a:rPr>
-              <a:t>5</a:t>
-            </a:r>
-          </a:p>
-        </p:txBody>
-      </p:sp>
-      <p:sp>
-        <p:nvSpPr>
-          <p:cNvPr id="295" name="Shape 295"/>
-          <p:cNvSpPr/>
-          <p:nvPr/>
-        </p:nvSpPr>
-        <p:spPr>
-          <a:xfrm>
-            <a:off x="574094" y="7895180"/>
-            <a:ext cx="12136012" cy="1333501"/>
-          </a:xfrm>
-          <a:prstGeom prst="rect">
-            <a:avLst/>
-          </a:prstGeom>
-          <a:ln w="12700">
-            <a:miter lim="400000"/>
-          </a:ln>
-          <a:extLst>
-            <a:ext uri="{C572A759-6A51-4108-AA02-DFA0A04FC94B}">
-              <ma14:wrappingTextBoxFlag xmlns:ma14="http://schemas.microsoft.com/office/mac/drawingml/2011/main" val="1"/>
-            </a:ext>
-          </a:extLst>
-        </p:spPr>
-        <p:txBody>
-          <a:bodyPr lIns="50800" tIns="50800" rIns="50800" bIns="50800" anchor="ctr">
-            <a:spAutoFit/>
-          </a:bodyPr>
-          <a:lstStyle/>
-          <a:p>
-            <a:pPr>
-              <a:defRPr sz="8100">
-                <a:latin typeface="Anonymous Pro for Powerline"/>
-                <a:ea typeface="Anonymous Pro for Powerline"/>
-                <a:cs typeface="Anonymous Pro for Powerline"/>
-                <a:sym typeface="Anonymous Pro for Powerline"/>
-              </a:defRPr>
-            </a:pPr>
-            <a:r>
-              <a:rPr>
-                <a:solidFill>
-                  <a:schemeClr val="accent3"/>
-                </a:solidFill>
-              </a:rPr>
-              <a:t>3</a:t>
-            </a:r>
-            <a:r>
-              <a:rPr>
-                <a:solidFill>
-                  <a:schemeClr val="accent5"/>
-                </a:solidFill>
-              </a:rPr>
-              <a:t> </a:t>
-            </a:r>
-            <a:r>
-              <a:t>—&gt; </a:t>
-            </a:r>
-            <a:r>
-              <a:rPr>
-                <a:solidFill>
-                  <a:schemeClr val="accent5"/>
-                </a:solidFill>
-              </a:rPr>
-              <a:t>7</a:t>
+              <a:t>Scatter and Line Plots</a:t>
             </a:r>
           </a:p>
         </p:txBody>
@@ -8520,52 +8923,13 @@
       </p:grpSpPr>
       <p:sp>
         <p:nvSpPr>
-          <p:cNvPr id="297" name="Shape 297"/>
+          <p:cNvPr id="308" name="Shape 308"/>
           <p:cNvSpPr/>
           <p:nvPr>
             <p:ph type="title"/>
           </p:nvPr>
         </p:nvSpPr>
         <p:spPr>
-          <a:xfrm>
-            <a:off x="406400" y="1536700"/>
-            <a:ext cx="12192000" cy="1169260"/>
-          </a:xfrm>
-          <a:prstGeom prst="rect">
-            <a:avLst/>
-          </a:prstGeom>
-        </p:spPr>
-        <p:txBody>
-          <a:bodyPr/>
-          <a:lstStyle>
-            <a:lvl1pPr defTabSz="403097">
-              <a:spcBef>
-                <a:spcPts val="1900"/>
-              </a:spcBef>
-              <a:defRPr sz="8280"/>
-            </a:lvl1pPr>
-          </a:lstStyle>
-          <a:p>
-            <a:pPr/>
-            <a:r>
-              <a:t>single-variable Linear models</a:t>
-            </a:r>
-          </a:p>
-        </p:txBody>
-      </p:sp>
-      <p:sp>
-        <p:nvSpPr>
-          <p:cNvPr id="298" name="Shape 298"/>
-          <p:cNvSpPr/>
-          <p:nvPr>
-            <p:ph type="body" sz="half" idx="1"/>
-          </p:nvPr>
-        </p:nvSpPr>
-        <p:spPr>
-          <a:xfrm>
-            <a:off x="406400" y="3953767"/>
-            <a:ext cx="12192000" cy="2531601"/>
-          </a:xfrm>
           <a:prstGeom prst="rect">
             <a:avLst/>
           </a:prstGeom>
@@ -8574,44 +8938,65 @@
           <a:bodyPr/>
           <a:lstStyle/>
           <a:p>
-            <a:pPr marL="663612" indent="-663612" defTabSz="549148">
+            <a:pPr defTabSz="467359">
               <a:spcBef>
-                <a:spcPts val="2600"/>
+                <a:spcPts val="2200"/>
               </a:spcBef>
-              <a:buClrTx/>
-              <a:buSzPct val="40000"/>
-              <a:buFontTx/>
-              <a:buBlip>
-                <a:blip r:embed="rId2"/>
-              </a:buBlip>
-              <a:defRPr sz="6016"/>
+              <a:defRPr sz="4800"/>
             </a:pPr>
-            <a:r>
-              <a:t>No magic!</a:t>
-            </a:r>
-          </a:p>
-          <a:p>
-            <a:pPr marL="663612" indent="-663612" defTabSz="549148">
-              <a:lnSpc>
-                <a:spcPct val="200000"/>
-              </a:lnSpc>
-              <a:spcBef>
-                <a:spcPts val="2600"/>
-              </a:spcBef>
-              <a:buClrTx/>
-              <a:buSzPct val="40000"/>
-              <a:buFontTx/>
-              <a:buBlip>
-                <a:blip r:embed="rId2"/>
-              </a:buBlip>
-              <a:defRPr sz="6016"/>
-            </a:pPr>
-            <a:r>
-              <a:t>2 dials: coefficient and intercept</a:t>
-            </a:r>
-          </a:p>
-        </p:txBody>
-      </p:sp>
+          </a:p>
+        </p:txBody>
+      </p:sp>
+      <p:sp>
+        <p:nvSpPr>
+          <p:cNvPr id="309" name="Shape 309"/>
+          <p:cNvSpPr/>
+          <p:nvPr>
+            <p:ph type="body" idx="1"/>
+          </p:nvPr>
+        </p:nvSpPr>
+        <p:spPr>
+          <a:prstGeom prst="rect">
+            <a:avLst/>
+          </a:prstGeom>
+        </p:spPr>
+        <p:txBody>
+          <a:bodyPr/>
+          <a:lstStyle/>
+          <a:p>
+            <a:pPr/>
+          </a:p>
+        </p:txBody>
+      </p:sp>
+      <p:pic>
+        <p:nvPicPr>
+          <p:cNvPr id="310" name="pasted-image.png"/>
+          <p:cNvPicPr>
+            <a:picLocks noChangeAspect="1"/>
+          </p:cNvPicPr>
+          <p:nvPr/>
+        </p:nvPicPr>
+        <p:blipFill>
+          <a:blip r:embed="rId2">
+            <a:extLst/>
+          </a:blip>
+          <a:stretch>
+            <a:fillRect/>
+          </a:stretch>
+        </p:blipFill>
+        <p:spPr>
+          <a:xfrm>
+            <a:off x="284561" y="829338"/>
+            <a:ext cx="12435678" cy="8094924"/>
+          </a:xfrm>
+          <a:prstGeom prst="rect">
+            <a:avLst/>
+          </a:prstGeom>
+          <a:ln w="12700">
+            <a:miter lim="400000"/>
+          </a:ln>
+        </p:spPr>
+      </p:pic>
     </p:spTree>
   </p:cSld>
   <p:clrMapOvr>
@@ -8668,7 +9053,7 @@
           <a:p>
             <a:pPr/>
             <a:r>
-              <a:t>Group By</a:t>
+              <a:t>Linear Relationship</a:t>
             </a:r>
           </a:p>
         </p:txBody>
@@ -8707,7 +9092,7 @@
               <a:defRPr sz="6016"/>
             </a:pPr>
             <a:r>
-              <a:t>Buckets rows by column value</a:t>
+              <a:t>X has a consistent effect on Y</a:t>
             </a:r>
           </a:p>
           <a:p>
@@ -8727,7 +9112,7 @@
               <a:defRPr sz="6016"/>
             </a:pPr>
             <a:r>
-              <a:t>Combines buckets using a ufunc </a:t>
+              <a:t>Eg. Sq footage -&gt; house price </a:t>
             </a:r>
           </a:p>
         </p:txBody>
@@ -8758,67 +9143,9 @@
           <a:chExt cx="0" cy="0"/>
         </a:xfrm>
       </p:grpSpPr>
-      <p:pic>
-        <p:nvPicPr>
-          <p:cNvPr id="300" name="pasted-image.png"/>
-          <p:cNvPicPr>
-            <a:picLocks noChangeAspect="1"/>
-          </p:cNvPicPr>
-          <p:nvPr/>
-        </p:nvPicPr>
-        <p:blipFill>
-          <a:blip r:embed="rId2">
-            <a:extLst/>
-          </a:blip>
-          <a:stretch>
-            <a:fillRect/>
-          </a:stretch>
-        </p:blipFill>
-        <p:spPr>
-          <a:xfrm>
-            <a:off x="-85399" y="3419409"/>
-            <a:ext cx="6339373" cy="4754530"/>
-          </a:xfrm>
-          <a:prstGeom prst="rect">
-            <a:avLst/>
-          </a:prstGeom>
-          <a:ln w="12700">
-            <a:miter lim="400000"/>
-          </a:ln>
-        </p:spPr>
-      </p:pic>
-      <p:pic>
-        <p:nvPicPr>
-          <p:cNvPr id="301" name="Screen Shot 2018-11-08 at 8.08.44 PM.png"/>
-          <p:cNvPicPr>
-            <a:picLocks noChangeAspect="1"/>
-          </p:cNvPicPr>
-          <p:nvPr/>
-        </p:nvPicPr>
-        <p:blipFill>
-          <a:blip r:embed="rId3">
-            <a:extLst/>
-          </a:blip>
-          <a:stretch>
-            <a:fillRect/>
-          </a:stretch>
-        </p:blipFill>
-        <p:spPr>
-          <a:xfrm>
-            <a:off x="6009094" y="3426635"/>
-            <a:ext cx="6989869" cy="4754530"/>
-          </a:xfrm>
-          <a:prstGeom prst="rect">
-            <a:avLst/>
-          </a:prstGeom>
-          <a:ln w="12700">
-            <a:miter lim="400000"/>
-          </a:ln>
-        </p:spPr>
-      </p:pic>
-      <p:sp>
-        <p:nvSpPr>
-          <p:cNvPr id="302" name="Shape 302"/>
+      <p:sp>
+        <p:nvSpPr>
+          <p:cNvPr id="312" name="Shape 312"/>
           <p:cNvSpPr/>
           <p:nvPr>
             <p:ph type="title"/>
@@ -8827,7 +9154,7 @@
         <p:spPr>
           <a:xfrm>
             <a:off x="406400" y="1536700"/>
-            <a:ext cx="12192000" cy="1169260"/>
+            <a:ext cx="12192000" cy="1169261"/>
           </a:xfrm>
           <a:prstGeom prst="rect">
             <a:avLst/>
@@ -8840,13 +9167,56 @@
               <a:spcBef>
                 <a:spcPts val="1900"/>
               </a:spcBef>
-              <a:defRPr sz="8280"/>
+              <a:defRPr sz="8200"/>
             </a:lvl1pPr>
           </a:lstStyle>
           <a:p>
             <a:pPr/>
             <a:r>
-              <a:t>Scatter and Line Plots</a:t>
+              <a:t>matplotlib.Pyplot</a:t>
+            </a:r>
+          </a:p>
+        </p:txBody>
+      </p:sp>
+      <p:sp>
+        <p:nvSpPr>
+          <p:cNvPr id="313" name="Shape 313"/>
+          <p:cNvSpPr/>
+          <p:nvPr>
+            <p:ph type="body" idx="1"/>
+          </p:nvPr>
+        </p:nvSpPr>
+        <p:spPr>
+          <a:xfrm>
+            <a:off x="406400" y="4415907"/>
+            <a:ext cx="13004800" cy="4909100"/>
+          </a:xfrm>
+          <a:prstGeom prst="rect">
+            <a:avLst/>
+          </a:prstGeom>
+        </p:spPr>
+        <p:txBody>
+          <a:bodyPr anchor="t"/>
+          <a:lstStyle>
+            <a:lvl1pPr defTabSz="549148">
+              <a:lnSpc>
+                <a:spcPct val="100000"/>
+              </a:lnSpc>
+              <a:spcBef>
+                <a:spcPts val="2600"/>
+              </a:spcBef>
+              <a:defRPr cap="none" spc="0" sz="6000">
+                <a:latin typeface="Courier"/>
+                <a:ea typeface="Courier"/>
+                <a:cs typeface="Courier"/>
+                <a:sym typeface="Courier"/>
+              </a:defRPr>
+            </a:lvl1pPr>
+          </a:lstStyle>
+          <a:p>
+            <a:pPr/>
+            <a:r>
+              <a:t>plt.scatter(x_vals, y_vals)</a:t>
             </a:r>
           </a:p>
         </p:txBody>
@@ -8879,7 +9249,7 @@
       </p:grpSpPr>
       <p:sp>
         <p:nvSpPr>
-          <p:cNvPr id="304" name="Shape 304"/>
+          <p:cNvPr id="315" name="Shape 315"/>
           <p:cNvSpPr/>
           <p:nvPr>
             <p:ph type="title"/>
@@ -8888,7 +9258,7 @@
         <p:spPr>
           <a:xfrm>
             <a:off x="406400" y="1536700"/>
-            <a:ext cx="12192000" cy="1169260"/>
+            <a:ext cx="12192000" cy="1169261"/>
           </a:xfrm>
           <a:prstGeom prst="rect">
             <a:avLst/>
@@ -8901,103 +9271,56 @@
               <a:spcBef>
                 <a:spcPts val="1900"/>
               </a:spcBef>
-              <a:defRPr sz="8280"/>
+              <a:defRPr sz="8200"/>
             </a:lvl1pPr>
           </a:lstStyle>
           <a:p>
             <a:pPr/>
             <a:r>
-              <a:t>Overlaying graphs</a:t>
-            </a:r>
-          </a:p>
-        </p:txBody>
-      </p:sp>
-      <p:sp>
-        <p:nvSpPr>
-          <p:cNvPr id="305" name="Shape 305"/>
-          <p:cNvSpPr/>
-          <p:nvPr/>
+              <a:t>matplotlib.Pyplot</a:t>
+            </a:r>
+          </a:p>
+        </p:txBody>
+      </p:sp>
+      <p:sp>
+        <p:nvSpPr>
+          <p:cNvPr id="316" name="Shape 316"/>
+          <p:cNvSpPr/>
+          <p:nvPr>
+            <p:ph type="body" idx="1"/>
+          </p:nvPr>
         </p:nvSpPr>
         <p:spPr>
           <a:xfrm>
-            <a:off x="491299" y="3851215"/>
-            <a:ext cx="11104017" cy="876301"/>
-          </a:xfrm>
-          <a:prstGeom prst="rect">
-            <a:avLst/>
-          </a:prstGeom>
-          <a:ln w="12700">
-            <a:miter lim="400000"/>
-          </a:ln>
-          <a:extLst>
-            <a:ext uri="{C572A759-6A51-4108-AA02-DFA0A04FC94B}">
-              <ma14:wrappingTextBoxFlag xmlns:ma14="http://schemas.microsoft.com/office/mac/drawingml/2011/main" val="1"/>
-            </a:ext>
-          </a:extLst>
-        </p:spPr>
-        <p:txBody>
-          <a:bodyPr lIns="50800" tIns="50800" rIns="50800" bIns="50800" anchor="ctr">
-            <a:spAutoFit/>
-          </a:bodyPr>
+            <a:off x="406400" y="4415907"/>
+            <a:ext cx="13004800" cy="4909100"/>
+          </a:xfrm>
+          <a:prstGeom prst="rect">
+            <a:avLst/>
+          </a:prstGeom>
+        </p:spPr>
+        <p:txBody>
+          <a:bodyPr anchor="t"/>
           <a:lstStyle>
-            <a:lvl1pPr>
-              <a:defRPr sz="5100">
-                <a:latin typeface="Anonymous Pro for Powerline"/>
-                <a:ea typeface="Anonymous Pro for Powerline"/>
-                <a:cs typeface="Anonymous Pro for Powerline"/>
-                <a:sym typeface="Anonymous Pro for Powerline"/>
+            <a:lvl1pPr defTabSz="549148">
+              <a:lnSpc>
+                <a:spcPct val="100000"/>
+              </a:lnSpc>
+              <a:spcBef>
+                <a:spcPts val="2600"/>
+              </a:spcBef>
+              <a:defRPr cap="none" spc="0" sz="6000">
+                <a:latin typeface="Courier"/>
+                <a:ea typeface="Courier"/>
+                <a:cs typeface="Courier"/>
+                <a:sym typeface="Courier"/>
               </a:defRPr>
             </a:lvl1pPr>
           </a:lstStyle>
           <a:p>
             <a:pPr/>
             <a:r>
-              <a:t>axes = df.plot(kind=‘scatter’,    </a:t>
-            </a:r>
-          </a:p>
-        </p:txBody>
-      </p:sp>
-      <p:sp>
-        <p:nvSpPr>
-          <p:cNvPr id="306" name="Shape 306"/>
-          <p:cNvSpPr/>
-          <p:nvPr/>
-        </p:nvSpPr>
-        <p:spPr>
-          <a:xfrm>
-            <a:off x="6664187" y="4591050"/>
-            <a:ext cx="7263612" cy="2425701"/>
-          </a:xfrm>
-          <a:prstGeom prst="rect">
-            <a:avLst/>
-          </a:prstGeom>
-          <a:ln w="12700">
-            <a:miter lim="400000"/>
-          </a:ln>
-          <a:extLst>
-            <a:ext uri="{C572A759-6A51-4108-AA02-DFA0A04FC94B}">
-              <ma14:wrappingTextBoxFlag xmlns:ma14="http://schemas.microsoft.com/office/mac/drawingml/2011/main" val="1"/>
-            </a:ext>
-          </a:extLst>
-        </p:spPr>
-        <p:txBody>
-          <a:bodyPr lIns="50800" tIns="50800" rIns="50800" bIns="50800" anchor="ctr">
-            <a:spAutoFit/>
-          </a:bodyPr>
-          <a:lstStyle>
-            <a:lvl1pPr>
-              <a:defRPr sz="5100">
-                <a:latin typeface="Anonymous Pro for Powerline"/>
-                <a:ea typeface="Anonymous Pro for Powerline"/>
-                <a:cs typeface="Anonymous Pro for Powerline"/>
-                <a:sym typeface="Anonymous Pro for Powerline"/>
-              </a:defRPr>
-            </a:lvl1pPr>
-          </a:lstStyle>
-          <a:p>
-            <a:pPr/>
-            <a:r>
-              <a:t>x='avg_num_rooms', y='median_price', color='black')</a:t>
+              <a:t>plt.plot(x_vals, y_vals)</a:t>
             </a:r>
           </a:p>
         </p:txBody>
@@ -9030,7 +9353,7 @@
       </p:grpSpPr>
       <p:sp>
         <p:nvSpPr>
-          <p:cNvPr id="308" name="Shape 308"/>
+          <p:cNvPr id="318" name="Shape 318"/>
           <p:cNvSpPr/>
           <p:nvPr>
             <p:ph type="title"/>
@@ -9038,8 +9361,8 @@
         </p:nvSpPr>
         <p:spPr>
           <a:xfrm>
-            <a:off x="406400" y="1536700"/>
-            <a:ext cx="12192000" cy="1169260"/>
+            <a:off x="3279937" y="4128458"/>
+            <a:ext cx="6444926" cy="1982356"/>
           </a:xfrm>
           <a:prstGeom prst="rect">
             <a:avLst/>
@@ -9048,107 +9371,14 @@
         <p:txBody>
           <a:bodyPr/>
           <a:lstStyle>
-            <a:lvl1pPr defTabSz="403097">
-              <a:spcBef>
-                <a:spcPts val="1900"/>
-              </a:spcBef>
-              <a:defRPr sz="8280"/>
+            <a:lvl1pPr defTabSz="502412">
+              <a:defRPr sz="14620"/>
             </a:lvl1pPr>
           </a:lstStyle>
           <a:p>
             <a:pPr/>
             <a:r>
-              <a:t>Overlaying graphs</a:t>
-            </a:r>
-          </a:p>
-        </p:txBody>
-      </p:sp>
-      <p:sp>
-        <p:nvSpPr>
-          <p:cNvPr id="309" name="Shape 309"/>
-          <p:cNvSpPr/>
-          <p:nvPr/>
-        </p:nvSpPr>
-        <p:spPr>
-          <a:xfrm>
-            <a:off x="491299" y="3851215"/>
-            <a:ext cx="11104017" cy="876301"/>
-          </a:xfrm>
-          <a:prstGeom prst="rect">
-            <a:avLst/>
-          </a:prstGeom>
-          <a:ln w="12700">
-            <a:miter lim="400000"/>
-          </a:ln>
-          <a:extLst>
-            <a:ext uri="{C572A759-6A51-4108-AA02-DFA0A04FC94B}">
-              <ma14:wrappingTextBoxFlag xmlns:ma14="http://schemas.microsoft.com/office/mac/drawingml/2011/main" val="1"/>
-            </a:ext>
-          </a:extLst>
-        </p:spPr>
-        <p:txBody>
-          <a:bodyPr lIns="50800" tIns="50800" rIns="50800" bIns="50800" anchor="ctr">
-            <a:spAutoFit/>
-          </a:bodyPr>
-          <a:lstStyle>
-            <a:lvl1pPr>
-              <a:defRPr sz="5100">
-                <a:latin typeface="Anonymous Pro for Powerline"/>
-                <a:ea typeface="Anonymous Pro for Powerline"/>
-                <a:cs typeface="Anonymous Pro for Powerline"/>
-                <a:sym typeface="Anonymous Pro for Powerline"/>
-              </a:defRPr>
-            </a:lvl1pPr>
-          </a:lstStyle>
-          <a:p>
-            <a:pPr/>
-            <a:r>
-              <a:t>axes = df.plot(kind=‘scatter’,    </a:t>
-            </a:r>
-          </a:p>
-        </p:txBody>
-      </p:sp>
-      <p:sp>
-        <p:nvSpPr>
-          <p:cNvPr id="310" name="Shape 310"/>
-          <p:cNvSpPr/>
-          <p:nvPr/>
-        </p:nvSpPr>
-        <p:spPr>
-          <a:xfrm>
-            <a:off x="6583412" y="4594718"/>
-            <a:ext cx="7263612" cy="1651001"/>
-          </a:xfrm>
-          <a:prstGeom prst="rect">
-            <a:avLst/>
-          </a:prstGeom>
-          <a:ln w="12700">
-            <a:miter lim="400000"/>
-          </a:ln>
-          <a:extLst>
-            <a:ext uri="{C572A759-6A51-4108-AA02-DFA0A04FC94B}">
-              <ma14:wrappingTextBoxFlag xmlns:ma14="http://schemas.microsoft.com/office/mac/drawingml/2011/main" val="1"/>
-            </a:ext>
-          </a:extLst>
-        </p:spPr>
-        <p:txBody>
-          <a:bodyPr lIns="50800" tIns="50800" rIns="50800" bIns="50800" anchor="ctr">
-            <a:spAutoFit/>
-          </a:bodyPr>
-          <a:lstStyle>
-            <a:lvl1pPr>
-              <a:defRPr sz="5100">
-                <a:latin typeface="Anonymous Pro for Powerline"/>
-                <a:ea typeface="Anonymous Pro for Powerline"/>
-                <a:cs typeface="Anonymous Pro for Powerline"/>
-                <a:sym typeface="Anonymous Pro for Powerline"/>
-              </a:defRPr>
-            </a:lvl1pPr>
-          </a:lstStyle>
-          <a:p>
-            <a:pPr/>
-            <a:r>
-              <a:t>x='avg_num_rooms', y='median_price')</a:t>
+              <a:t>Exercises</a:t>
             </a:r>
           </a:p>
         </p:txBody>
@@ -9179,51 +9409,26 @@
           <a:chExt cx="0" cy="0"/>
         </a:xfrm>
       </p:grpSpPr>
-      <p:sp>
-        <p:nvSpPr>
-          <p:cNvPr id="312" name="Shape 312"/>
-          <p:cNvSpPr/>
-          <p:nvPr>
-            <p:ph type="title"/>
-          </p:nvPr>
-        </p:nvSpPr>
+      <p:pic>
+        <p:nvPicPr>
+          <p:cNvPr id="320" name="squared_error.gif"/>
+          <p:cNvPicPr>
+            <a:picLocks noChangeAspect="0"/>
+          </p:cNvPicPr>
+          <p:nvPr/>
+        </p:nvPicPr>
+        <p:blipFill>
+          <a:blip r:embed="rId2">
+            <a:extLst/>
+          </a:blip>
+          <a:stretch>
+            <a:fillRect/>
+          </a:stretch>
+        </p:blipFill>
         <p:spPr>
           <a:xfrm>
-            <a:off x="406400" y="1536700"/>
-            <a:ext cx="12192000" cy="1169260"/>
-          </a:xfrm>
-          <a:prstGeom prst="rect">
-            <a:avLst/>
-          </a:prstGeom>
-        </p:spPr>
-        <p:txBody>
-          <a:bodyPr/>
-          <a:lstStyle>
-            <a:lvl1pPr defTabSz="403097">
-              <a:spcBef>
-                <a:spcPts val="1900"/>
-              </a:spcBef>
-              <a:defRPr sz="8280"/>
-            </a:lvl1pPr>
-          </a:lstStyle>
-          <a:p>
-            <a:pPr/>
-            <a:r>
-              <a:t>Overlaying graphs</a:t>
-            </a:r>
-          </a:p>
-        </p:txBody>
-      </p:sp>
-      <p:sp>
-        <p:nvSpPr>
-          <p:cNvPr id="313" name="Shape 313"/>
-          <p:cNvSpPr/>
-          <p:nvPr/>
-        </p:nvSpPr>
-        <p:spPr>
-          <a:xfrm>
-            <a:off x="491299" y="3851215"/>
-            <a:ext cx="12192002" cy="876301"/>
+            <a:off x="62169" y="587505"/>
+            <a:ext cx="12880462" cy="8578589"/>
           </a:xfrm>
           <a:prstGeom prst="rect">
             <a:avLst/>
@@ -9231,188 +9436,8 @@
           <a:ln w="12700">
             <a:miter lim="400000"/>
           </a:ln>
-          <a:extLst>
-            <a:ext uri="{C572A759-6A51-4108-AA02-DFA0A04FC94B}">
-              <ma14:wrappingTextBoxFlag xmlns:ma14="http://schemas.microsoft.com/office/mac/drawingml/2011/main" val="1"/>
-            </a:ext>
-          </a:extLst>
-        </p:spPr>
-        <p:txBody>
-          <a:bodyPr lIns="50800" tIns="50800" rIns="50800" bIns="50800" anchor="ctr">
-            <a:spAutoFit/>
-          </a:bodyPr>
-          <a:lstStyle>
-            <a:lvl1pPr>
-              <a:defRPr sz="5100">
-                <a:latin typeface="Anonymous Pro for Powerline"/>
-                <a:ea typeface="Anonymous Pro for Powerline"/>
-                <a:cs typeface="Anonymous Pro for Powerline"/>
-                <a:sym typeface="Anonymous Pro for Powerline"/>
-              </a:defRPr>
-            </a:lvl1pPr>
-          </a:lstStyle>
-          <a:p>
-            <a:pPr/>
-            <a:r>
-              <a:t>axes = data.plot(kind=‘scatter’,    </a:t>
-            </a:r>
-          </a:p>
-        </p:txBody>
-      </p:sp>
-      <p:sp>
-        <p:nvSpPr>
-          <p:cNvPr id="314" name="Shape 314"/>
-          <p:cNvSpPr/>
-          <p:nvPr/>
-        </p:nvSpPr>
-        <p:spPr>
-          <a:xfrm>
-            <a:off x="6583412" y="4594718"/>
-            <a:ext cx="7263612" cy="1651001"/>
-          </a:xfrm>
-          <a:prstGeom prst="rect">
-            <a:avLst/>
-          </a:prstGeom>
-          <a:ln w="12700">
-            <a:miter lim="400000"/>
-          </a:ln>
-          <a:extLst>
-            <a:ext uri="{C572A759-6A51-4108-AA02-DFA0A04FC94B}">
-              <ma14:wrappingTextBoxFlag xmlns:ma14="http://schemas.microsoft.com/office/mac/drawingml/2011/main" val="1"/>
-            </a:ext>
-          </a:extLst>
-        </p:spPr>
-        <p:txBody>
-          <a:bodyPr lIns="50800" tIns="50800" rIns="50800" bIns="50800" anchor="ctr">
-            <a:spAutoFit/>
-          </a:bodyPr>
-          <a:lstStyle>
-            <a:lvl1pPr>
-              <a:defRPr sz="5100">
-                <a:latin typeface="Anonymous Pro for Powerline"/>
-                <a:ea typeface="Anonymous Pro for Powerline"/>
-                <a:cs typeface="Anonymous Pro for Powerline"/>
-                <a:sym typeface="Anonymous Pro for Powerline"/>
-              </a:defRPr>
-            </a:lvl1pPr>
-          </a:lstStyle>
-          <a:p>
-            <a:pPr/>
-            <a:r>
-              <a:t>x='avg_num_rooms', y='median_price')</a:t>
-            </a:r>
-          </a:p>
-        </p:txBody>
-      </p:sp>
-      <p:sp>
-        <p:nvSpPr>
-          <p:cNvPr id="315" name="Shape 315"/>
-          <p:cNvSpPr/>
-          <p:nvPr/>
-        </p:nvSpPr>
-        <p:spPr>
-          <a:xfrm>
-            <a:off x="511493" y="6557183"/>
-            <a:ext cx="11104017" cy="876301"/>
-          </a:xfrm>
-          <a:prstGeom prst="rect">
-            <a:avLst/>
-          </a:prstGeom>
-          <a:ln w="12700">
-            <a:miter lim="400000"/>
-          </a:ln>
-          <a:extLst>
-            <a:ext uri="{C572A759-6A51-4108-AA02-DFA0A04FC94B}">
-              <ma14:wrappingTextBoxFlag xmlns:ma14="http://schemas.microsoft.com/office/mac/drawingml/2011/main" val="1"/>
-            </a:ext>
-          </a:extLst>
-        </p:spPr>
-        <p:txBody>
-          <a:bodyPr lIns="50800" tIns="50800" rIns="50800" bIns="50800" anchor="ctr">
-            <a:spAutoFit/>
-          </a:bodyPr>
-          <a:lstStyle>
-            <a:lvl1pPr>
-              <a:defRPr sz="5100">
-                <a:latin typeface="Anonymous Pro for Powerline"/>
-                <a:ea typeface="Anonymous Pro for Powerline"/>
-                <a:cs typeface="Anonymous Pro for Powerline"/>
-                <a:sym typeface="Anonymous Pro for Powerline"/>
-              </a:defRPr>
-            </a:lvl1pPr>
-          </a:lstStyle>
-          <a:p>
-            <a:pPr/>
-            <a:r>
-              <a:t>df.plot(   </a:t>
-            </a:r>
-          </a:p>
-        </p:txBody>
-      </p:sp>
-      <p:sp>
-        <p:nvSpPr>
-          <p:cNvPr id="316" name="Shape 316"/>
-          <p:cNvSpPr/>
-          <p:nvPr/>
-        </p:nvSpPr>
-        <p:spPr>
-          <a:xfrm>
-            <a:off x="3392793" y="6558998"/>
-            <a:ext cx="7263612" cy="2730501"/>
-          </a:xfrm>
-          <a:prstGeom prst="rect">
-            <a:avLst/>
-          </a:prstGeom>
-          <a:ln w="12700">
-            <a:miter lim="400000"/>
-          </a:ln>
-          <a:extLst>
-            <a:ext uri="{C572A759-6A51-4108-AA02-DFA0A04FC94B}">
-              <ma14:wrappingTextBoxFlag xmlns:ma14="http://schemas.microsoft.com/office/mac/drawingml/2011/main" val="1"/>
-            </a:ext>
-          </a:extLst>
-        </p:spPr>
-        <p:txBody>
-          <a:bodyPr lIns="50800" tIns="50800" rIns="50800" bIns="50800" anchor="ctr">
-            <a:spAutoFit/>
-          </a:bodyPr>
-          <a:lstStyle/>
-          <a:p>
-            <a:pPr>
-              <a:defRPr sz="5100">
-                <a:latin typeface="Anonymous Pro for Powerline"/>
-                <a:ea typeface="Anonymous Pro for Powerline"/>
-                <a:cs typeface="Anonymous Pro for Powerline"/>
-                <a:sym typeface="Anonymous Pro for Powerline"/>
-              </a:defRPr>
-            </a:pPr>
-            <a:r>
-              <a:t>x='avg_num_rooms', y=‘predicted_price’</a:t>
-            </a:r>
-          </a:p>
-          <a:p>
-            <a:pPr>
-              <a:defRPr sz="5100">
-                <a:latin typeface="Anonymous Pro for Powerline"/>
-                <a:ea typeface="Anonymous Pro for Powerline"/>
-                <a:cs typeface="Anonymous Pro for Powerline"/>
-                <a:sym typeface="Anonymous Pro for Powerline"/>
-              </a:defRPr>
-            </a:pPr>
-            <a:r>
-              <a:rPr>
-                <a:solidFill>
-                  <a:schemeClr val="accent3"/>
-                </a:solidFill>
-              </a:rPr>
-              <a:t>ax = axes</a:t>
-            </a:r>
-            <a:r>
-              <a:t>)</a:t>
-            </a:r>
-          </a:p>
-        </p:txBody>
-      </p:sp>
+        </p:spPr>
+      </p:pic>
     </p:spTree>
   </p:cSld>
   <p:clrMapOvr>
@@ -9441,39 +9466,52 @@
       </p:grpSpPr>
       <p:sp>
         <p:nvSpPr>
-          <p:cNvPr id="318" name="Shape 318"/>
+          <p:cNvPr id="322" name="Shape 322"/>
           <p:cNvSpPr/>
           <p:nvPr>
             <p:ph type="title"/>
           </p:nvPr>
         </p:nvSpPr>
         <p:spPr>
+          <a:xfrm>
+            <a:off x="406400" y="1536700"/>
+            <a:ext cx="12192000" cy="1169260"/>
+          </a:xfrm>
           <a:prstGeom prst="rect">
             <a:avLst/>
           </a:prstGeom>
         </p:spPr>
         <p:txBody>
           <a:bodyPr/>
-          <a:lstStyle/>
-          <a:p>
-            <a:pPr defTabSz="467359">
+          <a:lstStyle>
+            <a:lvl1pPr defTabSz="403097">
               <a:spcBef>
-                <a:spcPts val="2200"/>
+                <a:spcPts val="1900"/>
               </a:spcBef>
-              <a:defRPr sz="4800"/>
-            </a:pPr>
-          </a:p>
-        </p:txBody>
-      </p:sp>
-      <p:sp>
-        <p:nvSpPr>
-          <p:cNvPr id="319" name="Shape 319"/>
+              <a:defRPr sz="8280"/>
+            </a:lvl1pPr>
+          </a:lstStyle>
+          <a:p>
+            <a:pPr/>
+            <a:r>
+              <a:t>Why Least squares?</a:t>
+            </a:r>
+          </a:p>
+        </p:txBody>
+      </p:sp>
+      <p:sp>
+        <p:nvSpPr>
+          <p:cNvPr id="323" name="Shape 323"/>
           <p:cNvSpPr/>
           <p:nvPr>
             <p:ph type="body" idx="1"/>
           </p:nvPr>
         </p:nvSpPr>
         <p:spPr>
+          <a:xfrm>
+            <a:off x="406400" y="3953767"/>
+            <a:ext cx="12192000" cy="5059848"/>
+          </a:xfrm>
           <a:prstGeom prst="rect">
             <a:avLst/>
           </a:prstGeom>
@@ -9482,39 +9520,42 @@
           <a:bodyPr/>
           <a:lstStyle/>
           <a:p>
-            <a:pPr/>
-          </a:p>
-        </p:txBody>
-      </p:sp>
-      <p:pic>
-        <p:nvPicPr>
-          <p:cNvPr id="320" name="pasted-image.png"/>
-          <p:cNvPicPr>
-            <a:picLocks noChangeAspect="1"/>
-          </p:cNvPicPr>
-          <p:nvPr/>
-        </p:nvPicPr>
-        <p:blipFill>
-          <a:blip r:embed="rId2">
-            <a:extLst/>
-          </a:blip>
-          <a:stretch>
-            <a:fillRect/>
-          </a:stretch>
-        </p:blipFill>
-        <p:spPr>
-          <a:xfrm>
-            <a:off x="284561" y="829338"/>
-            <a:ext cx="12435678" cy="8094924"/>
-          </a:xfrm>
-          <a:prstGeom prst="rect">
-            <a:avLst/>
-          </a:prstGeom>
-          <a:ln w="12700">
-            <a:miter lim="400000"/>
-          </a:ln>
-        </p:spPr>
-      </p:pic>
+            <a:pPr marL="705970" indent="-705970">
+              <a:buClrTx/>
+              <a:buSzPct val="40000"/>
+              <a:buFontTx/>
+              <a:buBlip>
+                <a:blip r:embed="rId2"/>
+              </a:buBlip>
+              <a:defRPr sz="6400"/>
+            </a:pPr>
+            <a:r>
+              <a:t>Math is </a:t>
+            </a:r>
+            <a:r>
+              <a:rPr u="sng"/>
+              <a:t>much</a:t>
+            </a:r>
+            <a:r>
+              <a:t> simpler</a:t>
+            </a:r>
+          </a:p>
+          <a:p>
+            <a:pPr marL="705970" indent="-705970">
+              <a:buClrTx/>
+              <a:buSzPct val="40000"/>
+              <a:buFontTx/>
+              <a:buBlip>
+                <a:blip r:embed="rId2"/>
+              </a:buBlip>
+              <a:defRPr sz="6400"/>
+            </a:pPr>
+            <a:r>
+              <a:t>Minimal value of a quadratic can be solved analytically </a:t>
+            </a:r>
+          </a:p>
+        </p:txBody>
+      </p:sp>
     </p:spTree>
   </p:cSld>
   <p:clrMapOvr>
@@ -9543,36 +9584,104 @@
       </p:grpSpPr>
       <p:sp>
         <p:nvSpPr>
-          <p:cNvPr id="322" name="Shape 322"/>
+          <p:cNvPr id="325" name="Shape 325"/>
+          <p:cNvSpPr/>
+          <p:nvPr>
+            <p:ph type="body" idx="13"/>
+          </p:nvPr>
+        </p:nvSpPr>
+        <p:spPr>
+          <a:prstGeom prst="rect">
+            <a:avLst/>
+          </a:prstGeom>
+        </p:spPr>
+        <p:txBody>
+          <a:bodyPr/>
+          <a:lstStyle/>
+          <a:p>
+            <a:pPr/>
+            <a:r>
+              <a:t>Text</a:t>
+            </a:r>
+          </a:p>
+        </p:txBody>
+      </p:sp>
+      <p:sp>
+        <p:nvSpPr>
+          <p:cNvPr id="326" name="Shape 326"/>
           <p:cNvSpPr/>
           <p:nvPr>
             <p:ph type="title"/>
           </p:nvPr>
         </p:nvSpPr>
         <p:spPr>
+          <a:prstGeom prst="rect">
+            <a:avLst/>
+          </a:prstGeom>
+        </p:spPr>
+        <p:txBody>
+          <a:bodyPr/>
+          <a:lstStyle/>
+          <a:p>
+            <a:pPr defTabSz="467359">
+              <a:spcBef>
+                <a:spcPts val="2200"/>
+              </a:spcBef>
+              <a:defRPr sz="4800"/>
+            </a:pPr>
+          </a:p>
+        </p:txBody>
+      </p:sp>
+      <p:sp>
+        <p:nvSpPr>
+          <p:cNvPr id="327" name="Shape 327"/>
+          <p:cNvSpPr/>
+          <p:nvPr>
+            <p:ph type="body" idx="1"/>
+          </p:nvPr>
+        </p:nvSpPr>
+        <p:spPr>
+          <a:prstGeom prst="rect">
+            <a:avLst/>
+          </a:prstGeom>
+        </p:spPr>
+        <p:txBody>
+          <a:bodyPr/>
+          <a:lstStyle/>
+          <a:p>
+            <a:pPr/>
+          </a:p>
+        </p:txBody>
+      </p:sp>
+      <p:pic>
+        <p:nvPicPr>
+          <p:cNvPr id="328" name="pasted-image.jpeg"/>
+          <p:cNvPicPr>
+            <a:picLocks noChangeAspect="1"/>
+          </p:cNvPicPr>
+          <p:nvPr/>
+        </p:nvPicPr>
+        <p:blipFill>
+          <a:blip r:embed="rId2">
+            <a:extLst/>
+          </a:blip>
+          <a:stretch>
+            <a:fillRect/>
+          </a:stretch>
+        </p:blipFill>
+        <p:spPr>
           <a:xfrm>
-            <a:off x="3279937" y="4128458"/>
-            <a:ext cx="6444926" cy="1982356"/>
-          </a:xfrm>
-          <a:prstGeom prst="rect">
-            <a:avLst/>
-          </a:prstGeom>
-        </p:spPr>
-        <p:txBody>
-          <a:bodyPr/>
-          <a:lstStyle>
-            <a:lvl1pPr defTabSz="502412">
-              <a:defRPr sz="14620"/>
-            </a:lvl1pPr>
-          </a:lstStyle>
-          <a:p>
-            <a:pPr/>
-            <a:r>
-              <a:t>Exercises</a:t>
-            </a:r>
-          </a:p>
-        </p:txBody>
-      </p:sp>
+            <a:off x="0" y="-101719"/>
+            <a:ext cx="13004801" cy="12242801"/>
+          </a:xfrm>
+          <a:prstGeom prst="rect">
+            <a:avLst/>
+          </a:prstGeom>
+          <a:ln w="12700">
+            <a:miter lim="400000"/>
+          </a:ln>
+        </p:spPr>
+      </p:pic>
     </p:spTree>
   </p:cSld>
   <p:clrMapOvr>
@@ -9601,7 +9710,7 @@
       </p:grpSpPr>
       <p:sp>
         <p:nvSpPr>
-          <p:cNvPr id="324" name="Shape 324"/>
+          <p:cNvPr id="330" name="Shape 330"/>
           <p:cNvSpPr/>
           <p:nvPr>
             <p:ph type="title"/>
@@ -9609,8 +9718,8 @@
         </p:nvSpPr>
         <p:spPr>
           <a:xfrm>
-            <a:off x="406400" y="1536700"/>
-            <a:ext cx="12192000" cy="1169260"/>
+            <a:off x="3279937" y="4128458"/>
+            <a:ext cx="6444926" cy="1982356"/>
           </a:xfrm>
           <a:prstGeom prst="rect">
             <a:avLst/>
@@ -9619,74 +9728,14 @@
         <p:txBody>
           <a:bodyPr/>
           <a:lstStyle>
-            <a:lvl1pPr defTabSz="403097">
-              <a:spcBef>
-                <a:spcPts val="1900"/>
-              </a:spcBef>
-              <a:defRPr sz="8280"/>
+            <a:lvl1pPr defTabSz="502412">
+              <a:defRPr sz="14620"/>
             </a:lvl1pPr>
           </a:lstStyle>
           <a:p>
             <a:pPr/>
             <a:r>
-              <a:t>Why Least squares?</a:t>
-            </a:r>
-          </a:p>
-        </p:txBody>
-      </p:sp>
-      <p:sp>
-        <p:nvSpPr>
-          <p:cNvPr id="325" name="Shape 325"/>
-          <p:cNvSpPr/>
-          <p:nvPr>
-            <p:ph type="body" idx="1"/>
-          </p:nvPr>
-        </p:nvSpPr>
-        <p:spPr>
-          <a:xfrm>
-            <a:off x="406400" y="3953767"/>
-            <a:ext cx="12192000" cy="5059848"/>
-          </a:xfrm>
-          <a:prstGeom prst="rect">
-            <a:avLst/>
-          </a:prstGeom>
-        </p:spPr>
-        <p:txBody>
-          <a:bodyPr/>
-          <a:lstStyle/>
-          <a:p>
-            <a:pPr marL="705970" indent="-705970">
-              <a:buClrTx/>
-              <a:buSzPct val="40000"/>
-              <a:buFontTx/>
-              <a:buBlip>
-                <a:blip r:embed="rId2"/>
-              </a:buBlip>
-              <a:defRPr sz="6400"/>
-            </a:pPr>
-            <a:r>
-              <a:t>Math is </a:t>
-            </a:r>
-            <a:r>
-              <a:rPr u="sng"/>
-              <a:t>much</a:t>
-            </a:r>
-            <a:r>
-              <a:t> simpler</a:t>
-            </a:r>
-          </a:p>
-          <a:p>
-            <a:pPr marL="705970" indent="-705970">
-              <a:buClrTx/>
-              <a:buSzPct val="40000"/>
-              <a:buFontTx/>
-              <a:buBlip>
-                <a:blip r:embed="rId2"/>
-              </a:buBlip>
-              <a:defRPr sz="6400"/>
-            </a:pPr>
-            <a:r>
-              <a:t>Maximum likelihood estimator, when data is normal</a:t>
+              <a:t>Exercises</a:t>
             </a:r>
           </a:p>
         </p:txBody>
@@ -9700,7 +9749,7 @@
 </p:sld>
 </file>
 
-<file path=ppt/slides/slide37.xml><?xml version="1.0" encoding="utf-8"?>
+<file path=ppt/slides/slide4.xml><?xml version="1.0" encoding="utf-8"?>
 <p:sld xmlns:a="http://schemas.openxmlformats.org/drawingml/2006/main" xmlns:r="http://schemas.openxmlformats.org/officeDocument/2006/relationships" xmlns:p="http://schemas.openxmlformats.org/presentationml/2006/main" showMasterSp="1" showMasterPhAnim="1">
   <p:cSld>
     <p:spTree>
@@ -9719,188 +9768,7 @@
       </p:grpSpPr>
       <p:sp>
         <p:nvSpPr>
-          <p:cNvPr id="327" name="Shape 327"/>
-          <p:cNvSpPr/>
-          <p:nvPr>
-            <p:ph type="body" idx="13"/>
-          </p:nvPr>
-        </p:nvSpPr>
-        <p:spPr>
-          <a:prstGeom prst="rect">
-            <a:avLst/>
-          </a:prstGeom>
-        </p:spPr>
-        <p:txBody>
-          <a:bodyPr/>
-          <a:lstStyle/>
-          <a:p>
-            <a:pPr/>
-            <a:r>
-              <a:t>Text</a:t>
-            </a:r>
-          </a:p>
-        </p:txBody>
-      </p:sp>
-      <p:sp>
-        <p:nvSpPr>
-          <p:cNvPr id="328" name="Shape 328"/>
-          <p:cNvSpPr/>
-          <p:nvPr>
-            <p:ph type="title"/>
-          </p:nvPr>
-        </p:nvSpPr>
-        <p:spPr>
-          <a:prstGeom prst="rect">
-            <a:avLst/>
-          </a:prstGeom>
-        </p:spPr>
-        <p:txBody>
-          <a:bodyPr/>
-          <a:lstStyle/>
-          <a:p>
-            <a:pPr defTabSz="467359">
-              <a:spcBef>
-                <a:spcPts val="2200"/>
-              </a:spcBef>
-              <a:defRPr sz="4800"/>
-            </a:pPr>
-          </a:p>
-        </p:txBody>
-      </p:sp>
-      <p:sp>
-        <p:nvSpPr>
-          <p:cNvPr id="329" name="Shape 329"/>
-          <p:cNvSpPr/>
-          <p:nvPr>
-            <p:ph type="body" idx="1"/>
-          </p:nvPr>
-        </p:nvSpPr>
-        <p:spPr>
-          <a:prstGeom prst="rect">
-            <a:avLst/>
-          </a:prstGeom>
-        </p:spPr>
-        <p:txBody>
-          <a:bodyPr/>
-          <a:lstStyle/>
-          <a:p>
-            <a:pPr/>
-          </a:p>
-        </p:txBody>
-      </p:sp>
-      <p:pic>
-        <p:nvPicPr>
-          <p:cNvPr id="330" name="pasted-image.jpeg"/>
-          <p:cNvPicPr>
-            <a:picLocks noChangeAspect="1"/>
-          </p:cNvPicPr>
-          <p:nvPr/>
-        </p:nvPicPr>
-        <p:blipFill>
-          <a:blip r:embed="rId2">
-            <a:extLst/>
-          </a:blip>
-          <a:stretch>
-            <a:fillRect/>
-          </a:stretch>
-        </p:blipFill>
-        <p:spPr>
-          <a:xfrm>
-            <a:off x="0" y="-101719"/>
-            <a:ext cx="13004801" cy="12242801"/>
-          </a:xfrm>
-          <a:prstGeom prst="rect">
-            <a:avLst/>
-          </a:prstGeom>
-          <a:ln w="12700">
-            <a:miter lim="400000"/>
-          </a:ln>
-        </p:spPr>
-      </p:pic>
-    </p:spTree>
-  </p:cSld>
-  <p:clrMapOvr>
-    <a:masterClrMapping/>
-  </p:clrMapOvr>
-  <p:transition xmlns:p14="http://schemas.microsoft.com/office/powerpoint/2010/main" spd="med" advClick="1"/>
-</p:sld>
-</file>
-
-<file path=ppt/slides/slide38.xml><?xml version="1.0" encoding="utf-8"?>
-<p:sld xmlns:a="http://schemas.openxmlformats.org/drawingml/2006/main" xmlns:r="http://schemas.openxmlformats.org/officeDocument/2006/relationships" xmlns:p="http://schemas.openxmlformats.org/presentationml/2006/main" showMasterSp="1" showMasterPhAnim="1">
-  <p:cSld>
-    <p:spTree>
-      <p:nvGrpSpPr>
-        <p:cNvPr id="1" name=""/>
-        <p:cNvGrpSpPr/>
-        <p:nvPr/>
-      </p:nvGrpSpPr>
-      <p:grpSpPr>
-        <a:xfrm>
-          <a:off x="0" y="0"/>
-          <a:ext cx="0" cy="0"/>
-          <a:chOff x="0" y="0"/>
-          <a:chExt cx="0" cy="0"/>
-        </a:xfrm>
-      </p:grpSpPr>
-      <p:pic>
-        <p:nvPicPr>
-          <p:cNvPr id="332" name="pasted-image.png"/>
-          <p:cNvPicPr>
-            <a:picLocks noChangeAspect="1"/>
-          </p:cNvPicPr>
-          <p:nvPr/>
-        </p:nvPicPr>
-        <p:blipFill>
-          <a:blip r:embed="rId2">
-            <a:extLst/>
-          </a:blip>
-          <a:stretch>
-            <a:fillRect/>
-          </a:stretch>
-        </p:blipFill>
-        <p:spPr>
-          <a:xfrm>
-            <a:off x="0" y="1625600"/>
-            <a:ext cx="13004801" cy="6502400"/>
-          </a:xfrm>
-          <a:prstGeom prst="rect">
-            <a:avLst/>
-          </a:prstGeom>
-          <a:ln w="12700">
-            <a:miter lim="400000"/>
-          </a:ln>
-        </p:spPr>
-      </p:pic>
-    </p:spTree>
-  </p:cSld>
-  <p:clrMapOvr>
-    <a:masterClrMapping/>
-  </p:clrMapOvr>
-  <p:transition xmlns:p14="http://schemas.microsoft.com/office/powerpoint/2010/main" spd="med" advClick="1"/>
-</p:sld>
-</file>
-
-<file path=ppt/slides/slide39.xml><?xml version="1.0" encoding="utf-8"?>
-<p:sld xmlns:a="http://schemas.openxmlformats.org/drawingml/2006/main" xmlns:r="http://schemas.openxmlformats.org/officeDocument/2006/relationships" xmlns:p="http://schemas.openxmlformats.org/presentationml/2006/main" showMasterSp="1" showMasterPhAnim="1">
-  <p:cSld>
-    <p:spTree>
-      <p:nvGrpSpPr>
-        <p:cNvPr id="1" name=""/>
-        <p:cNvGrpSpPr/>
-        <p:nvPr/>
-      </p:nvGrpSpPr>
-      <p:grpSpPr>
-        <a:xfrm>
-          <a:off x="0" y="0"/>
-          <a:ext cx="0" cy="0"/>
-          <a:chOff x="0" y="0"/>
-          <a:chExt cx="0" cy="0"/>
-        </a:xfrm>
-      </p:grpSpPr>
-      <p:sp>
-        <p:nvSpPr>
-          <p:cNvPr id="334" name="Shape 334"/>
+          <p:cNvPr id="211" name="Shape 211"/>
           <p:cNvSpPr/>
           <p:nvPr>
             <p:ph type="title"/>
@@ -9928,224 +9796,14 @@
           <a:p>
             <a:pPr/>
             <a:r>
-              <a:t>Multi-variable</a:t>
-            </a:r>
-          </a:p>
-        </p:txBody>
-      </p:sp>
-      <p:sp>
-        <p:nvSpPr>
-          <p:cNvPr id="335" name="Shape 335"/>
-          <p:cNvSpPr/>
-          <p:nvPr/>
-        </p:nvSpPr>
-        <p:spPr>
-          <a:xfrm>
-            <a:off x="656526" y="4571724"/>
-            <a:ext cx="12136011" cy="1333501"/>
-          </a:xfrm>
-          <a:prstGeom prst="rect">
-            <a:avLst/>
-          </a:prstGeom>
-          <a:ln w="12700">
-            <a:miter lim="400000"/>
-          </a:ln>
-          <a:extLst>
-            <a:ext uri="{C572A759-6A51-4108-AA02-DFA0A04FC94B}">
-              <ma14:wrappingTextBoxFlag xmlns:ma14="http://schemas.microsoft.com/office/mac/drawingml/2011/main" val="1"/>
-            </a:ext>
-          </a:extLst>
-        </p:spPr>
-        <p:txBody>
-          <a:bodyPr lIns="50800" tIns="50800" rIns="50800" bIns="50800" anchor="ctr">
-            <a:spAutoFit/>
-          </a:bodyPr>
-          <a:lstStyle/>
-          <a:p>
-            <a:pPr>
-              <a:defRPr sz="8100">
-                <a:latin typeface="Anonymous Pro for Powerline"/>
-                <a:ea typeface="Anonymous Pro for Powerline"/>
-                <a:cs typeface="Anonymous Pro for Powerline"/>
-                <a:sym typeface="Anonymous Pro for Powerline"/>
-              </a:defRPr>
-            </a:pPr>
-            <a:r>
-              <a:rPr>
-                <a:solidFill>
-                  <a:schemeClr val="accent5"/>
-                </a:solidFill>
-              </a:rPr>
-              <a:t>y</a:t>
-            </a:r>
-            <a:r>
-              <a:t> = 2</a:t>
-            </a:r>
-            <a:r>
-              <a:rPr>
-                <a:solidFill>
-                  <a:schemeClr val="accent3"/>
-                </a:solidFill>
-              </a:rPr>
-              <a:t>x</a:t>
-            </a:r>
-            <a:r>
-              <a:rPr baseline="-5999">
-                <a:solidFill>
-                  <a:schemeClr val="accent3"/>
-                </a:solidFill>
-              </a:rPr>
-              <a:t>0</a:t>
-            </a:r>
-            <a:r>
-              <a:t> + 3</a:t>
-            </a:r>
-            <a:r>
-              <a:rPr>
-                <a:solidFill>
-                  <a:schemeClr val="accent3"/>
-                </a:solidFill>
-              </a:rPr>
-              <a:t>x</a:t>
-            </a:r>
-            <a:r>
-              <a:rPr baseline="-5999">
-                <a:solidFill>
-                  <a:schemeClr val="accent3"/>
-                </a:solidFill>
-              </a:rPr>
-              <a:t>1 </a:t>
-            </a:r>
-            <a:r>
-              <a:t>+ 1</a:t>
-            </a:r>
-          </a:p>
-        </p:txBody>
-      </p:sp>
-    </p:spTree>
-  </p:cSld>
-  <p:clrMapOvr>
-    <a:masterClrMapping/>
-  </p:clrMapOvr>
-  <p:transition xmlns:p14="http://schemas.microsoft.com/office/powerpoint/2010/main" spd="med" advClick="1"/>
-</p:sld>
-</file>
-
-<file path=ppt/slides/slide4.xml><?xml version="1.0" encoding="utf-8"?>
-<p:sld xmlns:a="http://schemas.openxmlformats.org/drawingml/2006/main" xmlns:r="http://schemas.openxmlformats.org/officeDocument/2006/relationships" xmlns:p="http://schemas.openxmlformats.org/presentationml/2006/main" showMasterSp="1" showMasterPhAnim="1">
-  <p:cSld>
-    <p:bg>
-      <p:bgPr>
-        <a:noFill/>
-      </p:bgPr>
-    </p:bg>
-    <p:spTree>
-      <p:nvGrpSpPr>
-        <p:cNvPr id="1" name=""/>
-        <p:cNvGrpSpPr/>
-        <p:nvPr/>
-      </p:nvGrpSpPr>
-      <p:grpSpPr>
-        <a:xfrm>
-          <a:off x="0" y="0"/>
-          <a:ext cx="0" cy="0"/>
-          <a:chOff x="0" y="0"/>
-          <a:chExt cx="0" cy="0"/>
-        </a:xfrm>
-      </p:grpSpPr>
-      <p:pic>
-        <p:nvPicPr>
-          <p:cNvPr id="211" name="pasted-image.tiff"/>
-          <p:cNvPicPr>
-            <a:picLocks noChangeAspect="1"/>
-          </p:cNvPicPr>
-          <p:nvPr/>
-        </p:nvPicPr>
-        <p:blipFill>
-          <a:blip r:embed="rId2">
-            <a:extLst/>
-          </a:blip>
-          <a:stretch>
-            <a:fillRect/>
-          </a:stretch>
-        </p:blipFill>
-        <p:spPr>
-          <a:xfrm>
-            <a:off x="-17945" y="5541"/>
-            <a:ext cx="13040690" cy="9780518"/>
-          </a:xfrm>
-          <a:prstGeom prst="rect">
-            <a:avLst/>
-          </a:prstGeom>
-          <a:ln w="12700">
-            <a:miter lim="400000"/>
-          </a:ln>
-        </p:spPr>
-      </p:pic>
-    </p:spTree>
-  </p:cSld>
-  <p:clrMapOvr>
-    <a:masterClrMapping/>
-  </p:clrMapOvr>
-  <p:transition xmlns:p14="http://schemas.microsoft.com/office/powerpoint/2010/main" spd="med" advClick="1"/>
-</p:sld>
-</file>
-
-<file path=ppt/slides/slide40.xml><?xml version="1.0" encoding="utf-8"?>
-<p:sld xmlns:a="http://schemas.openxmlformats.org/drawingml/2006/main" xmlns:r="http://schemas.openxmlformats.org/officeDocument/2006/relationships" xmlns:p="http://schemas.openxmlformats.org/presentationml/2006/main" showMasterSp="1" showMasterPhAnim="1">
-  <p:cSld>
-    <p:spTree>
-      <p:nvGrpSpPr>
-        <p:cNvPr id="1" name=""/>
-        <p:cNvGrpSpPr/>
-        <p:nvPr/>
-      </p:nvGrpSpPr>
-      <p:grpSpPr>
-        <a:xfrm>
-          <a:off x="0" y="0"/>
-          <a:ext cx="0" cy="0"/>
-          <a:chOff x="0" y="0"/>
-          <a:chExt cx="0" cy="0"/>
-        </a:xfrm>
-      </p:grpSpPr>
-      <p:sp>
-        <p:nvSpPr>
-          <p:cNvPr id="337" name="Shape 337"/>
-          <p:cNvSpPr/>
-          <p:nvPr>
-            <p:ph type="title"/>
-          </p:nvPr>
-        </p:nvSpPr>
-        <p:spPr>
-          <a:xfrm>
-            <a:off x="406400" y="1536700"/>
-            <a:ext cx="12192000" cy="1169260"/>
-          </a:xfrm>
-          <a:prstGeom prst="rect">
-            <a:avLst/>
-          </a:prstGeom>
-        </p:spPr>
-        <p:txBody>
-          <a:bodyPr/>
-          <a:lstStyle>
-            <a:lvl1pPr defTabSz="403097">
-              <a:spcBef>
-                <a:spcPts val="1900"/>
-              </a:spcBef>
-              <a:defRPr sz="8280"/>
-            </a:lvl1pPr>
-          </a:lstStyle>
-          <a:p>
-            <a:pPr/>
-            <a:r>
-              <a:t>Mean Squared Error</a:t>
-            </a:r>
-          </a:p>
-        </p:txBody>
-      </p:sp>
-      <p:sp>
-        <p:nvSpPr>
-          <p:cNvPr id="338" name="Shape 338"/>
+              <a:t>Linear RelationshipS</a:t>
+            </a:r>
+          </a:p>
+        </p:txBody>
+      </p:sp>
+      <p:sp>
+        <p:nvSpPr>
+          <p:cNvPr id="212" name="Shape 212"/>
           <p:cNvSpPr/>
           <p:nvPr>
             <p:ph type="body" idx="1"/>
@@ -10153,8 +9811,8 @@
         </p:nvSpPr>
         <p:spPr>
           <a:xfrm>
-            <a:off x="406400" y="2570901"/>
-            <a:ext cx="12192000" cy="6465998"/>
+            <a:off x="406399" y="3953767"/>
+            <a:ext cx="12620983" cy="5873760"/>
           </a:xfrm>
           <a:prstGeom prst="rect">
             <a:avLst/>
@@ -10173,6 +9831,9 @@
               </a:buBlip>
               <a:defRPr sz="6400"/>
             </a:pPr>
+            <a:r>
+              <a:t>hours worked —&gt; paycheck</a:t>
+            </a:r>
           </a:p>
           <a:p>
             <a:pPr marL="705970" indent="-705970">
@@ -10185,92 +9846,9 @@
               <a:defRPr sz="6400"/>
             </a:pPr>
             <a:r>
-              <a:t>Squared error just like least squares, but average vs total</a:t>
-            </a:r>
-          </a:p>
-        </p:txBody>
-      </p:sp>
-    </p:spTree>
-  </p:cSld>
-  <p:clrMapOvr>
-    <a:masterClrMapping/>
-  </p:clrMapOvr>
-  <p:transition xmlns:p14="http://schemas.microsoft.com/office/powerpoint/2010/main" spd="med" advClick="1"/>
-</p:sld>
-</file>
-
-<file path=ppt/slides/slide41.xml><?xml version="1.0" encoding="utf-8"?>
-<p:sld xmlns:a="http://schemas.openxmlformats.org/drawingml/2006/main" xmlns:r="http://schemas.openxmlformats.org/officeDocument/2006/relationships" xmlns:p="http://schemas.openxmlformats.org/presentationml/2006/main" showMasterSp="1" showMasterPhAnim="1">
-  <p:cSld>
-    <p:spTree>
-      <p:nvGrpSpPr>
-        <p:cNvPr id="1" name=""/>
-        <p:cNvGrpSpPr/>
-        <p:nvPr/>
-      </p:nvGrpSpPr>
-      <p:grpSpPr>
-        <a:xfrm>
-          <a:off x="0" y="0"/>
-          <a:ext cx="0" cy="0"/>
-          <a:chOff x="0" y="0"/>
-          <a:chExt cx="0" cy="0"/>
-        </a:xfrm>
-      </p:grpSpPr>
-      <p:sp>
-        <p:nvSpPr>
-          <p:cNvPr id="340" name="Shape 340"/>
-          <p:cNvSpPr/>
-          <p:nvPr>
-            <p:ph type="title"/>
-          </p:nvPr>
-        </p:nvSpPr>
-        <p:spPr>
-          <a:xfrm>
-            <a:off x="406400" y="1536700"/>
-            <a:ext cx="12192000" cy="1169260"/>
-          </a:xfrm>
-          <a:prstGeom prst="rect">
-            <a:avLst/>
-          </a:prstGeom>
-        </p:spPr>
-        <p:txBody>
-          <a:bodyPr/>
-          <a:lstStyle>
-            <a:lvl1pPr defTabSz="403097">
-              <a:spcBef>
-                <a:spcPts val="1900"/>
-              </a:spcBef>
-              <a:defRPr sz="8280"/>
-            </a:lvl1pPr>
-          </a:lstStyle>
-          <a:p>
-            <a:pPr/>
-            <a:r>
-              <a:t>Mean Squared Error</a:t>
-            </a:r>
-          </a:p>
-        </p:txBody>
-      </p:sp>
-      <p:sp>
-        <p:nvSpPr>
-          <p:cNvPr id="341" name="Shape 341"/>
-          <p:cNvSpPr/>
-          <p:nvPr>
-            <p:ph type="body" idx="1"/>
-          </p:nvPr>
-        </p:nvSpPr>
-        <p:spPr>
-          <a:xfrm>
-            <a:off x="406400" y="2570901"/>
-            <a:ext cx="12192000" cy="6465998"/>
-          </a:xfrm>
-          <a:prstGeom prst="rect">
-            <a:avLst/>
-          </a:prstGeom>
-        </p:spPr>
-        <p:txBody>
-          <a:bodyPr/>
-          <a:lstStyle/>
+              <a:t>milage -&gt; price of car </a:t>
+            </a:r>
+          </a:p>
           <a:p>
             <a:pPr marL="705970" indent="-705970">
               <a:buClrTx/>
@@ -10281,1004 +9859,8 @@
               </a:buBlip>
               <a:defRPr sz="6400"/>
             </a:pPr>
-          </a:p>
-          <a:p>
-            <a:pPr marL="705970" indent="-705970">
-              <a:buClrTx/>
-              <a:buSzPct val="40000"/>
-              <a:buFontTx/>
-              <a:buBlip>
-                <a:blip r:embed="rId2"/>
-              </a:buBlip>
-              <a:defRPr sz="6400"/>
-            </a:pPr>
-            <a:r>
-              <a:t>Squared error just like least squares, but average vs total</a:t>
-            </a:r>
-          </a:p>
-          <a:p>
-            <a:pPr marL="705970" indent="-705970">
-              <a:buClrTx/>
-              <a:buSzPct val="40000"/>
-              <a:buFontTx/>
-              <a:buBlip>
-                <a:blip r:embed="rId2"/>
-              </a:buBlip>
-              <a:defRPr sz="6400"/>
-            </a:pPr>
-            <a:r>
-              <a:t>Scale is relative to your data!</a:t>
-            </a:r>
-          </a:p>
-        </p:txBody>
-      </p:sp>
-    </p:spTree>
-  </p:cSld>
-  <p:clrMapOvr>
-    <a:masterClrMapping/>
-  </p:clrMapOvr>
-  <p:transition xmlns:p14="http://schemas.microsoft.com/office/powerpoint/2010/main" spd="med" advClick="1"/>
-</p:sld>
-</file>
-
-<file path=ppt/slides/slide42.xml><?xml version="1.0" encoding="utf-8"?>
-<p:sld xmlns:a="http://schemas.openxmlformats.org/drawingml/2006/main" xmlns:r="http://schemas.openxmlformats.org/officeDocument/2006/relationships" xmlns:p="http://schemas.openxmlformats.org/presentationml/2006/main" showMasterSp="1" showMasterPhAnim="1">
-  <p:cSld>
-    <p:spTree>
-      <p:nvGrpSpPr>
-        <p:cNvPr id="1" name=""/>
-        <p:cNvGrpSpPr/>
-        <p:nvPr/>
-      </p:nvGrpSpPr>
-      <p:grpSpPr>
-        <a:xfrm>
-          <a:off x="0" y="0"/>
-          <a:ext cx="0" cy="0"/>
-          <a:chOff x="0" y="0"/>
-          <a:chExt cx="0" cy="0"/>
-        </a:xfrm>
-      </p:grpSpPr>
-      <p:sp>
-        <p:nvSpPr>
-          <p:cNvPr id="343" name="Shape 343"/>
-          <p:cNvSpPr/>
-          <p:nvPr>
-            <p:ph type="title"/>
-          </p:nvPr>
-        </p:nvSpPr>
-        <p:spPr>
-          <a:xfrm>
-            <a:off x="406400" y="1536700"/>
-            <a:ext cx="12192000" cy="1169260"/>
-          </a:xfrm>
-          <a:prstGeom prst="rect">
-            <a:avLst/>
-          </a:prstGeom>
-        </p:spPr>
-        <p:txBody>
-          <a:bodyPr/>
-          <a:lstStyle>
-            <a:lvl1pPr defTabSz="403097">
-              <a:spcBef>
-                <a:spcPts val="1900"/>
-              </a:spcBef>
-              <a:defRPr sz="8280"/>
-            </a:lvl1pPr>
-          </a:lstStyle>
-          <a:p>
-            <a:pPr/>
-            <a:r>
-              <a:t>R2 Score</a:t>
-            </a:r>
-          </a:p>
-        </p:txBody>
-      </p:sp>
-      <p:sp>
-        <p:nvSpPr>
-          <p:cNvPr id="344" name="Shape 344"/>
-          <p:cNvSpPr/>
-          <p:nvPr>
-            <p:ph type="body" idx="1"/>
-          </p:nvPr>
-        </p:nvSpPr>
-        <p:spPr>
-          <a:xfrm>
-            <a:off x="406400" y="2570901"/>
-            <a:ext cx="12192000" cy="6465998"/>
-          </a:xfrm>
-          <a:prstGeom prst="rect">
-            <a:avLst/>
-          </a:prstGeom>
-        </p:spPr>
-        <p:txBody>
-          <a:bodyPr/>
-          <a:lstStyle/>
-          <a:p>
-            <a:pPr marL="705970" indent="-705970">
-              <a:buClrTx/>
-              <a:buSzPct val="40000"/>
-              <a:buFontTx/>
-              <a:buBlip>
-                <a:blip r:embed="rId2"/>
-              </a:buBlip>
-              <a:defRPr sz="6400"/>
-            </a:pPr>
-          </a:p>
-          <a:p>
-            <a:pPr marL="705970" indent="-705970">
-              <a:buClrTx/>
-              <a:buSzPct val="40000"/>
-              <a:buFontTx/>
-              <a:buBlip>
-                <a:blip r:embed="rId2"/>
-              </a:buBlip>
-              <a:defRPr sz="6400"/>
-            </a:pPr>
-            <a:r>
-              <a:t>Proportion of variance that is explained by your model</a:t>
-            </a:r>
-          </a:p>
-          <a:p>
-            <a:pPr marL="705970" indent="-705970">
-              <a:buClrTx/>
-              <a:buSzPct val="40000"/>
-              <a:buFontTx/>
-              <a:buBlip>
-                <a:blip r:embed="rId2"/>
-              </a:buBlip>
-              <a:defRPr sz="6400"/>
-            </a:pPr>
-            <a:r>
-              <a:t>1.0 is a perfect model</a:t>
-            </a:r>
-          </a:p>
-        </p:txBody>
-      </p:sp>
-    </p:spTree>
-  </p:cSld>
-  <p:clrMapOvr>
-    <a:masterClrMapping/>
-  </p:clrMapOvr>
-  <p:transition xmlns:p14="http://schemas.microsoft.com/office/powerpoint/2010/main" spd="med" advClick="1"/>
-</p:sld>
-</file>
-
-<file path=ppt/slides/slide43.xml><?xml version="1.0" encoding="utf-8"?>
-<p:sld xmlns:a="http://schemas.openxmlformats.org/drawingml/2006/main" xmlns:r="http://schemas.openxmlformats.org/officeDocument/2006/relationships" xmlns:p="http://schemas.openxmlformats.org/presentationml/2006/main" showMasterSp="1" showMasterPhAnim="1">
-  <p:cSld>
-    <p:spTree>
-      <p:nvGrpSpPr>
-        <p:cNvPr id="1" name=""/>
-        <p:cNvGrpSpPr/>
-        <p:nvPr/>
-      </p:nvGrpSpPr>
-      <p:grpSpPr>
-        <a:xfrm>
-          <a:off x="0" y="0"/>
-          <a:ext cx="0" cy="0"/>
-          <a:chOff x="0" y="0"/>
-          <a:chExt cx="0" cy="0"/>
-        </a:xfrm>
-      </p:grpSpPr>
-      <p:sp>
-        <p:nvSpPr>
-          <p:cNvPr id="346" name="Shape 346"/>
-          <p:cNvSpPr/>
-          <p:nvPr>
-            <p:ph type="body" idx="13"/>
-          </p:nvPr>
-        </p:nvSpPr>
-        <p:spPr>
-          <a:prstGeom prst="rect">
-            <a:avLst/>
-          </a:prstGeom>
-        </p:spPr>
-        <p:txBody>
-          <a:bodyPr/>
-          <a:lstStyle/>
-          <a:p>
-            <a:pPr/>
-            <a:r>
-              <a:t>Text</a:t>
-            </a:r>
-          </a:p>
-        </p:txBody>
-      </p:sp>
-      <p:sp>
-        <p:nvSpPr>
-          <p:cNvPr id="347" name="Shape 347"/>
-          <p:cNvSpPr/>
-          <p:nvPr>
-            <p:ph type="title"/>
-          </p:nvPr>
-        </p:nvSpPr>
-        <p:spPr>
-          <a:prstGeom prst="rect">
-            <a:avLst/>
-          </a:prstGeom>
-        </p:spPr>
-        <p:txBody>
-          <a:bodyPr/>
-          <a:lstStyle/>
-          <a:p>
-            <a:pPr defTabSz="467359">
-              <a:spcBef>
-                <a:spcPts val="2200"/>
-              </a:spcBef>
-              <a:defRPr sz="4800"/>
-            </a:pPr>
-          </a:p>
-        </p:txBody>
-      </p:sp>
-      <p:sp>
-        <p:nvSpPr>
-          <p:cNvPr id="348" name="Shape 348"/>
-          <p:cNvSpPr/>
-          <p:nvPr>
-            <p:ph type="body" idx="1"/>
-          </p:nvPr>
-        </p:nvSpPr>
-        <p:spPr>
-          <a:prstGeom prst="rect">
-            <a:avLst/>
-          </a:prstGeom>
-        </p:spPr>
-        <p:txBody>
-          <a:bodyPr/>
-          <a:lstStyle/>
-          <a:p>
-            <a:pPr/>
-          </a:p>
-        </p:txBody>
-      </p:sp>
-      <p:pic>
-        <p:nvPicPr>
-          <p:cNvPr id="349" name="pasted-image.png"/>
-          <p:cNvPicPr>
-            <a:picLocks noChangeAspect="1"/>
-          </p:cNvPicPr>
-          <p:nvPr/>
-        </p:nvPicPr>
-        <p:blipFill>
-          <a:blip r:embed="rId2">
-            <a:extLst/>
-          </a:blip>
-          <a:stretch>
-            <a:fillRect/>
-          </a:stretch>
-        </p:blipFill>
-        <p:spPr>
-          <a:xfrm>
-            <a:off x="165100" y="50800"/>
-            <a:ext cx="12674600" cy="9652000"/>
-          </a:xfrm>
-          <a:prstGeom prst="rect">
-            <a:avLst/>
-          </a:prstGeom>
-          <a:ln w="12700">
-            <a:miter lim="400000"/>
-          </a:ln>
-        </p:spPr>
-      </p:pic>
-    </p:spTree>
-  </p:cSld>
-  <p:clrMapOvr>
-    <a:masterClrMapping/>
-  </p:clrMapOvr>
-  <p:transition xmlns:p14="http://schemas.microsoft.com/office/powerpoint/2010/main" spd="med" advClick="1"/>
-</p:sld>
-</file>
-
-<file path=ppt/slides/slide44.xml><?xml version="1.0" encoding="utf-8"?>
-<p:sld xmlns:a="http://schemas.openxmlformats.org/drawingml/2006/main" xmlns:r="http://schemas.openxmlformats.org/officeDocument/2006/relationships" xmlns:p="http://schemas.openxmlformats.org/presentationml/2006/main" showMasterSp="1" showMasterPhAnim="1">
-  <p:cSld>
-    <p:spTree>
-      <p:nvGrpSpPr>
-        <p:cNvPr id="1" name=""/>
-        <p:cNvGrpSpPr/>
-        <p:nvPr/>
-      </p:nvGrpSpPr>
-      <p:grpSpPr>
-        <a:xfrm>
-          <a:off x="0" y="0"/>
-          <a:ext cx="0" cy="0"/>
-          <a:chOff x="0" y="0"/>
-          <a:chExt cx="0" cy="0"/>
-        </a:xfrm>
-      </p:grpSpPr>
-      <p:sp>
-        <p:nvSpPr>
-          <p:cNvPr id="351" name="Shape 351"/>
-          <p:cNvSpPr/>
-          <p:nvPr>
-            <p:ph type="title"/>
-          </p:nvPr>
-        </p:nvSpPr>
-        <p:spPr>
-          <a:xfrm>
-            <a:off x="406400" y="1536700"/>
-            <a:ext cx="12192000" cy="1169260"/>
-          </a:xfrm>
-          <a:prstGeom prst="rect">
-            <a:avLst/>
-          </a:prstGeom>
-        </p:spPr>
-        <p:txBody>
-          <a:bodyPr/>
-          <a:lstStyle>
-            <a:lvl1pPr defTabSz="403097">
-              <a:spcBef>
-                <a:spcPts val="1900"/>
-              </a:spcBef>
-              <a:defRPr sz="8280"/>
-            </a:lvl1pPr>
-          </a:lstStyle>
-          <a:p>
-            <a:pPr/>
-            <a:r>
-              <a:t>R2 Score</a:t>
-            </a:r>
-          </a:p>
-        </p:txBody>
-      </p:sp>
-      <p:sp>
-        <p:nvSpPr>
-          <p:cNvPr id="352" name="Shape 352"/>
-          <p:cNvSpPr/>
-          <p:nvPr>
-            <p:ph type="body" idx="1"/>
-          </p:nvPr>
-        </p:nvSpPr>
-        <p:spPr>
-          <a:xfrm>
-            <a:off x="406400" y="2570901"/>
-            <a:ext cx="12192000" cy="6465998"/>
-          </a:xfrm>
-          <a:prstGeom prst="rect">
-            <a:avLst/>
-          </a:prstGeom>
-        </p:spPr>
-        <p:txBody>
-          <a:bodyPr/>
-          <a:lstStyle/>
-          <a:p>
-            <a:pPr marL="607134" indent="-607134" defTabSz="502412">
-              <a:spcBef>
-                <a:spcPts val="2400"/>
-              </a:spcBef>
-              <a:buClrTx/>
-              <a:buSzPct val="40000"/>
-              <a:buFontTx/>
-              <a:buBlip>
-                <a:blip r:embed="rId2"/>
-              </a:buBlip>
-              <a:defRPr sz="5504"/>
-            </a:pPr>
-          </a:p>
-          <a:p>
-            <a:pPr marL="607134" indent="-607134" defTabSz="502412">
-              <a:spcBef>
-                <a:spcPts val="2400"/>
-              </a:spcBef>
-              <a:buClrTx/>
-              <a:buSzPct val="40000"/>
-              <a:buFontTx/>
-              <a:buBlip>
-                <a:blip r:embed="rId2"/>
-              </a:buBlip>
-              <a:defRPr sz="5504"/>
-            </a:pPr>
-            <a:r>
-              <a:t>Adding data will always “improve” R2 score even if the data is irrelevant</a:t>
-            </a:r>
-          </a:p>
-          <a:p>
-            <a:pPr marL="607134" indent="-607134" defTabSz="502412">
-              <a:spcBef>
-                <a:spcPts val="2400"/>
-              </a:spcBef>
-              <a:buClrTx/>
-              <a:buSzPct val="40000"/>
-              <a:buFontTx/>
-              <a:buBlip>
-                <a:blip r:embed="rId2"/>
-              </a:buBlip>
-              <a:defRPr sz="5504"/>
-            </a:pPr>
-            <a:r>
-              <a:t>Only add data with significant R2 boost</a:t>
-            </a:r>
-          </a:p>
-        </p:txBody>
-      </p:sp>
-    </p:spTree>
-  </p:cSld>
-  <p:clrMapOvr>
-    <a:masterClrMapping/>
-  </p:clrMapOvr>
-  <p:transition xmlns:p14="http://schemas.microsoft.com/office/powerpoint/2010/main" spd="med" advClick="1"/>
-</p:sld>
-</file>
-
-<file path=ppt/slides/slide45.xml><?xml version="1.0" encoding="utf-8"?>
-<p:sld xmlns:a="http://schemas.openxmlformats.org/drawingml/2006/main" xmlns:r="http://schemas.openxmlformats.org/officeDocument/2006/relationships" xmlns:p="http://schemas.openxmlformats.org/presentationml/2006/main" showMasterSp="1" showMasterPhAnim="1">
-  <p:cSld>
-    <p:spTree>
-      <p:nvGrpSpPr>
-        <p:cNvPr id="1" name=""/>
-        <p:cNvGrpSpPr/>
-        <p:nvPr/>
-      </p:nvGrpSpPr>
-      <p:grpSpPr>
-        <a:xfrm>
-          <a:off x="0" y="0"/>
-          <a:ext cx="0" cy="0"/>
-          <a:chOff x="0" y="0"/>
-          <a:chExt cx="0" cy="0"/>
-        </a:xfrm>
-      </p:grpSpPr>
-      <p:sp>
-        <p:nvSpPr>
-          <p:cNvPr id="354" name="Shape 354"/>
-          <p:cNvSpPr/>
-          <p:nvPr>
-            <p:ph type="title"/>
-          </p:nvPr>
-        </p:nvSpPr>
-        <p:spPr>
-          <a:xfrm>
-            <a:off x="406400" y="1536700"/>
-            <a:ext cx="12192000" cy="1169261"/>
-          </a:xfrm>
-          <a:prstGeom prst="rect">
-            <a:avLst/>
-          </a:prstGeom>
-        </p:spPr>
-        <p:txBody>
-          <a:bodyPr/>
-          <a:lstStyle>
-            <a:lvl1pPr defTabSz="403097">
-              <a:spcBef>
-                <a:spcPts val="1900"/>
-              </a:spcBef>
-              <a:defRPr sz="8200"/>
-            </a:lvl1pPr>
-          </a:lstStyle>
-          <a:p>
-            <a:pPr/>
-            <a:r>
-              <a:t>Interpreting Linear models</a:t>
-            </a:r>
-          </a:p>
-        </p:txBody>
-      </p:sp>
-      <p:sp>
-        <p:nvSpPr>
-          <p:cNvPr id="355" name="Shape 355"/>
-          <p:cNvSpPr/>
-          <p:nvPr/>
-        </p:nvSpPr>
-        <p:spPr>
-          <a:xfrm>
-            <a:off x="491299" y="3428960"/>
-            <a:ext cx="12946701" cy="876301"/>
-          </a:xfrm>
-          <a:prstGeom prst="rect">
-            <a:avLst/>
-          </a:prstGeom>
-          <a:ln w="12700">
-            <a:miter lim="400000"/>
-          </a:ln>
-          <a:extLst>
-            <a:ext uri="{C572A759-6A51-4108-AA02-DFA0A04FC94B}">
-              <ma14:wrappingTextBoxFlag xmlns:ma14="http://schemas.microsoft.com/office/mac/drawingml/2011/main" val="1"/>
-            </a:ext>
-          </a:extLst>
-        </p:spPr>
-        <p:txBody>
-          <a:bodyPr lIns="50800" tIns="50800" rIns="50800" bIns="50800" anchor="ctr">
-            <a:spAutoFit/>
-          </a:bodyPr>
-          <a:lstStyle>
-            <a:lvl1pPr>
-              <a:defRPr sz="5100">
-                <a:latin typeface="Anonymous Pro for Powerline"/>
-                <a:ea typeface="Anonymous Pro for Powerline"/>
-                <a:cs typeface="Anonymous Pro for Powerline"/>
-                <a:sym typeface="Anonymous Pro for Powerline"/>
-              </a:defRPr>
-            </a:lvl1pPr>
-          </a:lstStyle>
-          <a:p>
-            <a:pPr/>
-            <a:r>
-              <a:t>model.coef_</a:t>
-            </a:r>
-          </a:p>
-        </p:txBody>
-      </p:sp>
-    </p:spTree>
-  </p:cSld>
-  <p:clrMapOvr>
-    <a:masterClrMapping/>
-  </p:clrMapOvr>
-  <p:transition xmlns:p14="http://schemas.microsoft.com/office/powerpoint/2010/main" spd="med" advClick="1"/>
-</p:sld>
-</file>
-
-<file path=ppt/slides/slide46.xml><?xml version="1.0" encoding="utf-8"?>
-<p:sld xmlns:a="http://schemas.openxmlformats.org/drawingml/2006/main" xmlns:r="http://schemas.openxmlformats.org/officeDocument/2006/relationships" xmlns:p="http://schemas.openxmlformats.org/presentationml/2006/main" showMasterSp="1" showMasterPhAnim="1">
-  <p:cSld>
-    <p:spTree>
-      <p:nvGrpSpPr>
-        <p:cNvPr id="1" name=""/>
-        <p:cNvGrpSpPr/>
-        <p:nvPr/>
-      </p:nvGrpSpPr>
-      <p:grpSpPr>
-        <a:xfrm>
-          <a:off x="0" y="0"/>
-          <a:ext cx="0" cy="0"/>
-          <a:chOff x="0" y="0"/>
-          <a:chExt cx="0" cy="0"/>
-        </a:xfrm>
-      </p:grpSpPr>
-      <p:sp>
-        <p:nvSpPr>
-          <p:cNvPr id="357" name="Shape 357"/>
-          <p:cNvSpPr/>
-          <p:nvPr>
-            <p:ph type="title"/>
-          </p:nvPr>
-        </p:nvSpPr>
-        <p:spPr>
-          <a:xfrm>
-            <a:off x="406400" y="1536700"/>
-            <a:ext cx="12192000" cy="1169261"/>
-          </a:xfrm>
-          <a:prstGeom prst="rect">
-            <a:avLst/>
-          </a:prstGeom>
-        </p:spPr>
-        <p:txBody>
-          <a:bodyPr/>
-          <a:lstStyle>
-            <a:lvl1pPr defTabSz="403097">
-              <a:spcBef>
-                <a:spcPts val="1900"/>
-              </a:spcBef>
-              <a:defRPr sz="8200"/>
-            </a:lvl1pPr>
-          </a:lstStyle>
-          <a:p>
-            <a:pPr/>
-            <a:r>
-              <a:t>Interpreting Linear models</a:t>
-            </a:r>
-          </a:p>
-        </p:txBody>
-      </p:sp>
-      <p:sp>
-        <p:nvSpPr>
-          <p:cNvPr id="358" name="Shape 358"/>
-          <p:cNvSpPr/>
-          <p:nvPr/>
-        </p:nvSpPr>
-        <p:spPr>
-          <a:xfrm>
-            <a:off x="491299" y="3428960"/>
-            <a:ext cx="12946701" cy="876301"/>
-          </a:xfrm>
-          <a:prstGeom prst="rect">
-            <a:avLst/>
-          </a:prstGeom>
-          <a:ln w="12700">
-            <a:miter lim="400000"/>
-          </a:ln>
-          <a:extLst>
-            <a:ext uri="{C572A759-6A51-4108-AA02-DFA0A04FC94B}">
-              <ma14:wrappingTextBoxFlag xmlns:ma14="http://schemas.microsoft.com/office/mac/drawingml/2011/main" val="1"/>
-            </a:ext>
-          </a:extLst>
-        </p:spPr>
-        <p:txBody>
-          <a:bodyPr lIns="50800" tIns="50800" rIns="50800" bIns="50800" anchor="ctr">
-            <a:spAutoFit/>
-          </a:bodyPr>
-          <a:lstStyle>
-            <a:lvl1pPr>
-              <a:defRPr sz="5100">
-                <a:latin typeface="Anonymous Pro for Powerline"/>
-                <a:ea typeface="Anonymous Pro for Powerline"/>
-                <a:cs typeface="Anonymous Pro for Powerline"/>
-                <a:sym typeface="Anonymous Pro for Powerline"/>
-              </a:defRPr>
-            </a:lvl1pPr>
-          </a:lstStyle>
-          <a:p>
-            <a:pPr/>
-            <a:r>
-              <a:t>model.coef_</a:t>
-            </a:r>
-          </a:p>
-        </p:txBody>
-      </p:sp>
-      <p:sp>
-        <p:nvSpPr>
-          <p:cNvPr id="359" name="Shape 359"/>
-          <p:cNvSpPr/>
-          <p:nvPr/>
-        </p:nvSpPr>
-        <p:spPr>
-          <a:xfrm>
-            <a:off x="2412967" y="4703186"/>
-            <a:ext cx="11753417" cy="863601"/>
-          </a:xfrm>
-          <a:prstGeom prst="rect">
-            <a:avLst/>
-          </a:prstGeom>
-          <a:ln w="12700">
-            <a:miter lim="400000"/>
-          </a:ln>
-          <a:extLst>
-            <a:ext uri="{C572A759-6A51-4108-AA02-DFA0A04FC94B}">
-              <ma14:wrappingTextBoxFlag xmlns:ma14="http://schemas.microsoft.com/office/mac/drawingml/2011/main" val="1"/>
-            </a:ext>
-          </a:extLst>
-        </p:spPr>
-        <p:txBody>
-          <a:bodyPr lIns="50800" tIns="50800" rIns="50800" bIns="50800" anchor="ctr">
-            <a:spAutoFit/>
-          </a:bodyPr>
-          <a:lstStyle>
-            <a:lvl1pPr>
-              <a:defRPr sz="5000">
-                <a:latin typeface="Anonymous Pro for Powerline"/>
-                <a:ea typeface="Anonymous Pro for Powerline"/>
-                <a:cs typeface="Anonymous Pro for Powerline"/>
-                <a:sym typeface="Anonymous Pro for Powerline"/>
-              </a:defRPr>
-            </a:lvl1pPr>
-          </a:lstStyle>
-          <a:p>
-            <a:pPr/>
-            <a:r>
-              <a:t>[-1.840,4.24, …, -9.96])</a:t>
-            </a:r>
-          </a:p>
-        </p:txBody>
-      </p:sp>
-      <p:sp>
-        <p:nvSpPr>
-          <p:cNvPr id="360" name="Shape 360"/>
-          <p:cNvSpPr/>
-          <p:nvPr/>
-        </p:nvSpPr>
-        <p:spPr>
-          <a:xfrm>
-            <a:off x="584914" y="5028260"/>
-            <a:ext cx="1620784" cy="518252"/>
-          </a:xfrm>
-          <a:prstGeom prst="rightArrow">
-            <a:avLst>
-              <a:gd name="adj1" fmla="val 34174"/>
-              <a:gd name="adj2" fmla="val 145948"/>
-            </a:avLst>
-          </a:prstGeom>
-          <a:solidFill>
-            <a:schemeClr val="accent5"/>
-          </a:solidFill>
-          <a:ln w="12700">
-            <a:miter lim="400000"/>
-          </a:ln>
-        </p:spPr>
-        <p:txBody>
-          <a:bodyPr lIns="50800" tIns="50800" rIns="50800" bIns="50800" anchor="ctr"/>
-          <a:lstStyle/>
-          <a:p>
-            <a:pPr algn="ctr">
-              <a:lnSpc>
-                <a:spcPct val="80000"/>
-              </a:lnSpc>
-              <a:spcBef>
-                <a:spcPts val="0"/>
-              </a:spcBef>
-              <a:defRPr cap="all" sz="2800">
-                <a:solidFill>
-                  <a:srgbClr val="FFFFFF"/>
-                </a:solidFill>
-                <a:latin typeface="+mn-lt"/>
-                <a:ea typeface="+mn-ea"/>
-                <a:cs typeface="+mn-cs"/>
-                <a:sym typeface="DIN Condensed"/>
-              </a:defRPr>
-            </a:pPr>
-          </a:p>
-        </p:txBody>
-      </p:sp>
-    </p:spTree>
-  </p:cSld>
-  <p:clrMapOvr>
-    <a:masterClrMapping/>
-  </p:clrMapOvr>
-  <p:transition xmlns:p14="http://schemas.microsoft.com/office/powerpoint/2010/main" spd="med" advClick="1"/>
-</p:sld>
-</file>
-
-<file path=ppt/slides/slide47.xml><?xml version="1.0" encoding="utf-8"?>
-<p:sld xmlns:a="http://schemas.openxmlformats.org/drawingml/2006/main" xmlns:r="http://schemas.openxmlformats.org/officeDocument/2006/relationships" xmlns:p="http://schemas.openxmlformats.org/presentationml/2006/main" showMasterSp="1" showMasterPhAnim="1">
-  <p:cSld>
-    <p:spTree>
-      <p:nvGrpSpPr>
-        <p:cNvPr id="1" name=""/>
-        <p:cNvGrpSpPr/>
-        <p:nvPr/>
-      </p:nvGrpSpPr>
-      <p:grpSpPr>
-        <a:xfrm>
-          <a:off x="0" y="0"/>
-          <a:ext cx="0" cy="0"/>
-          <a:chOff x="0" y="0"/>
-          <a:chExt cx="0" cy="0"/>
-        </a:xfrm>
-      </p:grpSpPr>
-      <p:sp>
-        <p:nvSpPr>
-          <p:cNvPr id="362" name="Shape 362"/>
-          <p:cNvSpPr/>
-          <p:nvPr>
-            <p:ph type="title"/>
-          </p:nvPr>
-        </p:nvSpPr>
-        <p:spPr>
-          <a:xfrm>
-            <a:off x="406400" y="1536700"/>
-            <a:ext cx="12192000" cy="1169261"/>
-          </a:xfrm>
-          <a:prstGeom prst="rect">
-            <a:avLst/>
-          </a:prstGeom>
-        </p:spPr>
-        <p:txBody>
-          <a:bodyPr/>
-          <a:lstStyle>
-            <a:lvl1pPr defTabSz="403097">
-              <a:spcBef>
-                <a:spcPts val="1900"/>
-              </a:spcBef>
-              <a:defRPr sz="8200"/>
-            </a:lvl1pPr>
-          </a:lstStyle>
-          <a:p>
-            <a:pPr/>
-            <a:r>
-              <a:t>Interpreting Linear models</a:t>
-            </a:r>
-          </a:p>
-        </p:txBody>
-      </p:sp>
-      <p:sp>
-        <p:nvSpPr>
-          <p:cNvPr id="363" name="Shape 363"/>
-          <p:cNvSpPr/>
-          <p:nvPr/>
-        </p:nvSpPr>
-        <p:spPr>
-          <a:xfrm>
-            <a:off x="491299" y="3428960"/>
-            <a:ext cx="12946701" cy="876301"/>
-          </a:xfrm>
-          <a:prstGeom prst="rect">
-            <a:avLst/>
-          </a:prstGeom>
-          <a:ln w="12700">
-            <a:miter lim="400000"/>
-          </a:ln>
-          <a:extLst>
-            <a:ext uri="{C572A759-6A51-4108-AA02-DFA0A04FC94B}">
-              <ma14:wrappingTextBoxFlag xmlns:ma14="http://schemas.microsoft.com/office/mac/drawingml/2011/main" val="1"/>
-            </a:ext>
-          </a:extLst>
-        </p:spPr>
-        <p:txBody>
-          <a:bodyPr lIns="50800" tIns="50800" rIns="50800" bIns="50800" anchor="ctr">
-            <a:spAutoFit/>
-          </a:bodyPr>
-          <a:lstStyle>
-            <a:lvl1pPr>
-              <a:defRPr sz="5100">
-                <a:latin typeface="Anonymous Pro for Powerline"/>
-                <a:ea typeface="Anonymous Pro for Powerline"/>
-                <a:cs typeface="Anonymous Pro for Powerline"/>
-                <a:sym typeface="Anonymous Pro for Powerline"/>
-              </a:defRPr>
-            </a:lvl1pPr>
-          </a:lstStyle>
-          <a:p>
-            <a:pPr/>
-            <a:r>
-              <a:t>model.coef_</a:t>
-            </a:r>
-          </a:p>
-        </p:txBody>
-      </p:sp>
-      <p:sp>
-        <p:nvSpPr>
-          <p:cNvPr id="364" name="Shape 364"/>
-          <p:cNvSpPr/>
-          <p:nvPr/>
-        </p:nvSpPr>
-        <p:spPr>
-          <a:xfrm>
-            <a:off x="2412967" y="4703186"/>
-            <a:ext cx="11753417" cy="863601"/>
-          </a:xfrm>
-          <a:prstGeom prst="rect">
-            <a:avLst/>
-          </a:prstGeom>
-          <a:ln w="12700">
-            <a:miter lim="400000"/>
-          </a:ln>
-          <a:extLst>
-            <a:ext uri="{C572A759-6A51-4108-AA02-DFA0A04FC94B}">
-              <ma14:wrappingTextBoxFlag xmlns:ma14="http://schemas.microsoft.com/office/mac/drawingml/2011/main" val="1"/>
-            </a:ext>
-          </a:extLst>
-        </p:spPr>
-        <p:txBody>
-          <a:bodyPr lIns="50800" tIns="50800" rIns="50800" bIns="50800" anchor="ctr">
-            <a:spAutoFit/>
-          </a:bodyPr>
-          <a:lstStyle>
-            <a:lvl1pPr>
-              <a:defRPr sz="5000">
-                <a:latin typeface="Anonymous Pro for Powerline"/>
-                <a:ea typeface="Anonymous Pro for Powerline"/>
-                <a:cs typeface="Anonymous Pro for Powerline"/>
-                <a:sym typeface="Anonymous Pro for Powerline"/>
-              </a:defRPr>
-            </a:lvl1pPr>
-          </a:lstStyle>
-          <a:p>
-            <a:pPr/>
-            <a:r>
-              <a:t>[-1.840,4.24, …, -9.96])</a:t>
-            </a:r>
-          </a:p>
-        </p:txBody>
-      </p:sp>
-      <p:sp>
-        <p:nvSpPr>
-          <p:cNvPr id="365" name="Shape 365"/>
-          <p:cNvSpPr/>
-          <p:nvPr/>
-        </p:nvSpPr>
-        <p:spPr>
-          <a:xfrm>
-            <a:off x="584914" y="5028260"/>
-            <a:ext cx="1620784" cy="518252"/>
-          </a:xfrm>
-          <a:prstGeom prst="rightArrow">
-            <a:avLst>
-              <a:gd name="adj1" fmla="val 34174"/>
-              <a:gd name="adj2" fmla="val 145948"/>
-            </a:avLst>
-          </a:prstGeom>
-          <a:solidFill>
-            <a:schemeClr val="accent5"/>
-          </a:solidFill>
-          <a:ln w="12700">
-            <a:miter lim="400000"/>
-          </a:ln>
-        </p:spPr>
-        <p:txBody>
-          <a:bodyPr lIns="50800" tIns="50800" rIns="50800" bIns="50800" anchor="ctr"/>
-          <a:lstStyle/>
-          <a:p>
-            <a:pPr algn="ctr">
-              <a:lnSpc>
-                <a:spcPct val="80000"/>
-              </a:lnSpc>
-              <a:spcBef>
-                <a:spcPts val="0"/>
-              </a:spcBef>
-              <a:defRPr cap="all" sz="2800">
-                <a:solidFill>
-                  <a:srgbClr val="FFFFFF"/>
-                </a:solidFill>
-                <a:latin typeface="+mn-lt"/>
-                <a:ea typeface="+mn-ea"/>
-                <a:cs typeface="+mn-cs"/>
-                <a:sym typeface="DIN Condensed"/>
-              </a:defRPr>
-            </a:pPr>
-          </a:p>
-        </p:txBody>
-      </p:sp>
-      <p:pic>
-        <p:nvPicPr>
-          <p:cNvPr id="366" name="pasted-image.png"/>
-          <p:cNvPicPr>
-            <a:picLocks noChangeAspect="1"/>
-          </p:cNvPicPr>
-          <p:nvPr/>
-        </p:nvPicPr>
-        <p:blipFill>
-          <a:blip r:embed="rId2">
-            <a:extLst/>
-          </a:blip>
-          <a:srcRect l="0" t="13067" r="0" b="0"/>
-          <a:stretch>
-            <a:fillRect/>
-          </a:stretch>
-        </p:blipFill>
-        <p:spPr>
-          <a:xfrm>
-            <a:off x="0" y="5964711"/>
-            <a:ext cx="13004801" cy="7992075"/>
-          </a:xfrm>
-          <a:prstGeom prst="rect">
-            <a:avLst/>
-          </a:prstGeom>
-          <a:ln w="12700">
-            <a:miter lim="400000"/>
-          </a:ln>
-        </p:spPr>
-      </p:pic>
-    </p:spTree>
-  </p:cSld>
-  <p:clrMapOvr>
-    <a:masterClrMapping/>
-  </p:clrMapOvr>
-  <p:transition xmlns:p14="http://schemas.microsoft.com/office/powerpoint/2010/main" spd="med" advClick="1"/>
-</p:sld>
-</file>
-
-<file path=ppt/slides/slide48.xml><?xml version="1.0" encoding="utf-8"?>
-<p:sld xmlns:a="http://schemas.openxmlformats.org/drawingml/2006/main" xmlns:r="http://schemas.openxmlformats.org/officeDocument/2006/relationships" xmlns:p="http://schemas.openxmlformats.org/presentationml/2006/main" showMasterSp="1" showMasterPhAnim="1">
-  <p:cSld>
-    <p:spTree>
-      <p:nvGrpSpPr>
-        <p:cNvPr id="1" name=""/>
-        <p:cNvGrpSpPr/>
-        <p:nvPr/>
-      </p:nvGrpSpPr>
-      <p:grpSpPr>
-        <a:xfrm>
-          <a:off x="0" y="0"/>
-          <a:ext cx="0" cy="0"/>
-          <a:chOff x="0" y="0"/>
-          <a:chExt cx="0" cy="0"/>
-        </a:xfrm>
-      </p:grpSpPr>
-      <p:sp>
-        <p:nvSpPr>
-          <p:cNvPr id="368" name="Shape 368"/>
-          <p:cNvSpPr/>
-          <p:nvPr>
-            <p:ph type="title"/>
-          </p:nvPr>
-        </p:nvSpPr>
-        <p:spPr>
-          <a:xfrm>
-            <a:off x="3279937" y="4128458"/>
-            <a:ext cx="6444926" cy="1982356"/>
-          </a:xfrm>
-          <a:prstGeom prst="rect">
-            <a:avLst/>
-          </a:prstGeom>
-        </p:spPr>
-        <p:txBody>
-          <a:bodyPr/>
-          <a:lstStyle>
-            <a:lvl1pPr defTabSz="502412">
-              <a:defRPr sz="14620"/>
-            </a:lvl1pPr>
-          </a:lstStyle>
-          <a:p>
-            <a:pPr/>
-            <a:r>
-              <a:t>Exercises</a:t>
+            <a:r>
+              <a:t>close to stage —&gt; ticket price</a:t>
             </a:r>
           </a:p>
         </p:txBody>
@@ -11311,7 +9893,7 @@
       </p:grpSpPr>
       <p:sp>
         <p:nvSpPr>
-          <p:cNvPr id="213" name="Shape 213"/>
+          <p:cNvPr id="214" name="Shape 214"/>
           <p:cNvSpPr/>
           <p:nvPr>
             <p:ph type="title"/>
@@ -11320,7 +9902,7 @@
         <p:spPr>
           <a:xfrm>
             <a:off x="406400" y="1536700"/>
-            <a:ext cx="12192000" cy="1169261"/>
+            <a:ext cx="12192000" cy="1169260"/>
           </a:xfrm>
           <a:prstGeom prst="rect">
             <a:avLst/>
@@ -11333,84 +9915,63 @@
               <a:spcBef>
                 <a:spcPts val="1900"/>
               </a:spcBef>
-              <a:defRPr sz="8200"/>
+              <a:defRPr sz="8280"/>
             </a:lvl1pPr>
           </a:lstStyle>
           <a:p>
             <a:pPr/>
             <a:r>
-              <a:t>Pivot table</a:t>
-            </a:r>
-          </a:p>
-        </p:txBody>
-      </p:sp>
-      <p:sp>
-        <p:nvSpPr>
-          <p:cNvPr id="214" name="Shape 214"/>
+              <a:t>NonLinear RelationshipS</a:t>
+            </a:r>
+          </a:p>
+        </p:txBody>
+      </p:sp>
+      <p:sp>
+        <p:nvSpPr>
+          <p:cNvPr id="215" name="Shape 215"/>
           <p:cNvSpPr/>
           <p:nvPr>
-            <p:ph type="body" sz="half" idx="1"/>
+            <p:ph type="body" idx="1"/>
           </p:nvPr>
         </p:nvSpPr>
         <p:spPr>
           <a:xfrm>
             <a:off x="406400" y="3953767"/>
-            <a:ext cx="12192000" cy="2531602"/>
-          </a:xfrm>
-          <a:prstGeom prst="rect">
-            <a:avLst/>
-          </a:prstGeom>
-        </p:spPr>
-        <p:txBody>
-          <a:bodyPr anchor="t"/>
+            <a:ext cx="12620982" cy="5873760"/>
+          </a:xfrm>
+          <a:prstGeom prst="rect">
+            <a:avLst/>
+          </a:prstGeom>
+        </p:spPr>
+        <p:txBody>
+          <a:bodyPr/>
           <a:lstStyle/>
           <a:p>
-            <a:pPr marL="614194" indent="-614194" defTabSz="508254">
-              <a:lnSpc>
-                <a:spcPct val="100000"/>
-              </a:lnSpc>
-              <a:spcBef>
-                <a:spcPts val="2400"/>
-              </a:spcBef>
+            <a:pPr marL="705970" indent="-705970">
+              <a:buClrTx/>
               <a:buSzPct val="40000"/>
+              <a:buFontTx/>
               <a:buBlip>
                 <a:blip r:embed="rId2"/>
               </a:buBlip>
-              <a:defRPr cap="none" spc="0" sz="5500">
-                <a:latin typeface="Avenir Next Medium"/>
-                <a:ea typeface="Avenir Next Medium"/>
-                <a:cs typeface="Avenir Next Medium"/>
-                <a:sym typeface="Avenir Next Medium"/>
-              </a:defRPr>
+              <a:defRPr sz="6400"/>
             </a:pPr>
             <a:r>
-              <a:t>Similar to groupby</a:t>
-            </a:r>
-          </a:p>
-          <a:p>
-            <a:pPr marL="614194" indent="-614194" defTabSz="508254">
-              <a:lnSpc>
-                <a:spcPct val="200000"/>
-              </a:lnSpc>
-              <a:spcBef>
-                <a:spcPts val="2400"/>
-              </a:spcBef>
+              <a:t>time in oven —&gt; quality of cake</a:t>
+            </a:r>
+          </a:p>
+          <a:p>
+            <a:pPr marL="705970" indent="-705970">
+              <a:buClrTx/>
               <a:buSzPct val="40000"/>
+              <a:buFontTx/>
               <a:buBlip>
                 <a:blip r:embed="rId2"/>
               </a:buBlip>
-              <a:defRPr cap="none" spc="0" sz="5500">
-                <a:latin typeface="Avenir Next Medium"/>
-                <a:ea typeface="Avenir Next Medium"/>
-                <a:cs typeface="Avenir Next Medium"/>
-                <a:sym typeface="Avenir Next Medium"/>
-              </a:defRPr>
+              <a:defRPr sz="6400"/>
             </a:pPr>
             <a:r>
-              <a:t>Segments data</a:t>
-            </a:r>
-            <a:r>
-              <a:t> along multiple axes</a:t>
+              <a:t>height of car —&gt; price</a:t>
             </a:r>
           </a:p>
         </p:txBody>
@@ -11443,7 +10004,7 @@
       </p:grpSpPr>
       <p:sp>
         <p:nvSpPr>
-          <p:cNvPr id="216" name="Shape 216"/>
+          <p:cNvPr id="217" name="Shape 217"/>
           <p:cNvSpPr/>
           <p:nvPr>
             <p:ph type="title"/>
@@ -11452,7 +10013,7 @@
         <p:spPr>
           <a:xfrm>
             <a:off x="406400" y="1536700"/>
-            <a:ext cx="12192000" cy="1169261"/>
+            <a:ext cx="12192000" cy="1169260"/>
           </a:xfrm>
           <a:prstGeom prst="rect">
             <a:avLst/>
@@ -11465,104 +10026,72 @@
               <a:spcBef>
                 <a:spcPts val="1900"/>
               </a:spcBef>
-              <a:defRPr sz="8200"/>
+              <a:defRPr sz="8280"/>
             </a:lvl1pPr>
           </a:lstStyle>
           <a:p>
             <a:pPr/>
             <a:r>
-              <a:t>matplotlib.Pyplot</a:t>
-            </a:r>
-          </a:p>
-        </p:txBody>
-      </p:sp>
-      <p:sp>
-        <p:nvSpPr>
-          <p:cNvPr id="217" name="Shape 217"/>
+              <a:t>Linear Models</a:t>
+            </a:r>
+          </a:p>
+        </p:txBody>
+      </p:sp>
+      <p:sp>
+        <p:nvSpPr>
+          <p:cNvPr id="218" name="Shape 218"/>
           <p:cNvSpPr/>
           <p:nvPr>
-            <p:ph type="body" idx="1"/>
+            <p:ph type="body" sz="half" idx="1"/>
           </p:nvPr>
         </p:nvSpPr>
         <p:spPr>
           <a:xfrm>
             <a:off x="406400" y="3953767"/>
-            <a:ext cx="12192000" cy="4909099"/>
-          </a:xfrm>
-          <a:prstGeom prst="rect">
-            <a:avLst/>
-          </a:prstGeom>
-        </p:spPr>
-        <p:txBody>
-          <a:bodyPr anchor="t"/>
+            <a:ext cx="12192000" cy="2531601"/>
+          </a:xfrm>
+          <a:prstGeom prst="rect">
+            <a:avLst/>
+          </a:prstGeom>
+        </p:spPr>
+        <p:txBody>
+          <a:bodyPr/>
           <a:lstStyle/>
+          <a:p>
+            <a:pPr marL="663612" indent="-663612" defTabSz="549148">
+              <a:spcBef>
+                <a:spcPts val="2600"/>
+              </a:spcBef>
+              <a:buClrTx/>
+              <a:buSzPct val="40000"/>
+              <a:buFontTx/>
+              <a:buBlip>
+                <a:blip r:embed="rId2"/>
+              </a:buBlip>
+              <a:defRPr sz="6016"/>
+            </a:pPr>
+            <a:r>
+              <a:t>Outputs line of best fit</a:t>
+            </a:r>
+          </a:p>
           <a:p>
             <a:pPr marL="663612" indent="-663612" defTabSz="549148">
               <a:lnSpc>
-                <a:spcPct val="100000"/>
+                <a:spcPct val="200000"/>
               </a:lnSpc>
               <a:spcBef>
                 <a:spcPts val="2600"/>
               </a:spcBef>
+              <a:buClrTx/>
               <a:buSzPct val="40000"/>
+              <a:buFontTx/>
               <a:buBlip>
                 <a:blip r:embed="rId2"/>
               </a:buBlip>
-              <a:defRPr cap="none" spc="0" sz="6000">
-                <a:latin typeface="Avenir Next Medium"/>
-                <a:ea typeface="Avenir Next Medium"/>
-                <a:cs typeface="Avenir Next Medium"/>
-                <a:sym typeface="Avenir Next Medium"/>
-              </a:defRPr>
+              <a:defRPr sz="6016"/>
             </a:pPr>
             <a:r>
-              <a:t>Imported as plt</a:t>
-            </a:r>
-          </a:p>
-          <a:p>
-            <a:pPr marL="663612" indent="-663612" defTabSz="549148">
-              <a:lnSpc>
-                <a:spcPct val="100000"/>
-              </a:lnSpc>
-              <a:spcBef>
-                <a:spcPts val="2600"/>
-              </a:spcBef>
-              <a:buSzPct val="40000"/>
-              <a:buBlip>
-                <a:blip r:embed="rId2"/>
-              </a:buBlip>
-              <a:defRPr cap="none" spc="0" sz="6000">
-                <a:latin typeface="Avenir Next Medium"/>
-                <a:ea typeface="Avenir Next Medium"/>
-                <a:cs typeface="Avenir Next Medium"/>
-                <a:sym typeface="Avenir Next Medium"/>
-              </a:defRPr>
-            </a:pPr>
-            <a:r>
-              <a:t>Stores global state</a:t>
-            </a:r>
-          </a:p>
-          <a:p>
-            <a:pPr marL="663612" indent="-663612" defTabSz="549148">
-              <a:lnSpc>
-                <a:spcPct val="100000"/>
-              </a:lnSpc>
-              <a:spcBef>
-                <a:spcPts val="2600"/>
-              </a:spcBef>
-              <a:buSzPct val="40000"/>
-              <a:buBlip>
-                <a:blip r:embed="rId2"/>
-              </a:buBlip>
-              <a:defRPr cap="none" spc="0" sz="6000">
-                <a:latin typeface="Avenir Next Medium"/>
-                <a:ea typeface="Avenir Next Medium"/>
-                <a:cs typeface="Avenir Next Medium"/>
-                <a:sym typeface="Avenir Next Medium"/>
-              </a:defRPr>
-            </a:pPr>
-            <a:r>
-              <a:t>Use for setting global style</a:t>
+              <a:t>“Best fit” is a function of error </a:t>
             </a:r>
           </a:p>
         </p:txBody>
@@ -11595,7 +10124,7 @@
       </p:grpSpPr>
       <p:sp>
         <p:nvSpPr>
-          <p:cNvPr id="219" name="Shape 219"/>
+          <p:cNvPr id="220" name="Shape 220"/>
           <p:cNvSpPr/>
           <p:nvPr>
             <p:ph type="title"/>
@@ -11604,7 +10133,7 @@
         <p:spPr>
           <a:xfrm>
             <a:off x="406400" y="1536700"/>
-            <a:ext cx="12192000" cy="1169261"/>
+            <a:ext cx="12192000" cy="1169260"/>
           </a:xfrm>
           <a:prstGeom prst="rect">
             <a:avLst/>
@@ -11617,56 +10146,72 @@
               <a:spcBef>
                 <a:spcPts val="1900"/>
               </a:spcBef>
-              <a:defRPr sz="8200"/>
+              <a:defRPr sz="8280"/>
             </a:lvl1pPr>
           </a:lstStyle>
           <a:p>
             <a:pPr/>
             <a:r>
-              <a:t>matplotlib.Pyplot</a:t>
-            </a:r>
-          </a:p>
-        </p:txBody>
-      </p:sp>
-      <p:sp>
-        <p:nvSpPr>
-          <p:cNvPr id="220" name="Shape 220"/>
+              <a:t>single-variable Linear models</a:t>
+            </a:r>
+          </a:p>
+        </p:txBody>
+      </p:sp>
+      <p:sp>
+        <p:nvSpPr>
+          <p:cNvPr id="221" name="Shape 221"/>
           <p:cNvSpPr/>
           <p:nvPr>
-            <p:ph type="body" idx="1"/>
+            <p:ph type="body" sz="half" idx="1"/>
           </p:nvPr>
         </p:nvSpPr>
         <p:spPr>
           <a:xfrm>
-            <a:off x="406400" y="4415907"/>
-            <a:ext cx="13004800" cy="4909100"/>
-          </a:xfrm>
-          <a:prstGeom prst="rect">
-            <a:avLst/>
-          </a:prstGeom>
-        </p:spPr>
-        <p:txBody>
-          <a:bodyPr anchor="t"/>
-          <a:lstStyle>
-            <a:lvl1pPr defTabSz="549148">
+            <a:off x="406400" y="3953767"/>
+            <a:ext cx="12192000" cy="2531601"/>
+          </a:xfrm>
+          <a:prstGeom prst="rect">
+            <a:avLst/>
+          </a:prstGeom>
+        </p:spPr>
+        <p:txBody>
+          <a:bodyPr/>
+          <a:lstStyle/>
+          <a:p>
+            <a:pPr marL="663612" indent="-663612" defTabSz="549148">
+              <a:spcBef>
+                <a:spcPts val="2600"/>
+              </a:spcBef>
+              <a:buClrTx/>
+              <a:buSzPct val="40000"/>
+              <a:buFontTx/>
+              <a:buBlip>
+                <a:blip r:embed="rId2"/>
+              </a:buBlip>
+              <a:defRPr sz="6016"/>
+            </a:pPr>
+            <a:r>
+              <a:t>No magic!</a:t>
+            </a:r>
+          </a:p>
+          <a:p>
+            <a:pPr marL="663612" indent="-663612" defTabSz="549148">
               <a:lnSpc>
-                <a:spcPct val="100000"/>
+                <a:spcPct val="200000"/>
               </a:lnSpc>
               <a:spcBef>
                 <a:spcPts val="2600"/>
               </a:spcBef>
-              <a:defRPr cap="none" spc="0" sz="6000">
-                <a:latin typeface="Courier"/>
-                <a:ea typeface="Courier"/>
-                <a:cs typeface="Courier"/>
-                <a:sym typeface="Courier"/>
-              </a:defRPr>
-            </a:lvl1pPr>
-          </a:lstStyle>
-          <a:p>
-            <a:pPr/>
-            <a:r>
-              <a:t>from matplotlib import pyplot as plt</a:t>
+              <a:buClrTx/>
+              <a:buSzPct val="40000"/>
+              <a:buFontTx/>
+              <a:buBlip>
+                <a:blip r:embed="rId2"/>
+              </a:buBlip>
+              <a:defRPr sz="6016"/>
+            </a:pPr>
+            <a:r>
+              <a:t>2 dials: coefficient and intercept</a:t>
             </a:r>
           </a:p>
         </p:txBody>
@@ -11699,7 +10244,7 @@
       </p:grpSpPr>
       <p:sp>
         <p:nvSpPr>
-          <p:cNvPr id="222" name="Shape 222"/>
+          <p:cNvPr id="223" name="Shape 223"/>
           <p:cNvSpPr/>
           <p:nvPr>
             <p:ph type="title"/>
@@ -11708,7 +10253,7 @@
         <p:spPr>
           <a:xfrm>
             <a:off x="406400" y="1536700"/>
-            <a:ext cx="12192000" cy="1169261"/>
+            <a:ext cx="12192000" cy="1169260"/>
           </a:xfrm>
           <a:prstGeom prst="rect">
             <a:avLst/>
@@ -11721,56 +10266,75 @@
               <a:spcBef>
                 <a:spcPts val="1900"/>
               </a:spcBef>
-              <a:defRPr sz="8200"/>
+              <a:defRPr sz="8280"/>
             </a:lvl1pPr>
           </a:lstStyle>
           <a:p>
             <a:pPr/>
             <a:r>
-              <a:t>matplotlib.Pyplot</a:t>
-            </a:r>
-          </a:p>
-        </p:txBody>
-      </p:sp>
-      <p:sp>
-        <p:nvSpPr>
-          <p:cNvPr id="223" name="Shape 223"/>
-          <p:cNvSpPr/>
-          <p:nvPr>
-            <p:ph type="body" idx="1"/>
-          </p:nvPr>
+              <a:t>single-variable</a:t>
+            </a:r>
+          </a:p>
+        </p:txBody>
+      </p:sp>
+      <p:sp>
+        <p:nvSpPr>
+          <p:cNvPr id="224" name="Shape 224"/>
+          <p:cNvSpPr/>
+          <p:nvPr/>
         </p:nvSpPr>
         <p:spPr>
           <a:xfrm>
-            <a:off x="406400" y="4561847"/>
-            <a:ext cx="12192000" cy="4909099"/>
-          </a:xfrm>
-          <a:prstGeom prst="rect">
-            <a:avLst/>
-          </a:prstGeom>
-        </p:spPr>
-        <p:txBody>
-          <a:bodyPr anchor="t"/>
-          <a:lstStyle>
-            <a:lvl1pPr defTabSz="549148">
-              <a:lnSpc>
-                <a:spcPct val="100000"/>
-              </a:lnSpc>
-              <a:spcBef>
-                <a:spcPts val="2600"/>
-              </a:spcBef>
-              <a:defRPr cap="none" spc="0" sz="6000">
-                <a:latin typeface="Courier"/>
-                <a:ea typeface="Courier"/>
-                <a:cs typeface="Courier"/>
-                <a:sym typeface="Courier"/>
+            <a:off x="656526" y="4571724"/>
+            <a:ext cx="12136011" cy="1333501"/>
+          </a:xfrm>
+          <a:prstGeom prst="rect">
+            <a:avLst/>
+          </a:prstGeom>
+          <a:ln w="12700">
+            <a:miter lim="400000"/>
+          </a:ln>
+          <a:extLst>
+            <a:ext uri="{C572A759-6A51-4108-AA02-DFA0A04FC94B}">
+              <ma14:wrappingTextBoxFlag xmlns:ma14="http://schemas.microsoft.com/office/mac/drawingml/2011/main" val="1"/>
+            </a:ext>
+          </a:extLst>
+        </p:spPr>
+        <p:txBody>
+          <a:bodyPr lIns="50800" tIns="50800" rIns="50800" bIns="50800" anchor="ctr">
+            <a:spAutoFit/>
+          </a:bodyPr>
+          <a:lstStyle/>
+          <a:p>
+            <a:pPr>
+              <a:defRPr sz="8100">
+                <a:latin typeface="Anonymous Pro for Powerline"/>
+                <a:ea typeface="Anonymous Pro for Powerline"/>
+                <a:cs typeface="Anonymous Pro for Powerline"/>
+                <a:sym typeface="Anonymous Pro for Powerline"/>
               </a:defRPr>
-            </a:lvl1pPr>
-          </a:lstStyle>
-          <a:p>
-            <a:pPr/>
-            <a:r>
-              <a:t>plt.style.use('seaborn')</a:t>
+            </a:pPr>
+            <a:r>
+              <a:rPr>
+                <a:solidFill>
+                  <a:schemeClr val="accent5"/>
+                </a:solidFill>
+              </a:rPr>
+              <a:t>y</a:t>
+            </a:r>
+            <a:r>
+              <a:t> = 2</a:t>
+            </a:r>
+            <a:r>
+              <a:rPr>
+                <a:solidFill>
+                  <a:schemeClr val="accent3"/>
+                </a:solidFill>
+              </a:rPr>
+              <a:t>x</a:t>
+            </a:r>
+            <a:r>
+              <a:t> + 1</a:t>
             </a:r>
           </a:p>
         </p:txBody>
@@ -11803,7 +10367,7 @@
       </p:grpSpPr>
       <p:sp>
         <p:nvSpPr>
-          <p:cNvPr id="225" name="Shape 225"/>
+          <p:cNvPr id="226" name="Shape 226"/>
           <p:cNvSpPr/>
           <p:nvPr>
             <p:ph type="title"/>
@@ -11831,21 +10395,21 @@
           <a:p>
             <a:pPr/>
             <a:r>
-              <a:t>Plotting with Matplotlib</a:t>
-            </a:r>
-          </a:p>
-        </p:txBody>
-      </p:sp>
-      <p:sp>
-        <p:nvSpPr>
-          <p:cNvPr id="226" name="Shape 226"/>
+              <a:t>single-variable</a:t>
+            </a:r>
+          </a:p>
+        </p:txBody>
+      </p:sp>
+      <p:sp>
+        <p:nvSpPr>
+          <p:cNvPr id="227" name="Shape 227"/>
           <p:cNvSpPr/>
           <p:nvPr/>
         </p:nvSpPr>
         <p:spPr>
           <a:xfrm>
-            <a:off x="455296" y="4286249"/>
-            <a:ext cx="12192002" cy="3035301"/>
+            <a:off x="656526" y="4571724"/>
+            <a:ext cx="12136011" cy="1333501"/>
           </a:xfrm>
           <a:prstGeom prst="rect">
             <a:avLst/>
@@ -11866,7 +10430,7 @@
           <a:lstStyle/>
           <a:p>
             <a:pPr>
-              <a:defRPr sz="5100">
+              <a:defRPr sz="8100">
                 <a:latin typeface="Anonymous Pro for Powerline"/>
                 <a:ea typeface="Anonymous Pro for Powerline"/>
                 <a:cs typeface="Anonymous Pro for Powerline"/>
@@ -11874,33 +10438,118 @@
               </a:defRPr>
             </a:pPr>
             <a:r>
-              <a:t>ax = my_df.plot(kind='bar')</a:t>
-            </a:r>
-          </a:p>
-          <a:p>
-            <a:pPr>
-              <a:defRPr sz="5100">
-                <a:latin typeface="Anonymous Pro for Powerline"/>
-                <a:ea typeface="Anonymous Pro for Powerline"/>
-                <a:cs typeface="Anonymous Pro for Powerline"/>
-                <a:sym typeface="Anonymous Pro for Powerline"/>
+              <a:rPr>
+                <a:solidFill>
+                  <a:schemeClr val="accent5"/>
+                </a:solidFill>
+              </a:rPr>
+              <a:t>y</a:t>
+            </a:r>
+            <a:r>
+              <a:t> = 2</a:t>
+            </a:r>
+            <a:r>
+              <a:rPr>
+                <a:solidFill>
+                  <a:schemeClr val="accent3"/>
+                </a:solidFill>
+              </a:rPr>
+              <a:t>x</a:t>
+            </a:r>
+            <a:r>
+              <a:t> + 1</a:t>
+            </a:r>
+          </a:p>
+        </p:txBody>
+      </p:sp>
+      <p:sp>
+        <p:nvSpPr>
+          <p:cNvPr id="228" name="Shape 228"/>
+          <p:cNvSpPr/>
+          <p:nvPr/>
+        </p:nvSpPr>
+        <p:spPr>
+          <a:xfrm rot="16200000">
+            <a:off x="2341774" y="6391994"/>
+            <a:ext cx="1620784" cy="518251"/>
+          </a:xfrm>
+          <a:prstGeom prst="rightArrow">
+            <a:avLst>
+              <a:gd name="adj1" fmla="val 34174"/>
+              <a:gd name="adj2" fmla="val 145948"/>
+            </a:avLst>
+          </a:prstGeom>
+          <a:solidFill>
+            <a:schemeClr val="accent5"/>
+          </a:solidFill>
+          <a:ln w="12700">
+            <a:miter lim="400000"/>
+          </a:ln>
+        </p:spPr>
+        <p:txBody>
+          <a:bodyPr lIns="50800" tIns="50800" rIns="50800" bIns="50800" anchor="ctr"/>
+          <a:lstStyle/>
+          <a:p>
+            <a:pPr algn="ctr">
+              <a:lnSpc>
+                <a:spcPct val="80000"/>
+              </a:lnSpc>
+              <a:spcBef>
+                <a:spcPts val="0"/>
+              </a:spcBef>
+              <a:defRPr cap="all" sz="2800">
+                <a:solidFill>
+                  <a:srgbClr val="FFFFFF"/>
+                </a:solidFill>
+                <a:latin typeface="+mn-lt"/>
+                <a:ea typeface="+mn-ea"/>
+                <a:cs typeface="+mn-cs"/>
+                <a:sym typeface="DIN Condensed"/>
               </a:defRPr>
             </a:pPr>
-            <a:r>
-              <a:t>fig = plt.gcf()</a:t>
-            </a:r>
-          </a:p>
-          <a:p>
-            <a:pPr>
-              <a:defRPr sz="5100">
-                <a:latin typeface="Anonymous Pro for Powerline"/>
-                <a:ea typeface="Anonymous Pro for Powerline"/>
-                <a:cs typeface="Anonymous Pro for Powerline"/>
-                <a:sym typeface="Anonymous Pro for Powerline"/>
+          </a:p>
+        </p:txBody>
+      </p:sp>
+      <p:sp>
+        <p:nvSpPr>
+          <p:cNvPr id="229" name="Shape 229"/>
+          <p:cNvSpPr/>
+          <p:nvPr/>
+        </p:nvSpPr>
+        <p:spPr>
+          <a:xfrm>
+            <a:off x="1667027" y="7499394"/>
+            <a:ext cx="7605523" cy="1143001"/>
+          </a:xfrm>
+          <a:prstGeom prst="rect">
+            <a:avLst/>
+          </a:prstGeom>
+          <a:ln w="12700">
+            <a:miter lim="400000"/>
+          </a:ln>
+          <a:extLst>
+            <a:ext uri="{C572A759-6A51-4108-AA02-DFA0A04FC94B}">
+              <ma14:wrappingTextBoxFlag xmlns:ma14="http://schemas.microsoft.com/office/mac/drawingml/2011/main" val="1"/>
+            </a:ext>
+          </a:extLst>
+        </p:spPr>
+        <p:txBody>
+          <a:bodyPr wrap="none" lIns="50800" tIns="50800" rIns="50800" bIns="50800" anchor="ctr">
+            <a:spAutoFit/>
+          </a:bodyPr>
+          <a:lstStyle>
+            <a:lvl1pPr>
+              <a:defRPr sz="6000">
+                <a:solidFill>
+                  <a:schemeClr val="accent5"/>
+                </a:solidFill>
               </a:defRPr>
-            </a:pPr>
-            <a:r>
-              <a:t> </a:t>
+            </a:lvl1pPr>
+          </a:lstStyle>
+          <a:p>
+            <a:pPr/>
+            <a:r>
+              <a:t>coefficient AKA slope</a:t>
             </a:r>
           </a:p>
         </p:txBody>
